--- a/docs/part_7/production_7.pptx
+++ b/docs/part_7/production_7.pptx
@@ -1,9 +1,12 @@
 
 <file path=ppt/presentation.xml><?xml version="1.0" encoding="utf-8"?>
-<p:presentation xmlns:a="http://schemas.openxmlformats.org/drawingml/2006/main" xmlns:p="http://schemas.openxmlformats.org/presentationml/2006/main" xmlns:r="http://schemas.openxmlformats.org/officeDocument/2006/relationships" saveSubsetFonts="1">
+<p:presentation xmlns:a="http://schemas.openxmlformats.org/drawingml/2006/main" xmlns:r="http://schemas.openxmlformats.org/officeDocument/2006/relationships" xmlns:p="http://schemas.openxmlformats.org/presentationml/2006/main" showSpecialPlsOnTitleSld="0" saveSubsetFonts="1">
   <p:sldMasterIdLst>
     <p:sldMasterId id="2147484296" r:id="rId1"/>
   </p:sldMasterIdLst>
+  <p:notesMasterIdLst>
+    <p:notesMasterId r:id="rId24"/>
+  </p:notesMasterIdLst>
   <p:sldIdLst>
     <p:sldId id="256" r:id="rId2"/>
     <p:sldId id="257" r:id="rId3"/>
@@ -19,6 +22,14 @@
     <p:sldId id="267" r:id="rId13"/>
     <p:sldId id="268" r:id="rId14"/>
     <p:sldId id="269" r:id="rId15"/>
+    <p:sldId id="270" r:id="rId16"/>
+    <p:sldId id="271" r:id="rId17"/>
+    <p:sldId id="272" r:id="rId18"/>
+    <p:sldId id="273" r:id="rId19"/>
+    <p:sldId id="274" r:id="rId20"/>
+    <p:sldId id="275" r:id="rId21"/>
+    <p:sldId id="276" r:id="rId22"/>
+    <p:sldId id="277" r:id="rId23"/>
   </p:sldIdLst>
   <p:sldSz cx="12192000" cy="6858000"/>
   <p:notesSz cx="6858000" cy="9144000"/>
@@ -26,8 +37,8 @@
     <a:defPPr>
       <a:defRPr lang="en-US"/>
     </a:defPPr>
-    <a:lvl1pPr algn="l" defTabSz="457200" eaLnBrk="1" hangingPunct="1" latinLnBrk="0" marL="0" rtl="0">
-      <a:defRPr kern="1200" sz="1800">
+    <a:lvl1pPr marL="0" algn="l" defTabSz="457200" rtl="0" eaLnBrk="1" latinLnBrk="0" hangingPunct="1">
+      <a:defRPr sz="1800" kern="1200">
         <a:solidFill>
           <a:schemeClr val="tx1"/>
         </a:solidFill>
@@ -36,8 +47,8 @@
         <a:cs typeface="+mn-cs"/>
       </a:defRPr>
     </a:lvl1pPr>
-    <a:lvl2pPr algn="l" defTabSz="457200" eaLnBrk="1" hangingPunct="1" latinLnBrk="0" marL="457200" rtl="0">
-      <a:defRPr kern="1200" sz="1800">
+    <a:lvl2pPr marL="457200" algn="l" defTabSz="457200" rtl="0" eaLnBrk="1" latinLnBrk="0" hangingPunct="1">
+      <a:defRPr sz="1800" kern="1200">
         <a:solidFill>
           <a:schemeClr val="tx1"/>
         </a:solidFill>
@@ -46,8 +57,8 @@
         <a:cs typeface="+mn-cs"/>
       </a:defRPr>
     </a:lvl2pPr>
-    <a:lvl3pPr algn="l" defTabSz="457200" eaLnBrk="1" hangingPunct="1" latinLnBrk="0" marL="914400" rtl="0">
-      <a:defRPr kern="1200" sz="1800">
+    <a:lvl3pPr marL="914400" algn="l" defTabSz="457200" rtl="0" eaLnBrk="1" latinLnBrk="0" hangingPunct="1">
+      <a:defRPr sz="1800" kern="1200">
         <a:solidFill>
           <a:schemeClr val="tx1"/>
         </a:solidFill>
@@ -56,8 +67,8 @@
         <a:cs typeface="+mn-cs"/>
       </a:defRPr>
     </a:lvl3pPr>
-    <a:lvl4pPr algn="l" defTabSz="457200" eaLnBrk="1" hangingPunct="1" latinLnBrk="0" marL="1371600" rtl="0">
-      <a:defRPr kern="1200" sz="1800">
+    <a:lvl4pPr marL="1371600" algn="l" defTabSz="457200" rtl="0" eaLnBrk="1" latinLnBrk="0" hangingPunct="1">
+      <a:defRPr sz="1800" kern="1200">
         <a:solidFill>
           <a:schemeClr val="tx1"/>
         </a:solidFill>
@@ -66,8 +77,8 @@
         <a:cs typeface="+mn-cs"/>
       </a:defRPr>
     </a:lvl4pPr>
-    <a:lvl5pPr algn="l" defTabSz="457200" eaLnBrk="1" hangingPunct="1" latinLnBrk="0" marL="1828800" rtl="0">
-      <a:defRPr kern="1200" sz="1800">
+    <a:lvl5pPr marL="1828800" algn="l" defTabSz="457200" rtl="0" eaLnBrk="1" latinLnBrk="0" hangingPunct="1">
+      <a:defRPr sz="1800" kern="1200">
         <a:solidFill>
           <a:schemeClr val="tx1"/>
         </a:solidFill>
@@ -76,8 +87,8 @@
         <a:cs typeface="+mn-cs"/>
       </a:defRPr>
     </a:lvl5pPr>
-    <a:lvl6pPr algn="l" defTabSz="457200" eaLnBrk="1" hangingPunct="1" latinLnBrk="0" marL="2286000" rtl="0">
-      <a:defRPr kern="1200" sz="1800">
+    <a:lvl6pPr marL="2286000" algn="l" defTabSz="457200" rtl="0" eaLnBrk="1" latinLnBrk="0" hangingPunct="1">
+      <a:defRPr sz="1800" kern="1200">
         <a:solidFill>
           <a:schemeClr val="tx1"/>
         </a:solidFill>
@@ -86,8 +97,8 @@
         <a:cs typeface="+mn-cs"/>
       </a:defRPr>
     </a:lvl6pPr>
-    <a:lvl7pPr algn="l" defTabSz="457200" eaLnBrk="1" hangingPunct="1" latinLnBrk="0" marL="2743200" rtl="0">
-      <a:defRPr kern="1200" sz="1800">
+    <a:lvl7pPr marL="2743200" algn="l" defTabSz="457200" rtl="0" eaLnBrk="1" latinLnBrk="0" hangingPunct="1">
+      <a:defRPr sz="1800" kern="1200">
         <a:solidFill>
           <a:schemeClr val="tx1"/>
         </a:solidFill>
@@ -96,8 +107,8 @@
         <a:cs typeface="+mn-cs"/>
       </a:defRPr>
     </a:lvl7pPr>
-    <a:lvl8pPr algn="l" defTabSz="457200" eaLnBrk="1" hangingPunct="1" latinLnBrk="0" marL="3200400" rtl="0">
-      <a:defRPr kern="1200" sz="1800">
+    <a:lvl8pPr marL="3200400" algn="l" defTabSz="457200" rtl="0" eaLnBrk="1" latinLnBrk="0" hangingPunct="1">
+      <a:defRPr sz="1800" kern="1200">
         <a:solidFill>
           <a:schemeClr val="tx1"/>
         </a:solidFill>
@@ -106,8 +117,8 @@
         <a:cs typeface="+mn-cs"/>
       </a:defRPr>
     </a:lvl8pPr>
-    <a:lvl9pPr algn="l" defTabSz="457200" eaLnBrk="1" hangingPunct="1" latinLnBrk="0" marL="3657600" rtl="0">
-      <a:defRPr kern="1200" sz="1800">
+    <a:lvl9pPr marL="3657600" algn="l" defTabSz="457200" rtl="0" eaLnBrk="1" latinLnBrk="0" hangingPunct="1">
+      <a:defRPr sz="1800" kern="1200">
         <a:solidFill>
           <a:schemeClr val="tx1"/>
         </a:solidFill>
@@ -123,6 +134,356 @@
     </p:ext>
   </p:extLst>
 </p:presentation>
+</file>
+
+<file path=ppt/notesMasters/notesMaster1.xml><?xml version="1.0" encoding="utf-8"?>
+<p:notesMaster xmlns:a="http://schemas.openxmlformats.org/drawingml/2006/main" xmlns:r="http://schemas.openxmlformats.org/officeDocument/2006/relationships" xmlns:p="http://schemas.openxmlformats.org/presentationml/2006/main">
+  <p:cSld>
+    <p:bg>
+      <p:bgRef idx="1001">
+        <a:schemeClr val="bg1"/>
+      </p:bgRef>
+    </p:bg>
+    <p:spTree>
+      <p:nvGrpSpPr>
+        <p:cNvPr id="1" name=""/>
+        <p:cNvGrpSpPr/>
+        <p:nvPr/>
+      </p:nvGrpSpPr>
+      <p:grpSpPr>
+        <a:xfrm>
+          <a:off x="0" y="0"/>
+          <a:ext cx="0" cy="0"/>
+          <a:chOff x="0" y="0"/>
+          <a:chExt cx="0" cy="0"/>
+        </a:xfrm>
+      </p:grpSpPr>
+      <p:sp>
+        <p:nvSpPr>
+          <p:cNvPr id="2" name="Header Placeholder 1"/>
+          <p:cNvSpPr>
+            <a:spLocks noGrp="1"/>
+          </p:cNvSpPr>
+          <p:nvPr>
+            <p:ph type="hdr" sz="quarter"/>
+          </p:nvPr>
+        </p:nvSpPr>
+        <p:spPr>
+          <a:xfrm>
+            <a:off x="0" y="0"/>
+            <a:ext cx="2971800" cy="458788"/>
+          </a:xfrm>
+          <a:prstGeom prst="rect">
+            <a:avLst/>
+          </a:prstGeom>
+        </p:spPr>
+        <p:txBody>
+          <a:bodyPr vert="horz" lIns="91440" tIns="45720" rIns="91440" bIns="45720" rtlCol="0"/>
+          <a:lstStyle>
+            <a:lvl1pPr algn="l">
+              <a:defRPr sz="1200"/>
+            </a:lvl1pPr>
+          </a:lstStyle>
+          <a:p>
+            <a:endParaRPr lang="en-CA"/>
+          </a:p>
+        </p:txBody>
+      </p:sp>
+      <p:sp>
+        <p:nvSpPr>
+          <p:cNvPr id="3" name="Date Placeholder 2"/>
+          <p:cNvSpPr>
+            <a:spLocks noGrp="1"/>
+          </p:cNvSpPr>
+          <p:nvPr>
+            <p:ph type="dt" idx="1"/>
+          </p:nvPr>
+        </p:nvSpPr>
+        <p:spPr>
+          <a:xfrm>
+            <a:off x="3884613" y="0"/>
+            <a:ext cx="2971800" cy="458788"/>
+          </a:xfrm>
+          <a:prstGeom prst="rect">
+            <a:avLst/>
+          </a:prstGeom>
+        </p:spPr>
+        <p:txBody>
+          <a:bodyPr vert="horz" lIns="91440" tIns="45720" rIns="91440" bIns="45720" rtlCol="0"/>
+          <a:lstStyle>
+            <a:lvl1pPr algn="r">
+              <a:defRPr sz="1200"/>
+            </a:lvl1pPr>
+          </a:lstStyle>
+          <a:p>
+            <a:fld id="{5A5F71ED-C971-4277-A49E-071EAE3B4783}" type="datetimeFigureOut">
+              <a:rPr lang="en-CA" smtClean="0"/>
+              <a:t>2024-03-03</a:t>
+            </a:fld>
+            <a:endParaRPr lang="en-CA"/>
+          </a:p>
+        </p:txBody>
+      </p:sp>
+      <p:sp>
+        <p:nvSpPr>
+          <p:cNvPr id="4" name="Slide Image Placeholder 3"/>
+          <p:cNvSpPr>
+            <a:spLocks noGrp="1" noRot="1" noChangeAspect="1"/>
+          </p:cNvSpPr>
+          <p:nvPr>
+            <p:ph type="sldImg" idx="2"/>
+          </p:nvPr>
+        </p:nvSpPr>
+        <p:spPr>
+          <a:xfrm>
+            <a:off x="685800" y="1143000"/>
+            <a:ext cx="5486400" cy="3086100"/>
+          </a:xfrm>
+          <a:prstGeom prst="rect">
+            <a:avLst/>
+          </a:prstGeom>
+          <a:noFill/>
+          <a:ln w="12700">
+            <a:solidFill>
+              <a:prstClr val="black"/>
+            </a:solidFill>
+          </a:ln>
+        </p:spPr>
+        <p:txBody>
+          <a:bodyPr vert="horz" lIns="91440" tIns="45720" rIns="91440" bIns="45720" rtlCol="0" anchor="ctr"/>
+          <a:lstStyle/>
+          <a:p>
+            <a:endParaRPr lang="en-CA"/>
+          </a:p>
+        </p:txBody>
+      </p:sp>
+      <p:sp>
+        <p:nvSpPr>
+          <p:cNvPr id="5" name="Notes Placeholder 4"/>
+          <p:cNvSpPr>
+            <a:spLocks noGrp="1"/>
+          </p:cNvSpPr>
+          <p:nvPr>
+            <p:ph type="body" sz="quarter" idx="3"/>
+          </p:nvPr>
+        </p:nvSpPr>
+        <p:spPr>
+          <a:xfrm>
+            <a:off x="685800" y="4400550"/>
+            <a:ext cx="5486400" cy="3600450"/>
+          </a:xfrm>
+          <a:prstGeom prst="rect">
+            <a:avLst/>
+          </a:prstGeom>
+        </p:spPr>
+        <p:txBody>
+          <a:bodyPr vert="horz" lIns="91440" tIns="45720" rIns="91440" bIns="45720" rtlCol="0"/>
+          <a:lstStyle/>
+          <a:p>
+            <a:pPr lvl="0"/>
+            <a:r>
+              <a:rPr lang="en-US"/>
+              <a:t>Click to edit Master text styles</a:t>
+            </a:r>
+          </a:p>
+          <a:p>
+            <a:pPr lvl="1"/>
+            <a:r>
+              <a:rPr lang="en-US"/>
+              <a:t>Second level</a:t>
+            </a:r>
+          </a:p>
+          <a:p>
+            <a:pPr lvl="2"/>
+            <a:r>
+              <a:rPr lang="en-US"/>
+              <a:t>Third level</a:t>
+            </a:r>
+          </a:p>
+          <a:p>
+            <a:pPr lvl="3"/>
+            <a:r>
+              <a:rPr lang="en-US"/>
+              <a:t>Fourth level</a:t>
+            </a:r>
+          </a:p>
+          <a:p>
+            <a:pPr lvl="4"/>
+            <a:r>
+              <a:rPr lang="en-US"/>
+              <a:t>Fifth level</a:t>
+            </a:r>
+            <a:endParaRPr lang="en-CA"/>
+          </a:p>
+        </p:txBody>
+      </p:sp>
+      <p:sp>
+        <p:nvSpPr>
+          <p:cNvPr id="6" name="Footer Placeholder 5"/>
+          <p:cNvSpPr>
+            <a:spLocks noGrp="1"/>
+          </p:cNvSpPr>
+          <p:nvPr>
+            <p:ph type="ftr" sz="quarter" idx="4"/>
+          </p:nvPr>
+        </p:nvSpPr>
+        <p:spPr>
+          <a:xfrm>
+            <a:off x="0" y="8685213"/>
+            <a:ext cx="2971800" cy="458787"/>
+          </a:xfrm>
+          <a:prstGeom prst="rect">
+            <a:avLst/>
+          </a:prstGeom>
+        </p:spPr>
+        <p:txBody>
+          <a:bodyPr vert="horz" lIns="91440" tIns="45720" rIns="91440" bIns="45720" rtlCol="0" anchor="b"/>
+          <a:lstStyle>
+            <a:lvl1pPr algn="l">
+              <a:defRPr sz="1200"/>
+            </a:lvl1pPr>
+          </a:lstStyle>
+          <a:p>
+            <a:endParaRPr lang="en-CA"/>
+          </a:p>
+        </p:txBody>
+      </p:sp>
+      <p:sp>
+        <p:nvSpPr>
+          <p:cNvPr id="7" name="Slide Number Placeholder 6"/>
+          <p:cNvSpPr>
+            <a:spLocks noGrp="1"/>
+          </p:cNvSpPr>
+          <p:nvPr>
+            <p:ph type="sldNum" sz="quarter" idx="5"/>
+          </p:nvPr>
+        </p:nvSpPr>
+        <p:spPr>
+          <a:xfrm>
+            <a:off x="3884613" y="8685213"/>
+            <a:ext cx="2971800" cy="458787"/>
+          </a:xfrm>
+          <a:prstGeom prst="rect">
+            <a:avLst/>
+          </a:prstGeom>
+        </p:spPr>
+        <p:txBody>
+          <a:bodyPr vert="horz" lIns="91440" tIns="45720" rIns="91440" bIns="45720" rtlCol="0" anchor="b"/>
+          <a:lstStyle>
+            <a:lvl1pPr algn="r">
+              <a:defRPr sz="1200"/>
+            </a:lvl1pPr>
+          </a:lstStyle>
+          <a:p>
+            <a:fld id="{924B5E9A-F6F4-4F25-87C4-3494330E13D5}" type="slidenum">
+              <a:rPr lang="en-CA" smtClean="0"/>
+              <a:t>‹#›</a:t>
+            </a:fld>
+            <a:endParaRPr lang="en-CA"/>
+          </a:p>
+        </p:txBody>
+      </p:sp>
+    </p:spTree>
+    <p:extLst>
+      <p:ext uri="{BB962C8B-B14F-4D97-AF65-F5344CB8AC3E}">
+        <p14:creationId xmlns:p14="http://schemas.microsoft.com/office/powerpoint/2010/main" val="1908462085"/>
+      </p:ext>
+    </p:extLst>
+  </p:cSld>
+  <p:clrMap bg1="lt1" tx1="dk1" bg2="lt2" tx2="dk2" accent1="accent1" accent2="accent2" accent3="accent3" accent4="accent4" accent5="accent5" accent6="accent6" hlink="hlink" folHlink="folHlink"/>
+  <p:notesStyle>
+    <a:lvl1pPr marL="0" algn="l" defTabSz="914400" rtl="0" eaLnBrk="1" latinLnBrk="0" hangingPunct="1">
+      <a:defRPr sz="1200" kern="1200">
+        <a:solidFill>
+          <a:schemeClr val="tx1"/>
+        </a:solidFill>
+        <a:latin typeface="+mn-lt"/>
+        <a:ea typeface="+mn-ea"/>
+        <a:cs typeface="+mn-cs"/>
+      </a:defRPr>
+    </a:lvl1pPr>
+    <a:lvl2pPr marL="457200" algn="l" defTabSz="914400" rtl="0" eaLnBrk="1" latinLnBrk="0" hangingPunct="1">
+      <a:defRPr sz="1200" kern="1200">
+        <a:solidFill>
+          <a:schemeClr val="tx1"/>
+        </a:solidFill>
+        <a:latin typeface="+mn-lt"/>
+        <a:ea typeface="+mn-ea"/>
+        <a:cs typeface="+mn-cs"/>
+      </a:defRPr>
+    </a:lvl2pPr>
+    <a:lvl3pPr marL="914400" algn="l" defTabSz="914400" rtl="0" eaLnBrk="1" latinLnBrk="0" hangingPunct="1">
+      <a:defRPr sz="1200" kern="1200">
+        <a:solidFill>
+          <a:schemeClr val="tx1"/>
+        </a:solidFill>
+        <a:latin typeface="+mn-lt"/>
+        <a:ea typeface="+mn-ea"/>
+        <a:cs typeface="+mn-cs"/>
+      </a:defRPr>
+    </a:lvl3pPr>
+    <a:lvl4pPr marL="1371600" algn="l" defTabSz="914400" rtl="0" eaLnBrk="1" latinLnBrk="0" hangingPunct="1">
+      <a:defRPr sz="1200" kern="1200">
+        <a:solidFill>
+          <a:schemeClr val="tx1"/>
+        </a:solidFill>
+        <a:latin typeface="+mn-lt"/>
+        <a:ea typeface="+mn-ea"/>
+        <a:cs typeface="+mn-cs"/>
+      </a:defRPr>
+    </a:lvl4pPr>
+    <a:lvl5pPr marL="1828800" algn="l" defTabSz="914400" rtl="0" eaLnBrk="1" latinLnBrk="0" hangingPunct="1">
+      <a:defRPr sz="1200" kern="1200">
+        <a:solidFill>
+          <a:schemeClr val="tx1"/>
+        </a:solidFill>
+        <a:latin typeface="+mn-lt"/>
+        <a:ea typeface="+mn-ea"/>
+        <a:cs typeface="+mn-cs"/>
+      </a:defRPr>
+    </a:lvl5pPr>
+    <a:lvl6pPr marL="2286000" algn="l" defTabSz="914400" rtl="0" eaLnBrk="1" latinLnBrk="0" hangingPunct="1">
+      <a:defRPr sz="1200" kern="1200">
+        <a:solidFill>
+          <a:schemeClr val="tx1"/>
+        </a:solidFill>
+        <a:latin typeface="+mn-lt"/>
+        <a:ea typeface="+mn-ea"/>
+        <a:cs typeface="+mn-cs"/>
+      </a:defRPr>
+    </a:lvl6pPr>
+    <a:lvl7pPr marL="2743200" algn="l" defTabSz="914400" rtl="0" eaLnBrk="1" latinLnBrk="0" hangingPunct="1">
+      <a:defRPr sz="1200" kern="1200">
+        <a:solidFill>
+          <a:schemeClr val="tx1"/>
+        </a:solidFill>
+        <a:latin typeface="+mn-lt"/>
+        <a:ea typeface="+mn-ea"/>
+        <a:cs typeface="+mn-cs"/>
+      </a:defRPr>
+    </a:lvl7pPr>
+    <a:lvl8pPr marL="3200400" algn="l" defTabSz="914400" rtl="0" eaLnBrk="1" latinLnBrk="0" hangingPunct="1">
+      <a:defRPr sz="1200" kern="1200">
+        <a:solidFill>
+          <a:schemeClr val="tx1"/>
+        </a:solidFill>
+        <a:latin typeface="+mn-lt"/>
+        <a:ea typeface="+mn-ea"/>
+        <a:cs typeface="+mn-cs"/>
+      </a:defRPr>
+    </a:lvl8pPr>
+    <a:lvl9pPr marL="3657600" algn="l" defTabSz="914400" rtl="0" eaLnBrk="1" latinLnBrk="0" hangingPunct="1">
+      <a:defRPr sz="1200" kern="1200">
+        <a:solidFill>
+          <a:schemeClr val="tx1"/>
+        </a:solidFill>
+        <a:latin typeface="+mn-lt"/>
+        <a:ea typeface="+mn-ea"/>
+        <a:cs typeface="+mn-cs"/>
+      </a:defRPr>
+    </a:lvl9pPr>
+  </p:notesStyle>
+</p:notesMaster>
 </file>
 
 <file path=ppt/slideLayouts/slideLayout1.xml><?xml version="1.0" encoding="utf-8"?>
@@ -321,11 +682,10 @@
             </a:lvl1pPr>
           </a:lstStyle>
           <a:p>
-            <a:fld id="{91E254DF-DAF9-438F-92A9-B044143B9B02}" type="datetimeFigureOut">
-              <a:rPr lang="en-CA" smtClean="0"/>
-              <a:t>2024-02-01</a:t>
-            </a:fld>
-            <a:endParaRPr lang="en-CA"/>
+            <a:r>
+              <a:rPr lang="en-CA"/>
+              <a:t>March 2024</a:t>
+            </a:r>
           </a:p>
         </p:txBody>
       </p:sp>
@@ -354,7 +714,10 @@
             </a:lvl1pPr>
           </a:lstStyle>
           <a:p>
-            <a:endParaRPr lang="en-CA"/>
+            <a:r>
+              <a:rPr lang="en-CA"/>
+              <a:t>Production - Monitoring</a:t>
+            </a:r>
           </a:p>
         </p:txBody>
       </p:sp>
@@ -511,11 +874,10 @@
           <a:bodyPr/>
           <a:lstStyle/>
           <a:p>
-            <a:fld id="{91E254DF-DAF9-438F-92A9-B044143B9B02}" type="datetimeFigureOut">
-              <a:rPr lang="en-CA" smtClean="0"/>
-              <a:t>2024-02-01</a:t>
-            </a:fld>
-            <a:endParaRPr lang="en-CA"/>
+            <a:r>
+              <a:rPr lang="en-CA"/>
+              <a:t>March 2024</a:t>
+            </a:r>
           </a:p>
         </p:txBody>
       </p:sp>
@@ -534,7 +896,10 @@
           <a:bodyPr/>
           <a:lstStyle/>
           <a:p>
-            <a:endParaRPr lang="en-CA"/>
+            <a:r>
+              <a:rPr lang="en-CA"/>
+              <a:t>Production - Monitoring</a:t>
+            </a:r>
           </a:p>
         </p:txBody>
       </p:sp>
@@ -691,11 +1056,10 @@
           <a:bodyPr/>
           <a:lstStyle/>
           <a:p>
-            <a:fld id="{91E254DF-DAF9-438F-92A9-B044143B9B02}" type="datetimeFigureOut">
-              <a:rPr lang="en-CA" smtClean="0"/>
-              <a:t>2024-02-01</a:t>
-            </a:fld>
-            <a:endParaRPr lang="en-CA"/>
+            <a:r>
+              <a:rPr lang="en-CA"/>
+              <a:t>March 2024</a:t>
+            </a:r>
           </a:p>
         </p:txBody>
       </p:sp>
@@ -714,7 +1078,10 @@
           <a:bodyPr/>
           <a:lstStyle/>
           <a:p>
-            <a:endParaRPr lang="en-CA"/>
+            <a:r>
+              <a:rPr lang="en-CA"/>
+              <a:t>Production - Monitoring</a:t>
+            </a:r>
           </a:p>
         </p:txBody>
       </p:sp>
@@ -861,11 +1228,10 @@
           <a:bodyPr/>
           <a:lstStyle/>
           <a:p>
-            <a:fld id="{91E254DF-DAF9-438F-92A9-B044143B9B02}" type="datetimeFigureOut">
-              <a:rPr lang="en-CA" smtClean="0"/>
-              <a:t>2024-02-01</a:t>
-            </a:fld>
-            <a:endParaRPr lang="en-CA"/>
+            <a:r>
+              <a:rPr lang="en-CA"/>
+              <a:t>March 2024</a:t>
+            </a:r>
           </a:p>
         </p:txBody>
       </p:sp>
@@ -884,7 +1250,10 @@
           <a:bodyPr/>
           <a:lstStyle/>
           <a:p>
-            <a:endParaRPr lang="en-CA"/>
+            <a:r>
+              <a:rPr lang="en-CA"/>
+              <a:t>Production - Monitoring</a:t>
+            </a:r>
           </a:p>
         </p:txBody>
       </p:sp>
@@ -1117,11 +1486,10 @@
           <a:bodyPr/>
           <a:lstStyle/>
           <a:p>
-            <a:fld id="{91E254DF-DAF9-438F-92A9-B044143B9B02}" type="datetimeFigureOut">
-              <a:rPr lang="en-CA" smtClean="0"/>
-              <a:t>2024-02-01</a:t>
-            </a:fld>
-            <a:endParaRPr lang="en-CA"/>
+            <a:r>
+              <a:rPr lang="en-CA"/>
+              <a:t>March 2024</a:t>
+            </a:r>
           </a:p>
         </p:txBody>
       </p:sp>
@@ -1140,7 +1508,10 @@
           <a:bodyPr/>
           <a:lstStyle/>
           <a:p>
-            <a:endParaRPr lang="en-CA"/>
+            <a:r>
+              <a:rPr lang="en-CA"/>
+              <a:t>Production - Monitoring</a:t>
+            </a:r>
           </a:p>
         </p:txBody>
       </p:sp>
@@ -1405,11 +1776,10 @@
           <a:bodyPr/>
           <a:lstStyle/>
           <a:p>
-            <a:fld id="{91E254DF-DAF9-438F-92A9-B044143B9B02}" type="datetimeFigureOut">
-              <a:rPr lang="en-CA" smtClean="0"/>
-              <a:t>2024-02-01</a:t>
-            </a:fld>
-            <a:endParaRPr lang="en-CA"/>
+            <a:r>
+              <a:rPr lang="en-CA"/>
+              <a:t>March 2024</a:t>
+            </a:r>
           </a:p>
         </p:txBody>
       </p:sp>
@@ -1428,7 +1798,10 @@
           <a:bodyPr/>
           <a:lstStyle/>
           <a:p>
-            <a:endParaRPr lang="en-CA"/>
+            <a:r>
+              <a:rPr lang="en-CA"/>
+              <a:t>Production - Monitoring</a:t>
+            </a:r>
           </a:p>
         </p:txBody>
       </p:sp>
@@ -1843,11 +2216,10 @@
           <a:bodyPr/>
           <a:lstStyle/>
           <a:p>
-            <a:fld id="{91E254DF-DAF9-438F-92A9-B044143B9B02}" type="datetimeFigureOut">
-              <a:rPr lang="en-CA" smtClean="0"/>
-              <a:t>2024-02-01</a:t>
-            </a:fld>
-            <a:endParaRPr lang="en-CA"/>
+            <a:r>
+              <a:rPr lang="en-CA"/>
+              <a:t>March 2024</a:t>
+            </a:r>
           </a:p>
         </p:txBody>
       </p:sp>
@@ -1866,7 +2238,10 @@
           <a:bodyPr/>
           <a:lstStyle/>
           <a:p>
-            <a:endParaRPr lang="en-CA"/>
+            <a:r>
+              <a:rPr lang="en-CA"/>
+              <a:t>Production - Monitoring</a:t>
+            </a:r>
           </a:p>
         </p:txBody>
       </p:sp>
@@ -1961,11 +2336,10 @@
           <a:bodyPr/>
           <a:lstStyle/>
           <a:p>
-            <a:fld id="{91E254DF-DAF9-438F-92A9-B044143B9B02}" type="datetimeFigureOut">
-              <a:rPr lang="en-CA" smtClean="0"/>
-              <a:t>2024-02-01</a:t>
-            </a:fld>
-            <a:endParaRPr lang="en-CA"/>
+            <a:r>
+              <a:rPr lang="en-CA"/>
+              <a:t>March 2024</a:t>
+            </a:r>
           </a:p>
         </p:txBody>
       </p:sp>
@@ -1984,7 +2358,10 @@
           <a:bodyPr/>
           <a:lstStyle/>
           <a:p>
-            <a:endParaRPr lang="en-CA"/>
+            <a:r>
+              <a:rPr lang="en-CA"/>
+              <a:t>Production - Monitoring</a:t>
+            </a:r>
           </a:p>
         </p:txBody>
       </p:sp>
@@ -2056,11 +2433,10 @@
           <a:bodyPr/>
           <a:lstStyle/>
           <a:p>
-            <a:fld id="{91E254DF-DAF9-438F-92A9-B044143B9B02}" type="datetimeFigureOut">
-              <a:rPr lang="en-CA" smtClean="0"/>
-              <a:t>2024-02-01</a:t>
-            </a:fld>
-            <a:endParaRPr lang="en-CA"/>
+            <a:r>
+              <a:rPr lang="en-CA"/>
+              <a:t>March 2024</a:t>
+            </a:r>
           </a:p>
         </p:txBody>
       </p:sp>
@@ -2079,7 +2455,10 @@
           <a:bodyPr/>
           <a:lstStyle/>
           <a:p>
-            <a:endParaRPr lang="en-CA"/>
+            <a:r>
+              <a:rPr lang="en-CA"/>
+              <a:t>Production - Monitoring</a:t>
+            </a:r>
           </a:p>
         </p:txBody>
       </p:sp>
@@ -2412,11 +2791,10 @@
           <a:bodyPr/>
           <a:lstStyle/>
           <a:p>
-            <a:fld id="{91E254DF-DAF9-438F-92A9-B044143B9B02}" type="datetimeFigureOut">
-              <a:rPr lang="en-CA" smtClean="0"/>
-              <a:t>2024-02-01</a:t>
-            </a:fld>
-            <a:endParaRPr lang="en-CA"/>
+            <a:r>
+              <a:rPr lang="en-CA"/>
+              <a:t>March 2024</a:t>
+            </a:r>
           </a:p>
         </p:txBody>
       </p:sp>
@@ -2435,7 +2813,10 @@
           <a:bodyPr/>
           <a:lstStyle/>
           <a:p>
-            <a:endParaRPr lang="en-CA"/>
+            <a:r>
+              <a:rPr lang="en-CA"/>
+              <a:t>Production - Monitoring</a:t>
+            </a:r>
           </a:p>
         </p:txBody>
       </p:sp>
@@ -2728,11 +3109,10 @@
             </a:lvl1pPr>
           </a:lstStyle>
           <a:p>
-            <a:fld id="{91E254DF-DAF9-438F-92A9-B044143B9B02}" type="datetimeFigureOut">
-              <a:rPr lang="en-CA" smtClean="0"/>
-              <a:t>2024-02-01</a:t>
-            </a:fld>
-            <a:endParaRPr lang="en-CA"/>
+            <a:r>
+              <a:rPr lang="en-CA"/>
+              <a:t>March 2024</a:t>
+            </a:r>
           </a:p>
         </p:txBody>
       </p:sp>
@@ -2761,7 +3141,10 @@
             </a:lvl1pPr>
           </a:lstStyle>
           <a:p>
-            <a:endParaRPr lang="en-CA"/>
+            <a:r>
+              <a:rPr lang="en-CA"/>
+              <a:t>Production - Monitoring</a:t>
+            </a:r>
           </a:p>
         </p:txBody>
       </p:sp>
@@ -2812,7 +3195,7 @@
 </file>
 
 <file path=ppt/slideMasters/slideMaster1.xml><?xml version="1.0" encoding="utf-8"?>
-<p:sldMaster xmlns:a="http://schemas.openxmlformats.org/drawingml/2006/main" xmlns:p="http://schemas.openxmlformats.org/presentationml/2006/main" xmlns:r="http://schemas.openxmlformats.org/officeDocument/2006/relationships">
+<p:sldMaster xmlns:a="http://schemas.openxmlformats.org/drawingml/2006/main" xmlns:r="http://schemas.openxmlformats.org/officeDocument/2006/relationships" xmlns:p="http://schemas.openxmlformats.org/presentationml/2006/main">
   <p:cSld>
     <p:bg>
       <p:bgRef idx="1001">
@@ -2853,13 +3236,13 @@
           </a:prstGeom>
         </p:spPr>
         <p:txBody>
-          <a:bodyPr anchor="ctr" bIns="45720" lIns="91440" rIns="91440" rtlCol="0" tIns="45720" vert="horz">
+          <a:bodyPr vert="horz" lIns="91440" tIns="45720" rIns="91440" bIns="45720" rtlCol="0" anchor="ctr">
             <a:normAutofit/>
           </a:bodyPr>
           <a:lstStyle/>
           <a:p>
             <a:r>
-              <a:rPr dirty="0" lang="en-US"/>
+              <a:rPr lang="en-US" dirty="0"/>
               <a:t>Click to edit Master title style</a:t>
             </a:r>
           </a:p>
@@ -2872,7 +3255,7 @@
             <a:spLocks noGrp="1"/>
           </p:cNvSpPr>
           <p:nvPr>
-            <p:ph idx="1" type="body"/>
+            <p:ph type="body" idx="1"/>
           </p:nvPr>
         </p:nvSpPr>
         <p:spPr>
@@ -2885,42 +3268,42 @@
           </a:prstGeom>
         </p:spPr>
         <p:txBody>
-          <a:bodyPr bIns="45720" lIns="91440" rIns="91440" rtlCol="0" tIns="45720" vert="horz">
+          <a:bodyPr vert="horz" lIns="91440" tIns="45720" rIns="91440" bIns="45720" rtlCol="0">
             <a:normAutofit/>
           </a:bodyPr>
           <a:lstStyle/>
           <a:p>
             <a:pPr lvl="0"/>
             <a:r>
-              <a:rPr dirty="0" lang="en-US"/>
+              <a:rPr lang="en-US" dirty="0"/>
               <a:t>Click to edit Master text styles</a:t>
             </a:r>
           </a:p>
           <a:p>
             <a:pPr lvl="1"/>
             <a:r>
-              <a:rPr dirty="0" lang="en-US"/>
+              <a:rPr lang="en-US" dirty="0"/>
               <a:t>Second level</a:t>
             </a:r>
           </a:p>
           <a:p>
             <a:pPr lvl="2"/>
             <a:r>
-              <a:rPr dirty="0" lang="en-US"/>
+              <a:rPr lang="en-US" dirty="0"/>
               <a:t>Third level</a:t>
             </a:r>
           </a:p>
           <a:p>
             <a:pPr lvl="3"/>
             <a:r>
-              <a:rPr dirty="0" lang="en-US"/>
+              <a:rPr lang="en-US" dirty="0"/>
               <a:t>Fourth level</a:t>
             </a:r>
           </a:p>
           <a:p>
             <a:pPr lvl="4"/>
             <a:r>
-              <a:rPr dirty="0" lang="en-US"/>
+              <a:rPr lang="en-US" dirty="0"/>
               <a:t>Fifth level</a:t>
             </a:r>
           </a:p>
@@ -2933,7 +3316,7 @@
             <a:spLocks noGrp="1"/>
           </p:cNvSpPr>
           <p:nvPr>
-            <p:ph idx="2" sz="half" type="dt"/>
+            <p:ph type="dt" sz="half" idx="2"/>
           </p:nvPr>
         </p:nvSpPr>
         <p:spPr>
@@ -2946,7 +3329,7 @@
           </a:prstGeom>
         </p:spPr>
         <p:txBody>
-          <a:bodyPr anchor="ctr" bIns="45720" lIns="91440" rIns="91440" rtlCol="0" tIns="45720" vert="horz"/>
+          <a:bodyPr vert="horz" lIns="91440" tIns="45720" rIns="91440" bIns="45720" rtlCol="0" anchor="ctr"/>
           <a:lstStyle>
             <a:lvl1pPr algn="l">
               <a:defRPr sz="950">
@@ -2959,11 +3342,10 @@
             </a:lvl1pPr>
           </a:lstStyle>
           <a:p>
-            <a:fld id="{91E254DF-DAF9-438F-92A9-B044143B9B02}" type="datetimeFigureOut">
-              <a:rPr lang="en-CA" smtClean="0"/>
-              <a:t>2024-02-01</a:t>
-            </a:fld>
-            <a:endParaRPr lang="en-CA"/>
+            <a:r>
+              <a:rPr lang="en-CA"/>
+              <a:t>March 2024</a:t>
+            </a:r>
           </a:p>
         </p:txBody>
       </p:sp>
@@ -2974,7 +3356,7 @@
             <a:spLocks noGrp="1"/>
           </p:cNvSpPr>
           <p:nvPr>
-            <p:ph idx="3" sz="quarter" type="ftr"/>
+            <p:ph type="ftr" sz="quarter" idx="3"/>
           </p:nvPr>
         </p:nvSpPr>
         <p:spPr>
@@ -2987,10 +3369,10 @@
           </a:prstGeom>
         </p:spPr>
         <p:txBody>
-          <a:bodyPr anchor="ctr" bIns="45720" lIns="91440" rIns="91440" rtlCol="0" tIns="45720" vert="horz"/>
+          <a:bodyPr vert="horz" lIns="91440" tIns="45720" rIns="91440" bIns="45720" rtlCol="0" anchor="ctr"/>
           <a:lstStyle>
             <a:lvl1pPr algn="l">
-              <a:defRPr baseline="0" cap="all" sz="950">
+              <a:defRPr sz="950" cap="all" baseline="0">
                 <a:solidFill>
                   <a:schemeClr val="tx1">
                     <a:alpha val="80000"/>
@@ -3000,7 +3382,10 @@
             </a:lvl1pPr>
           </a:lstStyle>
           <a:p>
-            <a:endParaRPr lang="en-CA"/>
+            <a:r>
+              <a:rPr lang="en-CA"/>
+              <a:t>Production - Monitoring</a:t>
+            </a:r>
           </a:p>
         </p:txBody>
       </p:sp>
@@ -3011,7 +3396,7 @@
             <a:spLocks noGrp="1"/>
           </p:cNvSpPr>
           <p:nvPr>
-            <p:ph idx="4" sz="quarter" type="sldNum"/>
+            <p:ph type="sldNum" sz="quarter" idx="4"/>
           </p:nvPr>
         </p:nvSpPr>
         <p:spPr>
@@ -3024,10 +3409,10 @@
           </a:prstGeom>
         </p:spPr>
         <p:txBody>
-          <a:bodyPr anchor="b" bIns="45720" lIns="91440" rIns="91440" rtlCol="0" tIns="45720" vert="horz"/>
+          <a:bodyPr vert="horz" lIns="91440" tIns="45720" rIns="91440" bIns="45720" rtlCol="0" anchor="b"/>
           <a:lstStyle>
             <a:lvl1pPr algn="r">
-              <a:defRPr b="0" sz="10300">
+              <a:defRPr sz="10300" b="0">
                 <a:ln>
                   <a:noFill/>
                 </a:ln>
@@ -3056,7 +3441,7 @@
       </p:ext>
     </p:extLst>
   </p:cSld>
-  <p:clrMap accent1="accent1" accent2="accent2" accent3="accent3" accent4="accent4" accent5="accent5" accent6="accent6" bg1="lt1" bg2="lt2" folHlink="folHlink" hlink="hlink" tx1="dk1" tx2="dk2"/>
+  <p:clrMap bg1="lt1" tx1="dk1" bg2="lt2" tx2="dk2" accent1="accent1" accent2="accent2" accent3="accent3" accent4="accent4" accent5="accent5" accent6="accent6" hlink="hlink" folHlink="folHlink"/>
   <p:sldLayoutIdLst>
     <p:sldLayoutId id="2147484297" r:id="rId1"/>
     <p:sldLayoutId id="2147484298" r:id="rId2"/>
@@ -3070,9 +3455,10 @@
     <p:sldLayoutId id="2147484306" r:id="rId10"/>
     <p:sldLayoutId id="2147484307" r:id="rId11"/>
   </p:sldLayoutIdLst>
+  <p:hf hdr="0"/>
   <p:txStyles>
     <p:titleStyle>
-      <a:lvl1pPr algn="l" defTabSz="914400" eaLnBrk="1" hangingPunct="1" latinLnBrk="0" rtl="0">
+      <a:lvl1pPr algn="l" defTabSz="914400" rtl="0" eaLnBrk="1" latinLnBrk="0" hangingPunct="1">
         <a:lnSpc>
           <a:spcPct val="85000"/>
         </a:lnSpc>
@@ -3080,7 +3466,7 @@
           <a:spcPct val="0"/>
         </a:spcBef>
         <a:buNone/>
-        <a:defRPr baseline="0" kern="1200" spc="-120" sz="4000">
+        <a:defRPr sz="4000" kern="1200" spc="-120" baseline="0">
           <a:solidFill>
             <a:schemeClr val="accent1"/>
           </a:solidFill>
@@ -3091,16 +3477,16 @@
       </a:lvl1pPr>
     </p:titleStyle>
     <p:bodyStyle>
-      <a:lvl1pPr algn="l" defTabSz="914400" eaLnBrk="1" hangingPunct="1" indent="-230188" latinLnBrk="0" marL="230188" rtl="0">
+      <a:lvl1pPr marL="230188" indent="-230188" algn="l" defTabSz="914400" rtl="0" eaLnBrk="1" latinLnBrk="0" hangingPunct="1">
         <a:lnSpc>
           <a:spcPct val="114000"/>
         </a:lnSpc>
         <a:spcBef>
           <a:spcPts val="1300"/>
         </a:spcBef>
-        <a:buFont charset="0" panose="020B0604020202020204" pitchFamily="34" typeface="Arial"/>
+        <a:buFont typeface="Arial" panose="020B0604020202020204" pitchFamily="34" charset="0"/>
         <a:buChar char="•"/>
-        <a:defRPr kern="1200" sz="1400">
+        <a:defRPr sz="1400" kern="1200">
           <a:solidFill>
             <a:schemeClr val="tx1">
               <a:lumMod val="85000"/>
@@ -3112,16 +3498,16 @@
           <a:cs typeface="+mn-cs"/>
         </a:defRPr>
       </a:lvl1pPr>
-      <a:lvl2pPr algn="l" defTabSz="914400" eaLnBrk="1" hangingPunct="1" indent="-230188" latinLnBrk="0" marL="346075" rtl="0">
+      <a:lvl2pPr marL="346075" indent="-230188" algn="l" defTabSz="914400" rtl="0" eaLnBrk="1" latinLnBrk="0" hangingPunct="1">
         <a:lnSpc>
           <a:spcPct val="114000"/>
         </a:lnSpc>
         <a:spcBef>
           <a:spcPts val="600"/>
         </a:spcBef>
-        <a:buFont charset="0" panose="02070309020205020404" pitchFamily="49" typeface="Courier New"/>
+        <a:buFont typeface="Courier New" panose="02070309020205020404" pitchFamily="49" charset="0"/>
         <a:buChar char="o"/>
-        <a:defRPr kern="1200" sz="1200">
+        <a:defRPr sz="1200" kern="1200">
           <a:solidFill>
             <a:schemeClr val="tx1">
               <a:lumMod val="85000"/>
@@ -3133,16 +3519,16 @@
           <a:cs typeface="+mn-cs"/>
         </a:defRPr>
       </a:lvl2pPr>
-      <a:lvl3pPr algn="l" defTabSz="914400" eaLnBrk="1" hangingPunct="1" indent="-201613" latinLnBrk="0" marL="547688" rtl="0">
+      <a:lvl3pPr marL="547688" indent="-201613" algn="l" defTabSz="914400" rtl="0" eaLnBrk="1" latinLnBrk="0" hangingPunct="1">
         <a:lnSpc>
           <a:spcPct val="114000"/>
         </a:lnSpc>
         <a:spcBef>
           <a:spcPts val="600"/>
         </a:spcBef>
-        <a:buFont charset="2" panose="05000000000000000000" pitchFamily="2" typeface="Wingdings"/>
+        <a:buFont typeface="Wingdings" panose="05000000000000000000" pitchFamily="2" charset="2"/>
         <a:buChar char="§"/>
-        <a:defRPr i="1" kern="1200" sz="1100">
+        <a:defRPr sz="1100" i="1" kern="1200">
           <a:solidFill>
             <a:schemeClr val="tx1">
               <a:lumMod val="85000"/>
@@ -3154,16 +3540,16 @@
           <a:cs typeface="+mn-cs"/>
         </a:defRPr>
       </a:lvl3pPr>
-      <a:lvl4pPr algn="l" defTabSz="914400" eaLnBrk="1" hangingPunct="1" indent="-138113" latinLnBrk="0" marL="822325" rtl="0">
+      <a:lvl4pPr marL="822325" indent="-138113" algn="l" defTabSz="914400" rtl="0" eaLnBrk="1" latinLnBrk="0" hangingPunct="1">
         <a:lnSpc>
           <a:spcPct val="114000"/>
         </a:lnSpc>
         <a:spcBef>
           <a:spcPts val="600"/>
         </a:spcBef>
-        <a:buFont charset="2" panose="05000000000000000000" pitchFamily="2" typeface="Wingdings"/>
+        <a:buFont typeface="Wingdings" panose="05000000000000000000" pitchFamily="2" charset="2"/>
         <a:buChar char="q"/>
-        <a:defRPr kern="1200" sz="1050">
+        <a:defRPr sz="1050" kern="1200">
           <a:solidFill>
             <a:schemeClr val="tx1">
               <a:lumMod val="85000"/>
@@ -3175,16 +3561,16 @@
           <a:cs typeface="+mn-cs"/>
         </a:defRPr>
       </a:lvl4pPr>
-      <a:lvl5pPr algn="l" defTabSz="914400" eaLnBrk="1" hangingPunct="1" indent="-182563" latinLnBrk="0" marL="1096963" rtl="0">
+      <a:lvl5pPr marL="1096963" indent="-182563" algn="l" defTabSz="914400" rtl="0" eaLnBrk="1" latinLnBrk="0" hangingPunct="1">
         <a:lnSpc>
           <a:spcPct val="114000"/>
         </a:lnSpc>
         <a:spcBef>
           <a:spcPts val="600"/>
         </a:spcBef>
-        <a:buFont charset="2" panose="05000000000000000000" pitchFamily="2" typeface="Wingdings"/>
+        <a:buFont typeface="Wingdings" panose="05000000000000000000" pitchFamily="2" charset="2"/>
         <a:buChar char="v"/>
-        <a:defRPr kern="1200" sz="1000">
+        <a:defRPr sz="1000" kern="1200">
           <a:solidFill>
             <a:schemeClr val="tx1">
               <a:lumMod val="85000"/>
@@ -3196,16 +3582,16 @@
           <a:cs typeface="+mn-cs"/>
         </a:defRPr>
       </a:lvl5pPr>
-      <a:lvl6pPr algn="l" defTabSz="914400" eaLnBrk="1" hangingPunct="1" indent="-228600" latinLnBrk="0" marL="1200000" rtl="0">
+      <a:lvl6pPr marL="1200000" indent="-228600" algn="l" defTabSz="914400" rtl="0" eaLnBrk="1" latinLnBrk="0" hangingPunct="1">
         <a:lnSpc>
           <a:spcPct val="85000"/>
         </a:lnSpc>
         <a:spcBef>
           <a:spcPts val="600"/>
         </a:spcBef>
-        <a:buFont charset="0" pitchFamily="34" typeface="Arial"/>
+        <a:buFont typeface="Arial" pitchFamily="34" charset="0"/>
         <a:buChar char=" "/>
-        <a:defRPr kern="1200" sz="1800">
+        <a:defRPr sz="1800" kern="1200">
           <a:solidFill>
             <a:schemeClr val="tx1">
               <a:lumMod val="85000"/>
@@ -3217,16 +3603,16 @@
           <a:cs typeface="+mn-cs"/>
         </a:defRPr>
       </a:lvl6pPr>
-      <a:lvl7pPr algn="l" defTabSz="914400" eaLnBrk="1" hangingPunct="1" indent="-228600" latinLnBrk="0" marL="1400000" rtl="0">
+      <a:lvl7pPr marL="1400000" indent="-228600" algn="l" defTabSz="914400" rtl="0" eaLnBrk="1" latinLnBrk="0" hangingPunct="1">
         <a:lnSpc>
           <a:spcPct val="85000"/>
         </a:lnSpc>
         <a:spcBef>
           <a:spcPts val="600"/>
         </a:spcBef>
-        <a:buFont charset="0" pitchFamily="34" typeface="Arial"/>
+        <a:buFont typeface="Arial" pitchFamily="34" charset="0"/>
         <a:buChar char=" "/>
-        <a:defRPr kern="1200" sz="1800">
+        <a:defRPr sz="1800" kern="1200">
           <a:solidFill>
             <a:schemeClr val="tx1">
               <a:lumMod val="85000"/>
@@ -3238,16 +3624,16 @@
           <a:cs typeface="+mn-cs"/>
         </a:defRPr>
       </a:lvl7pPr>
-      <a:lvl8pPr algn="l" defTabSz="914400" eaLnBrk="1" hangingPunct="1" indent="-228600" latinLnBrk="0" marL="1600000" rtl="0">
+      <a:lvl8pPr marL="1600000" indent="-228600" algn="l" defTabSz="914400" rtl="0" eaLnBrk="1" latinLnBrk="0" hangingPunct="1">
         <a:lnSpc>
           <a:spcPct val="85000"/>
         </a:lnSpc>
         <a:spcBef>
           <a:spcPts val="600"/>
         </a:spcBef>
-        <a:buFont charset="0" pitchFamily="34" typeface="Arial"/>
+        <a:buFont typeface="Arial" pitchFamily="34" charset="0"/>
         <a:buChar char=" "/>
-        <a:defRPr kern="1200" sz="1800">
+        <a:defRPr sz="1800" kern="1200">
           <a:solidFill>
             <a:schemeClr val="tx1">
               <a:lumMod val="85000"/>
@@ -3259,16 +3645,16 @@
           <a:cs typeface="+mn-cs"/>
         </a:defRPr>
       </a:lvl8pPr>
-      <a:lvl9pPr algn="l" defTabSz="914400" eaLnBrk="1" hangingPunct="1" indent="-228600" latinLnBrk="0" marL="1800000" rtl="0">
+      <a:lvl9pPr marL="1800000" indent="-228600" algn="l" defTabSz="914400" rtl="0" eaLnBrk="1" latinLnBrk="0" hangingPunct="1">
         <a:lnSpc>
           <a:spcPct val="85000"/>
         </a:lnSpc>
         <a:spcBef>
           <a:spcPts val="600"/>
         </a:spcBef>
-        <a:buFont charset="0" pitchFamily="34" typeface="Arial"/>
+        <a:buFont typeface="Arial" pitchFamily="34" charset="0"/>
         <a:buChar char=" "/>
-        <a:defRPr kern="1200" sz="1800">
+        <a:defRPr sz="1800" kern="1200">
           <a:solidFill>
             <a:schemeClr val="tx1">
               <a:lumMod val="85000"/>
@@ -3285,8 +3671,8 @@
       <a:defPPr>
         <a:defRPr lang="en-US"/>
       </a:defPPr>
-      <a:lvl1pPr algn="l" defTabSz="914400" eaLnBrk="1" hangingPunct="1" latinLnBrk="0" marL="0" rtl="0">
-        <a:defRPr kern="1200" sz="1800">
+      <a:lvl1pPr marL="0" algn="l" defTabSz="914400" rtl="0" eaLnBrk="1" latinLnBrk="0" hangingPunct="1">
+        <a:defRPr sz="1800" kern="1200">
           <a:solidFill>
             <a:schemeClr val="tx1"/>
           </a:solidFill>
@@ -3295,8 +3681,8 @@
           <a:cs typeface="+mn-cs"/>
         </a:defRPr>
       </a:lvl1pPr>
-      <a:lvl2pPr algn="l" defTabSz="914400" eaLnBrk="1" hangingPunct="1" latinLnBrk="0" marL="457200" rtl="0">
-        <a:defRPr kern="1200" sz="1800">
+      <a:lvl2pPr marL="457200" algn="l" defTabSz="914400" rtl="0" eaLnBrk="1" latinLnBrk="0" hangingPunct="1">
+        <a:defRPr sz="1800" kern="1200">
           <a:solidFill>
             <a:schemeClr val="tx1"/>
           </a:solidFill>
@@ -3305,8 +3691,8 @@
           <a:cs typeface="+mn-cs"/>
         </a:defRPr>
       </a:lvl2pPr>
-      <a:lvl3pPr algn="l" defTabSz="914400" eaLnBrk="1" hangingPunct="1" latinLnBrk="0" marL="914400" rtl="0">
-        <a:defRPr kern="1200" sz="1800">
+      <a:lvl3pPr marL="914400" algn="l" defTabSz="914400" rtl="0" eaLnBrk="1" latinLnBrk="0" hangingPunct="1">
+        <a:defRPr sz="1800" kern="1200">
           <a:solidFill>
             <a:schemeClr val="tx1"/>
           </a:solidFill>
@@ -3315,8 +3701,8 @@
           <a:cs typeface="+mn-cs"/>
         </a:defRPr>
       </a:lvl3pPr>
-      <a:lvl4pPr algn="l" defTabSz="914400" eaLnBrk="1" hangingPunct="1" latinLnBrk="0" marL="1371600" rtl="0">
-        <a:defRPr kern="1200" sz="1800">
+      <a:lvl4pPr marL="1371600" algn="l" defTabSz="914400" rtl="0" eaLnBrk="1" latinLnBrk="0" hangingPunct="1">
+        <a:defRPr sz="1800" kern="1200">
           <a:solidFill>
             <a:schemeClr val="tx1"/>
           </a:solidFill>
@@ -3325,8 +3711,8 @@
           <a:cs typeface="+mn-cs"/>
         </a:defRPr>
       </a:lvl4pPr>
-      <a:lvl5pPr algn="l" defTabSz="914400" eaLnBrk="1" hangingPunct="1" latinLnBrk="0" marL="1828800" rtl="0">
-        <a:defRPr kern="1200" sz="1800">
+      <a:lvl5pPr marL="1828800" algn="l" defTabSz="914400" rtl="0" eaLnBrk="1" latinLnBrk="0" hangingPunct="1">
+        <a:defRPr sz="1800" kern="1200">
           <a:solidFill>
             <a:schemeClr val="tx1"/>
           </a:solidFill>
@@ -3335,8 +3721,8 @@
           <a:cs typeface="+mn-cs"/>
         </a:defRPr>
       </a:lvl5pPr>
-      <a:lvl6pPr algn="l" defTabSz="914400" eaLnBrk="1" hangingPunct="1" latinLnBrk="0" marL="2286000" rtl="0">
-        <a:defRPr kern="1200" sz="1800">
+      <a:lvl6pPr marL="2286000" algn="l" defTabSz="914400" rtl="0" eaLnBrk="1" latinLnBrk="0" hangingPunct="1">
+        <a:defRPr sz="1800" kern="1200">
           <a:solidFill>
             <a:schemeClr val="tx1"/>
           </a:solidFill>
@@ -3345,8 +3731,8 @@
           <a:cs typeface="+mn-cs"/>
         </a:defRPr>
       </a:lvl6pPr>
-      <a:lvl7pPr algn="l" defTabSz="914400" eaLnBrk="1" hangingPunct="1" latinLnBrk="0" marL="2743200" rtl="0">
-        <a:defRPr kern="1200" sz="1800">
+      <a:lvl7pPr marL="2743200" algn="l" defTabSz="914400" rtl="0" eaLnBrk="1" latinLnBrk="0" hangingPunct="1">
+        <a:defRPr sz="1800" kern="1200">
           <a:solidFill>
             <a:schemeClr val="tx1"/>
           </a:solidFill>
@@ -3355,8 +3741,8 @@
           <a:cs typeface="+mn-cs"/>
         </a:defRPr>
       </a:lvl7pPr>
-      <a:lvl8pPr algn="l" defTabSz="914400" eaLnBrk="1" hangingPunct="1" latinLnBrk="0" marL="3200400" rtl="0">
-        <a:defRPr kern="1200" sz="1800">
+      <a:lvl8pPr marL="3200400" algn="l" defTabSz="914400" rtl="0" eaLnBrk="1" latinLnBrk="0" hangingPunct="1">
+        <a:defRPr sz="1800" kern="1200">
           <a:solidFill>
             <a:schemeClr val="tx1"/>
           </a:solidFill>
@@ -3365,8 +3751,8 @@
           <a:cs typeface="+mn-cs"/>
         </a:defRPr>
       </a:lvl8pPr>
-      <a:lvl9pPr algn="l" defTabSz="914400" eaLnBrk="1" hangingPunct="1" latinLnBrk="0" marL="3657600" rtl="0">
-        <a:defRPr kern="1200" sz="1800">
+      <a:lvl9pPr marL="3657600" algn="l" defTabSz="914400" rtl="0" eaLnBrk="1" latinLnBrk="0" hangingPunct="1">
+        <a:defRPr sz="1800" kern="1200">
           <a:solidFill>
             <a:schemeClr val="tx1"/>
           </a:solidFill>
@@ -3417,11 +3803,10 @@
           <a:bodyPr/>
           <a:lstStyle/>
           <a:p>
-            <a:pPr lvl="0" indent="0" marL="0">
+            <a:pPr marL="0" lvl="0" indent="0">
               <a:buNone/>
             </a:pPr>
             <a:r>
-              <a:rPr/>
               <a:t>Data Distribution Shifts and Monitoring</a:t>
             </a:r>
           </a:p>
@@ -3434,7 +3819,7 @@
             <a:spLocks noGrp="1"/>
           </p:cNvSpPr>
           <p:nvPr>
-            <p:ph idx="1" type="subTitle"/>
+            <p:ph type="subTitle" idx="1"/>
           </p:nvPr>
         </p:nvSpPr>
         <p:spPr>
@@ -3447,17 +3832,15 @@
           <a:bodyPr/>
           <a:lstStyle/>
           <a:p>
-            <a:pPr lvl="0" indent="0" marL="0">
+            <a:pPr marL="0" lvl="0" indent="0">
               <a:buNone/>
             </a:pPr>
             <a:r>
-              <a:rPr/>
               <a:t>Production</a:t>
             </a:r>
             <a:br/>
             <a:br/>
             <a:r>
-              <a:rPr/>
               <a:t>Jesús Calderón</a:t>
             </a:r>
           </a:p>
@@ -3465,6 +3848,9 @@
       </p:sp>
     </p:spTree>
   </p:cSld>
+  <p:clrMapOvr>
+    <a:masterClrMapping/>
+  </p:clrMapOvr>
 </p:sld>
 </file>
 
@@ -3495,557 +3881,115 @@
             <p:ph type="title"/>
           </p:nvPr>
         </p:nvSpPr>
-        <p:spPr/>
-        <p:txBody>
-          <a:bodyPr/>
-          <a:lstStyle/>
-          <a:p>
-            <a:pPr lvl="0" indent="0" marL="0">
+        <p:spPr>
+          <a:xfrm>
+            <a:off x="603504" y="767419"/>
+            <a:ext cx="10780776" cy="3355848"/>
+          </a:xfrm>
+        </p:spPr>
+        <p:txBody>
+          <a:bodyPr/>
+          <a:lstStyle/>
+          <a:p>
+            <a:pPr marL="0" lvl="0" indent="0">
               <a:buNone/>
             </a:pPr>
             <a:r>
-              <a:rPr/>
-              <a:t>Types of Distribution Shifts</a:t>
-            </a:r>
-          </a:p>
-        </p:txBody>
-      </p:sp>
-      <mc:AlternateContent xmlns:mc="http://schemas.openxmlformats.org/markup-compatibility/2006">
-        <mc:Choice xmlns:a14="http://schemas.microsoft.com/office/drawing/2010/main" Requires="a14">
-          <p:sp>
-            <p:nvSpPr>
-              <p:cNvPr id="3" name="Content Placeholder 2"/>
-              <p:cNvSpPr>
-                <a:spLocks noGrp="1"/>
-              </p:cNvSpPr>
-              <p:nvPr>
-                <p:ph idx="1" sz="half"/>
-              </p:nvPr>
-            </p:nvSpPr>
-            <p:spPr/>
-            <p:txBody>
-              <a:bodyPr/>
-              <a:lstStyle/>
-              <a:p>
-                <a:pPr lvl="0"/>
-                <a:r>
-                  <a:rPr/>
-                  <a:t>Covariate shift:</a:t>
-                </a:r>
-              </a:p>
-              <a:p>
-                <a:pPr lvl="1"/>
-                <a14:m>
-                  <m:oMath xmlns:m="http://schemas.openxmlformats.org/officeDocument/2006/math">
-                    <m:r>
-                      <m:t>P</m:t>
-                    </m:r>
-                    <m:d>
-                      <m:dPr>
-                        <m:begChr m:val="("/>
-                        <m:endChr m:val=")"/>
-                        <m:sepChr m:val=""/>
-                        <m:grow/>
-                      </m:dPr>
-                      <m:e>
-                        <m:r>
-                          <m:t>X</m:t>
-                        </m:r>
-                      </m:e>
-                    </m:d>
-                  </m:oMath>
-                </a14:m>
-                <a:r>
-                  <a:rPr/>
-                  <a:t> changes.</a:t>
-                </a:r>
-              </a:p>
-              <a:p>
-                <a:pPr lvl="1"/>
-                <a14:m>
-                  <m:oMath xmlns:m="http://schemas.openxmlformats.org/officeDocument/2006/math">
-                    <m:r>
-                      <m:t>P</m:t>
-                    </m:r>
-                    <m:d>
-                      <m:dPr>
-                        <m:begChr m:val="("/>
-                        <m:endChr m:val=")"/>
-                        <m:sepChr m:val=""/>
-                        <m:grow/>
-                      </m:dPr>
-                      <m:e>
-                        <m:r>
-                          <m:t>Y</m:t>
-                        </m:r>
-                        <m:r>
-                          <m:rPr>
-                            <m:sty m:val="p"/>
-                          </m:rPr>
-                          <m:t>|</m:t>
-                        </m:r>
-                        <m:r>
-                          <m:t>X</m:t>
-                        </m:r>
-                      </m:e>
-                    </m:d>
-                  </m:oMath>
-                </a14:m>
-                <a:r>
-                  <a:rPr/>
-                  <a:t> does not change.</a:t>
-                </a:r>
-              </a:p>
-              <a:p>
-                <a:pPr lvl="0"/>
-                <a:r>
-                  <a:rPr/>
-                  <a:t>Label shift:</a:t>
-                </a:r>
-              </a:p>
-              <a:p>
-                <a:pPr lvl="1"/>
-                <a14:m>
-                  <m:oMath xmlns:m="http://schemas.openxmlformats.org/officeDocument/2006/math">
-                    <m:r>
-                      <m:t>P</m:t>
-                    </m:r>
-                    <m:d>
-                      <m:dPr>
-                        <m:begChr m:val="("/>
-                        <m:endChr m:val=")"/>
-                        <m:sepChr m:val=""/>
-                        <m:grow/>
-                      </m:dPr>
-                      <m:e>
-                        <m:r>
-                          <m:t>Y</m:t>
-                        </m:r>
-                      </m:e>
-                    </m:d>
-                  </m:oMath>
-                </a14:m>
-                <a:r>
-                  <a:rPr/>
-                  <a:t> changes.</a:t>
-                </a:r>
-              </a:p>
-              <a:p>
-                <a:pPr lvl="1"/>
-                <a14:m>
-                  <m:oMath xmlns:m="http://schemas.openxmlformats.org/officeDocument/2006/math">
-                    <m:r>
-                      <m:t>P</m:t>
-                    </m:r>
-                    <m:d>
-                      <m:dPr>
-                        <m:begChr m:val="("/>
-                        <m:endChr m:val=")"/>
-                        <m:sepChr m:val=""/>
-                        <m:grow/>
-                      </m:dPr>
-                      <m:e>
-                        <m:r>
-                          <m:t>X</m:t>
-                        </m:r>
-                        <m:r>
-                          <m:rPr>
-                            <m:sty m:val="p"/>
-                          </m:rPr>
-                          <m:t>|</m:t>
-                        </m:r>
-                        <m:r>
-                          <m:t>Y</m:t>
-                        </m:r>
-                      </m:e>
-                    </m:d>
-                  </m:oMath>
-                </a14:m>
-                <a:r>
-                  <a:rPr/>
-                  <a:t> does not change.</a:t>
-                </a:r>
-              </a:p>
-              <a:p>
-                <a:pPr lvl="0"/>
-                <a:r>
-                  <a:rPr/>
-                  <a:t>Concept drift:</a:t>
-                </a:r>
-              </a:p>
-              <a:p>
-                <a:pPr lvl="1"/>
-                <a14:m>
-                  <m:oMath xmlns:m="http://schemas.openxmlformats.org/officeDocument/2006/math">
-                    <m:r>
-                      <m:t>P</m:t>
-                    </m:r>
-                    <m:d>
-                      <m:dPr>
-                        <m:begChr m:val="("/>
-                        <m:endChr m:val=")"/>
-                        <m:sepChr m:val=""/>
-                        <m:grow/>
-                      </m:dPr>
-                      <m:e>
-                        <m:r>
-                          <m:t>Y</m:t>
-                        </m:r>
-                        <m:r>
-                          <m:rPr>
-                            <m:sty m:val="p"/>
-                          </m:rPr>
-                          <m:t>|</m:t>
-                        </m:r>
-                        <m:r>
-                          <m:t>X</m:t>
-                        </m:r>
-                      </m:e>
-                    </m:d>
-                  </m:oMath>
-                </a14:m>
-                <a:r>
-                  <a:rPr/>
-                  <a:t> changes.</a:t>
-                </a:r>
-              </a:p>
-              <a:p>
-                <a:pPr lvl="1"/>
-                <a14:m>
-                  <m:oMath xmlns:m="http://schemas.openxmlformats.org/officeDocument/2006/math">
-                    <m:r>
-                      <m:t>P</m:t>
-                    </m:r>
-                    <m:d>
-                      <m:dPr>
-                        <m:begChr m:val="("/>
-                        <m:endChr m:val=")"/>
-                        <m:sepChr m:val=""/>
-                        <m:grow/>
-                      </m:dPr>
-                      <m:e>
-                        <m:r>
-                          <m:t>X</m:t>
-                        </m:r>
-                      </m:e>
-                    </m:d>
-                  </m:oMath>
-                </a14:m>
-                <a:r>
-                  <a:rPr/>
-                  <a:t> does not change.</a:t>
-                </a:r>
-              </a:p>
-            </p:txBody>
-          </p:sp>
-        </mc:Choice>
-      </mc:AlternateContent>
-      <mc:AlternateContent xmlns:mc="http://schemas.openxmlformats.org/markup-compatibility/2006">
-        <mc:Choice xmlns:a14="http://schemas.microsoft.com/office/drawing/2010/main" Requires="a14">
-          <p:sp>
-            <p:nvSpPr>
-              <p:cNvPr id="4" name="Content Placeholder 3"/>
-              <p:cNvSpPr>
-                <a:spLocks noGrp="1"/>
-              </p:cNvSpPr>
-              <p:nvPr>
-                <p:ph idx="2" sz="half"/>
-              </p:nvPr>
-            </p:nvSpPr>
-            <p:spPr/>
-            <p:txBody>
-              <a:bodyPr/>
-              <a:lstStyle/>
-              <a:p>
-                <a:pPr lvl="0" indent="0" marL="0">
-                  <a:buNone/>
-                </a:pPr>
-                <a14:m>
-                  <m:oMathPara xmlns:m="http://schemas.openxmlformats.org/officeDocument/2006/math">
-                    <m:oMathParaPr>
-                      <m:jc m:val="center"/>
-                    </m:oMathParaPr>
-                    <m:oMath>
-                      <m:r>
-                        <m:t>P</m:t>
-                      </m:r>
-                      <m:d>
-                        <m:dPr>
-                          <m:begChr m:val="("/>
-                          <m:endChr m:val=")"/>
-                          <m:sepChr m:val=""/>
-                          <m:grow/>
-                        </m:dPr>
-                        <m:e>
-                          <m:r>
-                            <m:t>X</m:t>
-                          </m:r>
-                          <m:r>
-                            <m:rPr>
-                              <m:sty m:val="p"/>
-                            </m:rPr>
-                            <m:t>,</m:t>
-                          </m:r>
-                          <m:r>
-                            <m:t>Y</m:t>
-                          </m:r>
-                        </m:e>
-                      </m:d>
-                      <m:r>
-                        <m:rPr>
-                          <m:sty m:val="p"/>
-                        </m:rPr>
-                        <m:t>=</m:t>
-                      </m:r>
-                      <m:r>
-                        <m:t>P</m:t>
-                      </m:r>
-                      <m:d>
-                        <m:dPr>
-                          <m:begChr m:val="("/>
-                          <m:endChr m:val=")"/>
-                          <m:sepChr m:val=""/>
-                          <m:grow/>
-                        </m:dPr>
-                        <m:e>
-                          <m:r>
-                            <m:t>Y</m:t>
-                          </m:r>
-                          <m:r>
-                            <m:rPr>
-                              <m:sty m:val="p"/>
-                            </m:rPr>
-                            <m:t>|</m:t>
-                          </m:r>
-                          <m:r>
-                            <m:t>X</m:t>
-                          </m:r>
-                        </m:e>
-                      </m:d>
-                      <m:r>
-                        <m:t>P</m:t>
-                      </m:r>
-                      <m:d>
-                        <m:dPr>
-                          <m:begChr m:val="("/>
-                          <m:endChr m:val=")"/>
-                          <m:sepChr m:val=""/>
-                          <m:grow/>
-                        </m:dPr>
-                        <m:e>
-                          <m:r>
-                            <m:t>X</m:t>
-                          </m:r>
-                        </m:e>
-                      </m:d>
-                      <m:r>
-                        <m:t>P</m:t>
-                      </m:r>
-                      <m:d>
-                        <m:dPr>
-                          <m:begChr m:val="("/>
-                          <m:endChr m:val=")"/>
-                          <m:sepChr m:val=""/>
-                          <m:grow/>
-                        </m:dPr>
-                        <m:e>
-                          <m:r>
-                            <m:t>X</m:t>
-                          </m:r>
-                          <m:r>
-                            <m:rPr>
-                              <m:sty m:val="p"/>
-                            </m:rPr>
-                            <m:t>,</m:t>
-                          </m:r>
-                          <m:r>
-                            <m:t>Y</m:t>
-                          </m:r>
-                        </m:e>
-                      </m:d>
-                      <m:r>
-                        <m:rPr>
-                          <m:sty m:val="p"/>
-                        </m:rPr>
-                        <m:t>=</m:t>
-                      </m:r>
-                      <m:r>
-                        <m:t>P</m:t>
-                      </m:r>
-                      <m:d>
-                        <m:dPr>
-                          <m:begChr m:val="("/>
-                          <m:endChr m:val=")"/>
-                          <m:sepChr m:val=""/>
-                          <m:grow/>
-                        </m:dPr>
-                        <m:e>
-                          <m:r>
-                            <m:t>X</m:t>
-                          </m:r>
-                          <m:r>
-                            <m:rPr>
-                              <m:sty m:val="p"/>
-                            </m:rPr>
-                            <m:t>|</m:t>
-                          </m:r>
-                          <m:r>
-                            <m:t>Y</m:t>
-                          </m:r>
-                        </m:e>
-                      </m:d>
-                      <m:r>
-                        <m:t>P</m:t>
-                      </m:r>
-                      <m:d>
-                        <m:dPr>
-                          <m:begChr m:val="("/>
-                          <m:endChr m:val=")"/>
-                          <m:sepChr m:val=""/>
-                          <m:grow/>
-                        </m:dPr>
-                        <m:e>
-                          <m:r>
-                            <m:t>Y</m:t>
-                          </m:r>
-                        </m:e>
-                      </m:d>
-                    </m:oMath>
-                  </m:oMathPara>
-                </a14:m>
-              </a:p>
-              <a:p>
-                <a:pPr lvl="0"/>
-                <a14:m>
-                  <m:oMath xmlns:m="http://schemas.openxmlformats.org/officeDocument/2006/math">
-                    <m:r>
-                      <m:t>P</m:t>
-                    </m:r>
-                    <m:d>
-                      <m:dPr>
-                        <m:begChr m:val="("/>
-                        <m:endChr m:val=")"/>
-                        <m:sepChr m:val=""/>
-                        <m:grow/>
-                      </m:dPr>
-                      <m:e>
-                        <m:r>
-                          <m:t>X</m:t>
-                        </m:r>
-                        <m:r>
-                          <m:rPr>
-                            <m:sty m:val="p"/>
-                          </m:rPr>
-                          <m:t>,</m:t>
-                        </m:r>
-                        <m:r>
-                          <m:t>Y</m:t>
-                        </m:r>
-                      </m:e>
-                    </m:d>
-                  </m:oMath>
-                </a14:m>
-                <a:r>
-                  <a:rPr/>
-                  <a:t> joint distribution.</a:t>
-                </a:r>
-              </a:p>
-              <a:p>
-                <a:pPr lvl="0"/>
-                <a14:m>
-                  <m:oMath xmlns:m="http://schemas.openxmlformats.org/officeDocument/2006/math">
-                    <m:r>
-                      <m:t>P</m:t>
-                    </m:r>
-                    <m:d>
-                      <m:dPr>
-                        <m:begChr m:val="("/>
-                        <m:endChr m:val=")"/>
-                        <m:sepChr m:val=""/>
-                        <m:grow/>
-                      </m:dPr>
-                      <m:e>
-                        <m:r>
-                          <m:t>Y</m:t>
-                        </m:r>
-                        <m:r>
-                          <m:rPr>
-                            <m:sty m:val="p"/>
-                          </m:rPr>
-                          <m:t>|</m:t>
-                        </m:r>
-                        <m:r>
-                          <m:t>X</m:t>
-                        </m:r>
-                      </m:e>
-                    </m:d>
-                  </m:oMath>
-                </a14:m>
-                <a:r>
-                  <a:rPr/>
-                  <a:t> conditional probability of output Y given input X.</a:t>
-                </a:r>
-              </a:p>
-              <a:p>
-                <a:pPr lvl="0"/>
-                <a14:m>
-                  <m:oMath xmlns:m="http://schemas.openxmlformats.org/officeDocument/2006/math">
-                    <m:r>
-                      <m:t>P</m:t>
-                    </m:r>
-                    <m:d>
-                      <m:dPr>
-                        <m:begChr m:val="("/>
-                        <m:endChr m:val=")"/>
-                        <m:sepChr m:val=""/>
-                        <m:grow/>
-                      </m:dPr>
-                      <m:e>
-                        <m:r>
-                          <m:t>X</m:t>
-                        </m:r>
-                      </m:e>
-                    </m:d>
-                  </m:oMath>
-                </a14:m>
-                <a:r>
-                  <a:rPr/>
-                  <a:t> probability density of input.</a:t>
-                </a:r>
-              </a:p>
-              <a:p>
-                <a:pPr lvl="0"/>
-                <a14:m>
-                  <m:oMath xmlns:m="http://schemas.openxmlformats.org/officeDocument/2006/math">
-                    <m:r>
-                      <m:t>P</m:t>
-                    </m:r>
-                    <m:d>
-                      <m:dPr>
-                        <m:begChr m:val="("/>
-                        <m:endChr m:val=")"/>
-                        <m:sepChr m:val=""/>
-                        <m:grow/>
-                      </m:dPr>
-                      <m:e>
-                        <m:r>
-                          <m:t>Y</m:t>
-                        </m:r>
-                      </m:e>
-                    </m:d>
-                  </m:oMath>
-                </a14:m>
-                <a:r>
-                  <a:rPr/>
-                  <a:t> probability density of output.</a:t>
-                </a:r>
-              </a:p>
-            </p:txBody>
-          </p:sp>
-        </mc:Choice>
-      </mc:AlternateContent>
+              <a:t>Data Distribution Shifts</a:t>
+            </a:r>
+          </a:p>
+        </p:txBody>
+      </p:sp>
+      <p:sp>
+        <p:nvSpPr>
+          <p:cNvPr id="3" name="Date Placeholder 2">
+            <a:extLst>
+              <a:ext uri="{FF2B5EF4-FFF2-40B4-BE49-F238E27FC236}">
+                <a16:creationId xmlns:a16="http://schemas.microsoft.com/office/drawing/2014/main" id="{89743419-2595-D5CB-683F-77539C127EAB}"/>
+              </a:ext>
+            </a:extLst>
+          </p:cNvPr>
+          <p:cNvSpPr>
+            <a:spLocks noGrp="1"/>
+          </p:cNvSpPr>
+          <p:nvPr>
+            <p:ph type="dt" sz="half" idx="10"/>
+          </p:nvPr>
+        </p:nvSpPr>
+        <p:spPr/>
+        <p:txBody>
+          <a:bodyPr/>
+          <a:lstStyle/>
+          <a:p>
+            <a:r>
+              <a:rPr lang="en-CA"/>
+              <a:t>March 2024</a:t>
+            </a:r>
+          </a:p>
+        </p:txBody>
+      </p:sp>
+      <p:sp>
+        <p:nvSpPr>
+          <p:cNvPr id="4" name="Footer Placeholder 3">
+            <a:extLst>
+              <a:ext uri="{FF2B5EF4-FFF2-40B4-BE49-F238E27FC236}">
+                <a16:creationId xmlns:a16="http://schemas.microsoft.com/office/drawing/2014/main" id="{FCEBA83B-4F9E-E5D8-5599-518D4135F9FA}"/>
+              </a:ext>
+            </a:extLst>
+          </p:cNvPr>
+          <p:cNvSpPr>
+            <a:spLocks noGrp="1"/>
+          </p:cNvSpPr>
+          <p:nvPr>
+            <p:ph type="ftr" sz="quarter" idx="11"/>
+          </p:nvPr>
+        </p:nvSpPr>
+        <p:spPr/>
+        <p:txBody>
+          <a:bodyPr/>
+          <a:lstStyle/>
+          <a:p>
+            <a:r>
+              <a:rPr lang="en-CA"/>
+              <a:t>Production - Monitoring</a:t>
+            </a:r>
+          </a:p>
+        </p:txBody>
+      </p:sp>
+      <p:sp>
+        <p:nvSpPr>
+          <p:cNvPr id="5" name="Slide Number Placeholder 4">
+            <a:extLst>
+              <a:ext uri="{FF2B5EF4-FFF2-40B4-BE49-F238E27FC236}">
+                <a16:creationId xmlns:a16="http://schemas.microsoft.com/office/drawing/2014/main" id="{B22AC6B6-A9B5-56D1-17BD-3599E6D568C8}"/>
+              </a:ext>
+            </a:extLst>
+          </p:cNvPr>
+          <p:cNvSpPr>
+            <a:spLocks noGrp="1"/>
+          </p:cNvSpPr>
+          <p:nvPr>
+            <p:ph type="sldNum" sz="quarter" idx="12"/>
+          </p:nvPr>
+        </p:nvSpPr>
+        <p:spPr/>
+        <p:txBody>
+          <a:bodyPr/>
+          <a:lstStyle/>
+          <a:p>
+            <a:fld id="{4F4BDF5D-830C-4829-B676-EE421164B1C8}" type="slidenum">
+              <a:rPr lang="en-CA" smtClean="0"/>
+              <a:t>10</a:t>
+            </a:fld>
+            <a:endParaRPr lang="en-CA"/>
+          </a:p>
+        </p:txBody>
+      </p:sp>
     </p:spTree>
   </p:cSld>
+  <p:clrMapOvr>
+    <a:masterClrMapping/>
+  </p:clrMapOvr>
 </p:sld>
 </file>
 
@@ -4081,12 +4025,59 @@
           <a:bodyPr/>
           <a:lstStyle/>
           <a:p>
-            <a:pPr lvl="0" indent="0" marL="0">
+            <a:pPr marL="0" lvl="0" indent="0">
               <a:buNone/>
             </a:pPr>
             <a:r>
-              <a:rPr/>
-              <a:t>Covariate Shift</a:t>
+              <a:t>Types of Data Distribution Shifts</a:t>
+            </a:r>
+          </a:p>
+        </p:txBody>
+      </p:sp>
+      <p:sp>
+        <p:nvSpPr>
+          <p:cNvPr id="3" name="Content Placeholder 2"/>
+          <p:cNvSpPr>
+            <a:spLocks noGrp="1"/>
+          </p:cNvSpPr>
+          <p:nvPr>
+            <p:ph sz="half" idx="1"/>
+          </p:nvPr>
+        </p:nvSpPr>
+        <p:spPr/>
+        <p:txBody>
+          <a:bodyPr>
+            <a:normAutofit/>
+          </a:bodyPr>
+          <a:lstStyle/>
+          <a:p>
+            <a:pPr marL="0" lvl="0" indent="0">
+              <a:buNone/>
+            </a:pPr>
+            <a:r>
+              <a:rPr sz="2000"/>
+              <a:t>Three types of shifts:</a:t>
+            </a:r>
+          </a:p>
+          <a:p>
+            <a:pPr lvl="0"/>
+            <a:r>
+              <a:rPr sz="2000"/>
+              <a:t>Concept drift</a:t>
+            </a:r>
+          </a:p>
+          <a:p>
+            <a:pPr lvl="0"/>
+            <a:r>
+              <a:rPr sz="2000"/>
+              <a:t>Covariate shift</a:t>
+            </a:r>
+          </a:p>
+          <a:p>
+            <a:pPr lvl="0"/>
+            <a:r>
+              <a:rPr sz="2000"/>
+              <a:t>Label shift</a:t>
             </a:r>
           </a:p>
         </p:txBody>
@@ -4095,168 +4086,433 @@
         <mc:Choice xmlns:a14="http://schemas.microsoft.com/office/drawing/2010/main" Requires="a14">
           <p:sp>
             <p:nvSpPr>
-              <p:cNvPr id="3" name="Content Placeholder 2"/>
+              <p:cNvPr id="4" name="Content Placeholder 3"/>
               <p:cNvSpPr>
                 <a:spLocks noGrp="1"/>
               </p:cNvSpPr>
               <p:nvPr>
-                <p:ph idx="1" sz="half"/>
+                <p:ph sz="half" idx="2"/>
               </p:nvPr>
             </p:nvSpPr>
             <p:spPr/>
             <p:txBody>
-              <a:bodyPr/>
+              <a:bodyPr>
+                <a:normAutofit/>
+              </a:bodyPr>
               <a:lstStyle/>
+              <a:p>
+                <a:pPr marL="0" lvl="0" indent="0">
+                  <a:buNone/>
+                </a:pPr>
+                <a:r>
+                  <a:rPr sz="2000" dirty="0"/>
+                  <a:t>Before we begin:</a:t>
+                </a:r>
+              </a:p>
               <a:p>
                 <a:pPr lvl="0"/>
                 <a:r>
-                  <a:rPr/>
-                  <a:t>Covariate shift:</a:t>
+                  <a:rPr sz="2000" dirty="0"/>
+                  <a:t>Assume that we are looking to predict Y given data X.</a:t>
                 </a:r>
               </a:p>
               <a:p>
-                <a:pPr lvl="1"/>
+                <a:pPr lvl="0"/>
+                <a:r>
+                  <a:rPr sz="2000" dirty="0"/>
+                  <a:t>To do so, we estimate </a:t>
+                </a:r>
                 <a14:m>
                   <m:oMath xmlns:m="http://schemas.openxmlformats.org/officeDocument/2006/math">
                     <m:r>
-                      <m:t>P</m:t>
+                      <a:rPr sz="2000">
+                        <a:latin typeface="Cambria Math" panose="02040503050406030204" pitchFamily="18" charset="0"/>
+                      </a:rPr>
+                      <m:t>𝑃</m:t>
                     </m:r>
                     <m:d>
                       <m:dPr>
-                        <m:begChr m:val="("/>
-                        <m:endChr m:val=")"/>
-                        <m:sepChr m:val=""/>
-                        <m:grow/>
+                        <m:ctrlPr>
+                          <a:rPr sz="2000" i="1">
+                            <a:latin typeface="Cambria Math" panose="02040503050406030204" pitchFamily="18" charset="0"/>
+                          </a:rPr>
+                        </m:ctrlPr>
                       </m:dPr>
                       <m:e>
                         <m:r>
-                          <m:t>X</m:t>
+                          <a:rPr sz="2000">
+                            <a:latin typeface="Cambria Math" panose="02040503050406030204" pitchFamily="18" charset="0"/>
+                          </a:rPr>
+                          <m:t>𝑌</m:t>
+                        </m:r>
+                        <m:r>
+                          <a:rPr sz="2000">
+                            <a:latin typeface="Cambria Math" panose="02040503050406030204" pitchFamily="18" charset="0"/>
+                          </a:rPr>
+                          <m:t>|</m:t>
+                        </m:r>
+                        <m:r>
+                          <a:rPr sz="2000">
+                            <a:latin typeface="Cambria Math" panose="02040503050406030204" pitchFamily="18" charset="0"/>
+                          </a:rPr>
+                          <m:t>𝑋</m:t>
                         </m:r>
                       </m:e>
                     </m:d>
                   </m:oMath>
                 </a14:m>
                 <a:r>
-                  <a:rPr/>
-                  <a:t> changes.</a:t>
-                </a:r>
-              </a:p>
-              <a:p>
-                <a:pPr lvl="1"/>
-                <a14:m>
-                  <m:oMath xmlns:m="http://schemas.openxmlformats.org/officeDocument/2006/math">
-                    <m:r>
-                      <m:t>P</m:t>
-                    </m:r>
-                    <m:d>
-                      <m:dPr>
-                        <m:begChr m:val="("/>
-                        <m:endChr m:val=")"/>
-                        <m:sepChr m:val=""/>
-                        <m:grow/>
-                      </m:dPr>
-                      <m:e>
-                        <m:r>
-                          <m:t>X</m:t>
-                        </m:r>
-                        <m:r>
-                          <m:rPr>
-                            <m:sty m:val="p"/>
-                          </m:rPr>
-                          <m:t>|</m:t>
-                        </m:r>
-                        <m:r>
-                          <m:t>Y</m:t>
-                        </m:r>
-                      </m:e>
-                    </m:d>
-                  </m:oMath>
-                </a14:m>
-                <a:r>
-                  <a:rPr/>
-                  <a:t> does not change.</a:t>
+                  <a:rPr sz="2000" dirty="0"/>
+                  <a:t>.</a:t>
                 </a:r>
               </a:p>
               <a:p>
                 <a:pPr lvl="0"/>
                 <a:r>
-                  <a:rPr/>
-                  <a:t>Widely studied distribution shifts.</a:t>
+                  <a:rPr sz="2000" dirty="0"/>
+                  <a:t>Our data, shows a distribution P(X, Y) and we know that:</a:t>
                 </a:r>
               </a:p>
               <a:p>
-                <a:pPr lvl="0"/>
+                <a:pPr marL="0" lvl="0" indent="0">
+                  <a:buNone/>
+                </a:pPr>
+                <a14:m>
+                  <m:oMathPara xmlns:m="http://schemas.openxmlformats.org/officeDocument/2006/math">
+                    <m:oMathParaPr>
+                      <m:jc m:val="center"/>
+                    </m:oMathParaPr>
+                    <m:oMath xmlns:m="http://schemas.openxmlformats.org/officeDocument/2006/math">
+                      <m:r>
+                        <a:rPr sz="2000">
+                          <a:latin typeface="Cambria Math" panose="02040503050406030204" pitchFamily="18" charset="0"/>
+                        </a:rPr>
+                        <m:t>𝑃</m:t>
+                      </m:r>
+                      <m:d>
+                        <m:dPr>
+                          <m:ctrlPr>
+                            <a:rPr sz="2000" i="1">
+                              <a:latin typeface="Cambria Math" panose="02040503050406030204" pitchFamily="18" charset="0"/>
+                            </a:rPr>
+                          </m:ctrlPr>
+                        </m:dPr>
+                        <m:e>
+                          <m:r>
+                            <a:rPr sz="2000">
+                              <a:latin typeface="Cambria Math" panose="02040503050406030204" pitchFamily="18" charset="0"/>
+                            </a:rPr>
+                            <m:t>𝑋</m:t>
+                          </m:r>
+                          <m:r>
+                            <a:rPr sz="2000">
+                              <a:latin typeface="Cambria Math" panose="02040503050406030204" pitchFamily="18" charset="0"/>
+                            </a:rPr>
+                            <m:t>,</m:t>
+                          </m:r>
+                          <m:r>
+                            <a:rPr sz="2000">
+                              <a:latin typeface="Cambria Math" panose="02040503050406030204" pitchFamily="18" charset="0"/>
+                            </a:rPr>
+                            <m:t>𝑌</m:t>
+                          </m:r>
+                        </m:e>
+                      </m:d>
+                      <m:r>
+                        <a:rPr sz="2000">
+                          <a:latin typeface="Cambria Math" panose="02040503050406030204" pitchFamily="18" charset="0"/>
+                        </a:rPr>
+                        <m:t>=</m:t>
+                      </m:r>
+                      <m:r>
+                        <a:rPr sz="2000">
+                          <a:latin typeface="Cambria Math" panose="02040503050406030204" pitchFamily="18" charset="0"/>
+                        </a:rPr>
+                        <m:t>𝑃</m:t>
+                      </m:r>
+                      <m:d>
+                        <m:dPr>
+                          <m:ctrlPr>
+                            <a:rPr sz="2000" i="1">
+                              <a:latin typeface="Cambria Math" panose="02040503050406030204" pitchFamily="18" charset="0"/>
+                            </a:rPr>
+                          </m:ctrlPr>
+                        </m:dPr>
+                        <m:e>
+                          <m:r>
+                            <a:rPr sz="2000">
+                              <a:latin typeface="Cambria Math" panose="02040503050406030204" pitchFamily="18" charset="0"/>
+                            </a:rPr>
+                            <m:t>𝑌</m:t>
+                          </m:r>
+                          <m:r>
+                            <a:rPr sz="2000">
+                              <a:latin typeface="Cambria Math" panose="02040503050406030204" pitchFamily="18" charset="0"/>
+                            </a:rPr>
+                            <m:t>|</m:t>
+                          </m:r>
+                          <m:r>
+                            <a:rPr sz="2000">
+                              <a:latin typeface="Cambria Math" panose="02040503050406030204" pitchFamily="18" charset="0"/>
+                            </a:rPr>
+                            <m:t>𝑋</m:t>
+                          </m:r>
+                        </m:e>
+                      </m:d>
+                      <m:r>
+                        <a:rPr sz="2000">
+                          <a:latin typeface="Cambria Math" panose="02040503050406030204" pitchFamily="18" charset="0"/>
+                        </a:rPr>
+                        <m:t>𝑃</m:t>
+                      </m:r>
+                      <m:d>
+                        <m:dPr>
+                          <m:ctrlPr>
+                            <a:rPr sz="2000" i="1">
+                              <a:latin typeface="Cambria Math" panose="02040503050406030204" pitchFamily="18" charset="0"/>
+                            </a:rPr>
+                          </m:ctrlPr>
+                        </m:dPr>
+                        <m:e>
+                          <m:r>
+                            <a:rPr sz="2000">
+                              <a:latin typeface="Cambria Math" panose="02040503050406030204" pitchFamily="18" charset="0"/>
+                            </a:rPr>
+                            <m:t>𝑋</m:t>
+                          </m:r>
+                        </m:e>
+                      </m:d>
+                      <m:r>
+                        <a:rPr sz="2000">
+                          <a:latin typeface="Cambria Math" panose="02040503050406030204" pitchFamily="18" charset="0"/>
+                        </a:rPr>
+                        <m:t>𝑃</m:t>
+                      </m:r>
+                      <m:d>
+                        <m:dPr>
+                          <m:ctrlPr>
+                            <a:rPr sz="2000" i="1">
+                              <a:latin typeface="Cambria Math" panose="02040503050406030204" pitchFamily="18" charset="0"/>
+                            </a:rPr>
+                          </m:ctrlPr>
+                        </m:dPr>
+                        <m:e>
+                          <m:r>
+                            <a:rPr sz="2000">
+                              <a:latin typeface="Cambria Math" panose="02040503050406030204" pitchFamily="18" charset="0"/>
+                            </a:rPr>
+                            <m:t>𝑋</m:t>
+                          </m:r>
+                          <m:r>
+                            <a:rPr sz="2000">
+                              <a:latin typeface="Cambria Math" panose="02040503050406030204" pitchFamily="18" charset="0"/>
+                            </a:rPr>
+                            <m:t>,</m:t>
+                          </m:r>
+                          <m:r>
+                            <a:rPr sz="2000">
+                              <a:latin typeface="Cambria Math" panose="02040503050406030204" pitchFamily="18" charset="0"/>
+                            </a:rPr>
+                            <m:t>𝑌</m:t>
+                          </m:r>
+                        </m:e>
+                      </m:d>
+                      <m:r>
+                        <a:rPr sz="2000">
+                          <a:latin typeface="Cambria Math" panose="02040503050406030204" pitchFamily="18" charset="0"/>
+                        </a:rPr>
+                        <m:t>=</m:t>
+                      </m:r>
+                      <m:r>
+                        <a:rPr sz="2000">
+                          <a:latin typeface="Cambria Math" panose="02040503050406030204" pitchFamily="18" charset="0"/>
+                        </a:rPr>
+                        <m:t>𝑃</m:t>
+                      </m:r>
+                      <m:d>
+                        <m:dPr>
+                          <m:ctrlPr>
+                            <a:rPr sz="2000" i="1">
+                              <a:latin typeface="Cambria Math" panose="02040503050406030204" pitchFamily="18" charset="0"/>
+                            </a:rPr>
+                          </m:ctrlPr>
+                        </m:dPr>
+                        <m:e>
+                          <m:r>
+                            <a:rPr sz="2000">
+                              <a:latin typeface="Cambria Math" panose="02040503050406030204" pitchFamily="18" charset="0"/>
+                            </a:rPr>
+                            <m:t>𝑋</m:t>
+                          </m:r>
+                          <m:r>
+                            <a:rPr sz="2000">
+                              <a:latin typeface="Cambria Math" panose="02040503050406030204" pitchFamily="18" charset="0"/>
+                            </a:rPr>
+                            <m:t>|</m:t>
+                          </m:r>
+                          <m:r>
+                            <a:rPr sz="2000">
+                              <a:latin typeface="Cambria Math" panose="02040503050406030204" pitchFamily="18" charset="0"/>
+                            </a:rPr>
+                            <m:t>𝑌</m:t>
+                          </m:r>
+                        </m:e>
+                      </m:d>
+                      <m:r>
+                        <a:rPr sz="2000">
+                          <a:latin typeface="Cambria Math" panose="02040503050406030204" pitchFamily="18" charset="0"/>
+                        </a:rPr>
+                        <m:t>𝑃</m:t>
+                      </m:r>
+                      <m:d>
+                        <m:dPr>
+                          <m:ctrlPr>
+                            <a:rPr sz="2000" i="1">
+                              <a:latin typeface="Cambria Math" panose="02040503050406030204" pitchFamily="18" charset="0"/>
+                            </a:rPr>
+                          </m:ctrlPr>
+                        </m:dPr>
+                        <m:e>
+                          <m:r>
+                            <a:rPr sz="2000">
+                              <a:latin typeface="Cambria Math" panose="02040503050406030204" pitchFamily="18" charset="0"/>
+                            </a:rPr>
+                            <m:t>𝑌</m:t>
+                          </m:r>
+                        </m:e>
+                      </m:d>
+                    </m:oMath>
+                  </m:oMathPara>
+                </a14:m>
+                <a:endParaRPr sz="2000" dirty="0"/>
+              </a:p>
+            </p:txBody>
+          </p:sp>
+        </mc:Choice>
+        <mc:Fallback>
+          <p:sp>
+            <p:nvSpPr>
+              <p:cNvPr id="4" name="Content Placeholder 3"/>
+              <p:cNvSpPr>
+                <a:spLocks noGrp="1" noRot="1" noChangeAspect="1" noMove="1" noResize="1" noEditPoints="1" noAdjustHandles="1" noChangeArrowheads="1" noChangeShapeType="1" noTextEdit="1"/>
+              </p:cNvSpPr>
+              <p:nvPr>
+                <p:ph sz="half" idx="2"/>
+              </p:nvPr>
+            </p:nvSpPr>
+            <p:spPr>
+              <a:blipFill>
+                <a:blip r:embed="rId2"/>
+                <a:stretch>
+                  <a:fillRect l="-1307" t="-324" r="-1569"/>
+                </a:stretch>
+              </a:blipFill>
+            </p:spPr>
+            <p:txBody>
+              <a:bodyPr/>
+              <a:lstStyle/>
+              <a:p>
                 <a:r>
-                  <a:rPr/>
-                  <a:t>Covariate is an independent variable that can influence the outcome of a statistical trial but it is not of direct interest.</a:t>
-                </a:r>
-              </a:p>
-              <a:p>
-                <a:pPr lvl="0"/>
-                <a:r>
-                  <a:rPr/>
-                  <a:t>Example: while predicting house prices as a function of location a covariate is square footage.</a:t>
+                  <a:rPr lang="en-CA">
+                    <a:noFill/>
+                  </a:rPr>
+                  <a:t> </a:t>
                 </a:r>
               </a:p>
             </p:txBody>
           </p:sp>
-        </mc:Choice>
+        </mc:Fallback>
       </mc:AlternateContent>
       <p:sp>
         <p:nvSpPr>
-          <p:cNvPr id="4" name="Content Placeholder 3"/>
-          <p:cNvSpPr>
-            <a:spLocks noGrp="1"/>
-          </p:cNvSpPr>
-          <p:nvPr>
-            <p:ph idx="2" sz="half"/>
-          </p:nvPr>
-        </p:nvSpPr>
-        <p:spPr/>
-        <p:txBody>
-          <a:bodyPr/>
-          <a:lstStyle/>
-          <a:p>
-            <a:pPr lvl="0" indent="0" marL="0">
-              <a:buNone/>
-            </a:pPr>
-            <a:r>
-              <a:rPr/>
-              <a:t>Causes:</a:t>
-            </a:r>
-          </a:p>
-          <a:p>
-            <a:pPr lvl="0"/>
-            <a:r>
-              <a:rPr/>
-              <a:t>Sampling methods: example, oversampling of cancer patients over 40.</a:t>
-            </a:r>
-          </a:p>
-          <a:p>
-            <a:pPr lvl="0"/>
-            <a:r>
-              <a:rPr/>
-              <a:t>Training data is artificially altered: applied SMOTE and distribution changed.</a:t>
-            </a:r>
-          </a:p>
-          <a:p>
-            <a:pPr lvl="0"/>
-            <a:r>
-              <a:rPr/>
-              <a:t>Active learning: instead of randomly sampling, use samples most helpful to that model according to some heuristic.</a:t>
-            </a:r>
-          </a:p>
-          <a:p>
-            <a:pPr lvl="0"/>
-            <a:r>
-              <a:rPr/>
-              <a:t>Major changes in the production environment or application: changes in marketing, for example, induce more clients from a certain demographic not previously represented in training data.</a:t>
-            </a:r>
+          <p:cNvPr id="5" name="Date Placeholder 4">
+            <a:extLst>
+              <a:ext uri="{FF2B5EF4-FFF2-40B4-BE49-F238E27FC236}">
+                <a16:creationId xmlns:a16="http://schemas.microsoft.com/office/drawing/2014/main" id="{997741B7-25E9-53CD-3012-8197210B512D}"/>
+              </a:ext>
+            </a:extLst>
+          </p:cNvPr>
+          <p:cNvSpPr>
+            <a:spLocks noGrp="1"/>
+          </p:cNvSpPr>
+          <p:nvPr>
+            <p:ph type="dt" sz="half" idx="10"/>
+          </p:nvPr>
+        </p:nvSpPr>
+        <p:spPr/>
+        <p:txBody>
+          <a:bodyPr/>
+          <a:lstStyle/>
+          <a:p>
+            <a:r>
+              <a:rPr lang="en-CA"/>
+              <a:t>March 2024</a:t>
+            </a:r>
+          </a:p>
+        </p:txBody>
+      </p:sp>
+      <p:sp>
+        <p:nvSpPr>
+          <p:cNvPr id="6" name="Footer Placeholder 5">
+            <a:extLst>
+              <a:ext uri="{FF2B5EF4-FFF2-40B4-BE49-F238E27FC236}">
+                <a16:creationId xmlns:a16="http://schemas.microsoft.com/office/drawing/2014/main" id="{8FF13130-D6E4-B90A-D257-07F9CFED7E79}"/>
+              </a:ext>
+            </a:extLst>
+          </p:cNvPr>
+          <p:cNvSpPr>
+            <a:spLocks noGrp="1"/>
+          </p:cNvSpPr>
+          <p:nvPr>
+            <p:ph type="ftr" sz="quarter" idx="11"/>
+          </p:nvPr>
+        </p:nvSpPr>
+        <p:spPr/>
+        <p:txBody>
+          <a:bodyPr/>
+          <a:lstStyle/>
+          <a:p>
+            <a:r>
+              <a:rPr lang="en-CA"/>
+              <a:t>Production - Monitoring</a:t>
+            </a:r>
+          </a:p>
+        </p:txBody>
+      </p:sp>
+      <p:sp>
+        <p:nvSpPr>
+          <p:cNvPr id="7" name="Slide Number Placeholder 6">
+            <a:extLst>
+              <a:ext uri="{FF2B5EF4-FFF2-40B4-BE49-F238E27FC236}">
+                <a16:creationId xmlns:a16="http://schemas.microsoft.com/office/drawing/2014/main" id="{B39BB02A-69B8-BADB-F4B8-5FA21B114FBB}"/>
+              </a:ext>
+            </a:extLst>
+          </p:cNvPr>
+          <p:cNvSpPr>
+            <a:spLocks noGrp="1"/>
+          </p:cNvSpPr>
+          <p:nvPr>
+            <p:ph type="sldNum" sz="quarter" idx="12"/>
+          </p:nvPr>
+        </p:nvSpPr>
+        <p:spPr/>
+        <p:txBody>
+          <a:bodyPr/>
+          <a:lstStyle/>
+          <a:p>
+            <a:fld id="{4F4BDF5D-830C-4829-B676-EE421164B1C8}" type="slidenum">
+              <a:rPr lang="en-CA" smtClean="0"/>
+              <a:t>11</a:t>
+            </a:fld>
+            <a:endParaRPr lang="en-CA"/>
           </a:p>
         </p:txBody>
       </p:sp>
     </p:spTree>
   </p:cSld>
+  <p:clrMapOvr>
+    <a:masterClrMapping/>
+  </p:clrMapOvr>
 </p:sld>
 </file>
 
@@ -4292,12 +4548,11 @@
           <a:bodyPr/>
           <a:lstStyle/>
           <a:p>
-            <a:pPr lvl="0" indent="0" marL="0">
+            <a:pPr marL="0" lvl="0" indent="0">
               <a:buNone/>
             </a:pPr>
             <a:r>
-              <a:rPr/>
-              <a:t>Label Shift</a:t>
+              <a:t>Types of Distribution Shifts</a:t>
             </a:r>
           </a:p>
         </p:txBody>
@@ -4311,17 +4566,102 @@
                 <a:spLocks noGrp="1"/>
               </p:cNvSpPr>
               <p:nvPr>
-                <p:ph idx="1" sz="half"/>
+                <p:ph sz="half" idx="1"/>
               </p:nvPr>
             </p:nvSpPr>
             <p:spPr/>
             <p:txBody>
-              <a:bodyPr/>
+              <a:bodyPr>
+                <a:normAutofit fontScale="92500" lnSpcReduction="10000"/>
+              </a:bodyPr>
               <a:lstStyle/>
               <a:p>
                 <a:pPr lvl="0"/>
                 <a:r>
-                  <a:rPr/>
+                  <a:t>Covariate shift:</a:t>
+                </a:r>
+              </a:p>
+              <a:p>
+                <a:pPr lvl="1"/>
+                <a14:m>
+                  <m:oMath xmlns:m="http://schemas.openxmlformats.org/officeDocument/2006/math">
+                    <m:r>
+                      <a:rPr>
+                        <a:latin typeface="Cambria Math" panose="02040503050406030204" pitchFamily="18" charset="0"/>
+                      </a:rPr>
+                      <m:t>𝑃</m:t>
+                    </m:r>
+                    <m:d>
+                      <m:dPr>
+                        <m:ctrlPr>
+                          <a:rPr i="1">
+                            <a:latin typeface="Cambria Math" panose="02040503050406030204" pitchFamily="18" charset="0"/>
+                          </a:rPr>
+                        </m:ctrlPr>
+                      </m:dPr>
+                      <m:e>
+                        <m:r>
+                          <a:rPr>
+                            <a:latin typeface="Cambria Math" panose="02040503050406030204" pitchFamily="18" charset="0"/>
+                          </a:rPr>
+                          <m:t>𝑋</m:t>
+                        </m:r>
+                      </m:e>
+                    </m:d>
+                  </m:oMath>
+                </a14:m>
+                <a:r>
+                  <a:t> changes.</a:t>
+                </a:r>
+              </a:p>
+              <a:p>
+                <a:pPr lvl="1"/>
+                <a14:m>
+                  <m:oMath xmlns:m="http://schemas.openxmlformats.org/officeDocument/2006/math">
+                    <m:r>
+                      <a:rPr>
+                        <a:latin typeface="Cambria Math" panose="02040503050406030204" pitchFamily="18" charset="0"/>
+                      </a:rPr>
+                      <m:t>𝑃</m:t>
+                    </m:r>
+                    <m:d>
+                      <m:dPr>
+                        <m:ctrlPr>
+                          <a:rPr i="1">
+                            <a:latin typeface="Cambria Math" panose="02040503050406030204" pitchFamily="18" charset="0"/>
+                          </a:rPr>
+                        </m:ctrlPr>
+                      </m:dPr>
+                      <m:e>
+                        <m:r>
+                          <a:rPr>
+                            <a:latin typeface="Cambria Math" panose="02040503050406030204" pitchFamily="18" charset="0"/>
+                          </a:rPr>
+                          <m:t>𝑌</m:t>
+                        </m:r>
+                        <m:r>
+                          <a:rPr>
+                            <a:latin typeface="Cambria Math" panose="02040503050406030204" pitchFamily="18" charset="0"/>
+                          </a:rPr>
+                          <m:t>|</m:t>
+                        </m:r>
+                        <m:r>
+                          <a:rPr>
+                            <a:latin typeface="Cambria Math" panose="02040503050406030204" pitchFamily="18" charset="0"/>
+                          </a:rPr>
+                          <m:t>𝑋</m:t>
+                        </m:r>
+                      </m:e>
+                    </m:d>
+                  </m:oMath>
+                </a14:m>
+                <a:r>
+                  <a:t> does not change.</a:t>
+                </a:r>
+              </a:p>
+              <a:p>
+                <a:pPr lvl="0"/>
+                <a:r>
                   <a:t>Label shift:</a:t>
                 </a:r>
               </a:p>
@@ -4330,25 +4670,31 @@
                 <a14:m>
                   <m:oMath xmlns:m="http://schemas.openxmlformats.org/officeDocument/2006/math">
                     <m:r>
-                      <m:t>P</m:t>
+                      <a:rPr>
+                        <a:latin typeface="Cambria Math" panose="02040503050406030204" pitchFamily="18" charset="0"/>
+                      </a:rPr>
+                      <m:t>𝑃</m:t>
                     </m:r>
                     <m:d>
                       <m:dPr>
-                        <m:begChr m:val="("/>
-                        <m:endChr m:val=")"/>
-                        <m:sepChr m:val=""/>
-                        <m:grow/>
+                        <m:ctrlPr>
+                          <a:rPr i="1">
+                            <a:latin typeface="Cambria Math" panose="02040503050406030204" pitchFamily="18" charset="0"/>
+                          </a:rPr>
+                        </m:ctrlPr>
                       </m:dPr>
                       <m:e>
                         <m:r>
-                          <m:t>Y</m:t>
+                          <a:rPr>
+                            <a:latin typeface="Cambria Math" panose="02040503050406030204" pitchFamily="18" charset="0"/>
+                          </a:rPr>
+                          <m:t>𝑌</m:t>
                         </m:r>
                       </m:e>
                     </m:d>
                   </m:oMath>
                 </a14:m>
                 <a:r>
-                  <a:rPr/>
                   <a:t> changes.</a:t>
                 </a:r>
               </a:p>
@@ -4357,111 +4703,681 @@
                 <a14:m>
                   <m:oMath xmlns:m="http://schemas.openxmlformats.org/officeDocument/2006/math">
                     <m:r>
-                      <m:t>P</m:t>
+                      <a:rPr>
+                        <a:latin typeface="Cambria Math" panose="02040503050406030204" pitchFamily="18" charset="0"/>
+                      </a:rPr>
+                      <m:t>𝑃</m:t>
                     </m:r>
                     <m:d>
                       <m:dPr>
-                        <m:begChr m:val="("/>
-                        <m:endChr m:val=")"/>
-                        <m:sepChr m:val=""/>
-                        <m:grow/>
+                        <m:ctrlPr>
+                          <a:rPr i="1">
+                            <a:latin typeface="Cambria Math" panose="02040503050406030204" pitchFamily="18" charset="0"/>
+                          </a:rPr>
+                        </m:ctrlPr>
                       </m:dPr>
                       <m:e>
                         <m:r>
-                          <m:t>Y</m:t>
+                          <a:rPr>
+                            <a:latin typeface="Cambria Math" panose="02040503050406030204" pitchFamily="18" charset="0"/>
+                          </a:rPr>
+                          <m:t>𝑋</m:t>
                         </m:r>
                         <m:r>
-                          <m:rPr>
-                            <m:sty m:val="p"/>
-                          </m:rPr>
+                          <a:rPr>
+                            <a:latin typeface="Cambria Math" panose="02040503050406030204" pitchFamily="18" charset="0"/>
+                          </a:rPr>
                           <m:t>|</m:t>
                         </m:r>
                         <m:r>
-                          <m:t>X</m:t>
+                          <a:rPr>
+                            <a:latin typeface="Cambria Math" panose="02040503050406030204" pitchFamily="18" charset="0"/>
+                          </a:rPr>
+                          <m:t>𝑌</m:t>
                         </m:r>
                       </m:e>
                     </m:d>
                   </m:oMath>
                 </a14:m>
                 <a:r>
-                  <a:rPr/>
                   <a:t> does not change.</a:t>
                 </a:r>
               </a:p>
               <a:p>
                 <a:pPr lvl="0"/>
                 <a:r>
-                  <a:rPr/>
-                  <a:t>Also known as </a:t>
-                </a:r>
-                <a:r>
-                  <a:rPr i="1"/>
-                  <a:t>prior shift</a:t>
-                </a:r>
-                <a:r>
-                  <a:rPr/>
-                  <a:t>, </a:t>
-                </a:r>
-                <a:r>
-                  <a:rPr i="1"/>
-                  <a:t>prior probability shift</a:t>
-                </a:r>
-                <a:r>
-                  <a:rPr/>
-                  <a:t>, or </a:t>
-                </a:r>
-                <a:r>
-                  <a:rPr i="1"/>
-                  <a:t>target shift</a:t>
-                </a:r>
-                <a:r>
-                  <a:rPr/>
-                  <a:t>.</a:t>
+                  <a:t>Concept drift:</a:t>
                 </a:r>
               </a:p>
               <a:p>
-                <a:pPr lvl="0"/>
+                <a:pPr lvl="1"/>
+                <a14:m>
+                  <m:oMath xmlns:m="http://schemas.openxmlformats.org/officeDocument/2006/math">
+                    <m:r>
+                      <a:rPr>
+                        <a:latin typeface="Cambria Math" panose="02040503050406030204" pitchFamily="18" charset="0"/>
+                      </a:rPr>
+                      <m:t>𝑃</m:t>
+                    </m:r>
+                    <m:d>
+                      <m:dPr>
+                        <m:ctrlPr>
+                          <a:rPr i="1">
+                            <a:latin typeface="Cambria Math" panose="02040503050406030204" pitchFamily="18" charset="0"/>
+                          </a:rPr>
+                        </m:ctrlPr>
+                      </m:dPr>
+                      <m:e>
+                        <m:r>
+                          <a:rPr>
+                            <a:latin typeface="Cambria Math" panose="02040503050406030204" pitchFamily="18" charset="0"/>
+                          </a:rPr>
+                          <m:t>𝑌</m:t>
+                        </m:r>
+                        <m:r>
+                          <a:rPr>
+                            <a:latin typeface="Cambria Math" panose="02040503050406030204" pitchFamily="18" charset="0"/>
+                          </a:rPr>
+                          <m:t>|</m:t>
+                        </m:r>
+                        <m:r>
+                          <a:rPr>
+                            <a:latin typeface="Cambria Math" panose="02040503050406030204" pitchFamily="18" charset="0"/>
+                          </a:rPr>
+                          <m:t>𝑋</m:t>
+                        </m:r>
+                      </m:e>
+                    </m:d>
+                  </m:oMath>
+                </a14:m>
                 <a:r>
-                  <a:rPr/>
-                  <a:t>The output distribution changes, but for a given output, the input distribution stays the same.</a:t>
+                  <a:t> changes.</a:t>
+                </a:r>
+              </a:p>
+              <a:p>
+                <a:pPr lvl="1"/>
+                <a14:m>
+                  <m:oMath xmlns:m="http://schemas.openxmlformats.org/officeDocument/2006/math">
+                    <m:r>
+                      <a:rPr>
+                        <a:latin typeface="Cambria Math" panose="02040503050406030204" pitchFamily="18" charset="0"/>
+                      </a:rPr>
+                      <m:t>𝑃</m:t>
+                    </m:r>
+                    <m:d>
+                      <m:dPr>
+                        <m:ctrlPr>
+                          <a:rPr i="1">
+                            <a:latin typeface="Cambria Math" panose="02040503050406030204" pitchFamily="18" charset="0"/>
+                          </a:rPr>
+                        </m:ctrlPr>
+                      </m:dPr>
+                      <m:e>
+                        <m:r>
+                          <a:rPr>
+                            <a:latin typeface="Cambria Math" panose="02040503050406030204" pitchFamily="18" charset="0"/>
+                          </a:rPr>
+                          <m:t>𝑋</m:t>
+                        </m:r>
+                      </m:e>
+                    </m:d>
+                  </m:oMath>
+                </a14:m>
+                <a:r>
+                  <a:t> does not change.</a:t>
                 </a:r>
               </a:p>
             </p:txBody>
           </p:sp>
         </mc:Choice>
+        <mc:Fallback>
+          <p:sp>
+            <p:nvSpPr>
+              <p:cNvPr id="3" name="Content Placeholder 2"/>
+              <p:cNvSpPr>
+                <a:spLocks noGrp="1" noRot="1" noChangeAspect="1" noMove="1" noResize="1" noEditPoints="1" noAdjustHandles="1" noChangeArrowheads="1" noChangeShapeType="1" noTextEdit="1"/>
+              </p:cNvSpPr>
+              <p:nvPr>
+                <p:ph sz="half" idx="1"/>
+              </p:nvPr>
+            </p:nvSpPr>
+            <p:spPr>
+              <a:blipFill>
+                <a:blip r:embed="rId2"/>
+                <a:stretch>
+                  <a:fillRect l="-1438" t="-1133" b="-1618"/>
+                </a:stretch>
+              </a:blipFill>
+            </p:spPr>
+            <p:txBody>
+              <a:bodyPr/>
+              <a:lstStyle/>
+              <a:p>
+                <a:r>
+                  <a:rPr lang="en-CA">
+                    <a:noFill/>
+                  </a:rPr>
+                  <a:t> </a:t>
+                </a:r>
+              </a:p>
+            </p:txBody>
+          </p:sp>
+        </mc:Fallback>
       </mc:AlternateContent>
-      <p:sp>
-        <p:nvSpPr>
-          <p:cNvPr id="4" name="Content Placeholder 3"/>
-          <p:cNvSpPr>
-            <a:spLocks noGrp="1"/>
-          </p:cNvSpPr>
-          <p:nvPr>
-            <p:ph idx="2" sz="half"/>
-          </p:nvPr>
-        </p:nvSpPr>
-        <p:spPr/>
-        <p:txBody>
-          <a:bodyPr/>
-          <a:lstStyle/>
-          <a:p>
-            <a:pPr lvl="0"/>
-            <a:r>
-              <a:rPr/>
-              <a:t>When covariate shift happens, it could be followed by label shift.</a:t>
-            </a:r>
-          </a:p>
-          <a:p>
-            <a:pPr lvl="0"/>
-            <a:r>
-              <a:rPr/>
-              <a:t>Methods for detecting covariate and label shifts are similar.</a:t>
-            </a:r>
+      <mc:AlternateContent xmlns:mc="http://schemas.openxmlformats.org/markup-compatibility/2006">
+        <mc:Choice xmlns:a14="http://schemas.microsoft.com/office/drawing/2010/main" Requires="a14">
+          <p:sp>
+            <p:nvSpPr>
+              <p:cNvPr id="4" name="Content Placeholder 3"/>
+              <p:cNvSpPr>
+                <a:spLocks noGrp="1"/>
+              </p:cNvSpPr>
+              <p:nvPr>
+                <p:ph sz="half" idx="2"/>
+              </p:nvPr>
+            </p:nvSpPr>
+            <p:spPr/>
+            <p:txBody>
+              <a:bodyPr>
+                <a:normAutofit fontScale="92500" lnSpcReduction="10000"/>
+              </a:bodyPr>
+              <a:lstStyle/>
+              <a:p>
+                <a:pPr marL="0" lvl="0" indent="0">
+                  <a:buNone/>
+                </a:pPr>
+                <a14:m>
+                  <m:oMathPara xmlns:m="http://schemas.openxmlformats.org/officeDocument/2006/math">
+                    <m:oMathParaPr>
+                      <m:jc m:val="center"/>
+                    </m:oMathParaPr>
+                    <m:oMath xmlns:m="http://schemas.openxmlformats.org/officeDocument/2006/math">
+                      <m:r>
+                        <a:rPr>
+                          <a:latin typeface="Cambria Math" panose="02040503050406030204" pitchFamily="18" charset="0"/>
+                        </a:rPr>
+                        <m:t>𝑃</m:t>
+                      </m:r>
+                      <m:d>
+                        <m:dPr>
+                          <m:ctrlPr>
+                            <a:rPr i="1">
+                              <a:latin typeface="Cambria Math" panose="02040503050406030204" pitchFamily="18" charset="0"/>
+                            </a:rPr>
+                          </m:ctrlPr>
+                        </m:dPr>
+                        <m:e>
+                          <m:r>
+                            <a:rPr>
+                              <a:latin typeface="Cambria Math" panose="02040503050406030204" pitchFamily="18" charset="0"/>
+                            </a:rPr>
+                            <m:t>𝑋</m:t>
+                          </m:r>
+                          <m:r>
+                            <a:rPr>
+                              <a:latin typeface="Cambria Math" panose="02040503050406030204" pitchFamily="18" charset="0"/>
+                            </a:rPr>
+                            <m:t>,</m:t>
+                          </m:r>
+                          <m:r>
+                            <a:rPr>
+                              <a:latin typeface="Cambria Math" panose="02040503050406030204" pitchFamily="18" charset="0"/>
+                            </a:rPr>
+                            <m:t>𝑌</m:t>
+                          </m:r>
+                        </m:e>
+                      </m:d>
+                      <m:r>
+                        <a:rPr>
+                          <a:latin typeface="Cambria Math" panose="02040503050406030204" pitchFamily="18" charset="0"/>
+                        </a:rPr>
+                        <m:t>=</m:t>
+                      </m:r>
+                      <m:r>
+                        <a:rPr>
+                          <a:latin typeface="Cambria Math" panose="02040503050406030204" pitchFamily="18" charset="0"/>
+                        </a:rPr>
+                        <m:t>𝑃</m:t>
+                      </m:r>
+                      <m:d>
+                        <m:dPr>
+                          <m:ctrlPr>
+                            <a:rPr i="1">
+                              <a:latin typeface="Cambria Math" panose="02040503050406030204" pitchFamily="18" charset="0"/>
+                            </a:rPr>
+                          </m:ctrlPr>
+                        </m:dPr>
+                        <m:e>
+                          <m:r>
+                            <a:rPr>
+                              <a:latin typeface="Cambria Math" panose="02040503050406030204" pitchFamily="18" charset="0"/>
+                            </a:rPr>
+                            <m:t>𝑌</m:t>
+                          </m:r>
+                          <m:r>
+                            <a:rPr>
+                              <a:latin typeface="Cambria Math" panose="02040503050406030204" pitchFamily="18" charset="0"/>
+                            </a:rPr>
+                            <m:t>|</m:t>
+                          </m:r>
+                          <m:r>
+                            <a:rPr>
+                              <a:latin typeface="Cambria Math" panose="02040503050406030204" pitchFamily="18" charset="0"/>
+                            </a:rPr>
+                            <m:t>𝑋</m:t>
+                          </m:r>
+                        </m:e>
+                      </m:d>
+                      <m:r>
+                        <a:rPr>
+                          <a:latin typeface="Cambria Math" panose="02040503050406030204" pitchFamily="18" charset="0"/>
+                        </a:rPr>
+                        <m:t>𝑃</m:t>
+                      </m:r>
+                      <m:d>
+                        <m:dPr>
+                          <m:ctrlPr>
+                            <a:rPr i="1">
+                              <a:latin typeface="Cambria Math" panose="02040503050406030204" pitchFamily="18" charset="0"/>
+                            </a:rPr>
+                          </m:ctrlPr>
+                        </m:dPr>
+                        <m:e>
+                          <m:r>
+                            <a:rPr>
+                              <a:latin typeface="Cambria Math" panose="02040503050406030204" pitchFamily="18" charset="0"/>
+                            </a:rPr>
+                            <m:t>𝑋</m:t>
+                          </m:r>
+                        </m:e>
+                      </m:d>
+                      <m:r>
+                        <a:rPr>
+                          <a:latin typeface="Cambria Math" panose="02040503050406030204" pitchFamily="18" charset="0"/>
+                        </a:rPr>
+                        <m:t>𝑃</m:t>
+                      </m:r>
+                      <m:d>
+                        <m:dPr>
+                          <m:ctrlPr>
+                            <a:rPr i="1">
+                              <a:latin typeface="Cambria Math" panose="02040503050406030204" pitchFamily="18" charset="0"/>
+                            </a:rPr>
+                          </m:ctrlPr>
+                        </m:dPr>
+                        <m:e>
+                          <m:r>
+                            <a:rPr>
+                              <a:latin typeface="Cambria Math" panose="02040503050406030204" pitchFamily="18" charset="0"/>
+                            </a:rPr>
+                            <m:t>𝑋</m:t>
+                          </m:r>
+                          <m:r>
+                            <a:rPr>
+                              <a:latin typeface="Cambria Math" panose="02040503050406030204" pitchFamily="18" charset="0"/>
+                            </a:rPr>
+                            <m:t>,</m:t>
+                          </m:r>
+                          <m:r>
+                            <a:rPr>
+                              <a:latin typeface="Cambria Math" panose="02040503050406030204" pitchFamily="18" charset="0"/>
+                            </a:rPr>
+                            <m:t>𝑌</m:t>
+                          </m:r>
+                        </m:e>
+                      </m:d>
+                      <m:r>
+                        <a:rPr>
+                          <a:latin typeface="Cambria Math" panose="02040503050406030204" pitchFamily="18" charset="0"/>
+                        </a:rPr>
+                        <m:t>=</m:t>
+                      </m:r>
+                      <m:r>
+                        <a:rPr>
+                          <a:latin typeface="Cambria Math" panose="02040503050406030204" pitchFamily="18" charset="0"/>
+                        </a:rPr>
+                        <m:t>𝑃</m:t>
+                      </m:r>
+                      <m:d>
+                        <m:dPr>
+                          <m:ctrlPr>
+                            <a:rPr i="1">
+                              <a:latin typeface="Cambria Math" panose="02040503050406030204" pitchFamily="18" charset="0"/>
+                            </a:rPr>
+                          </m:ctrlPr>
+                        </m:dPr>
+                        <m:e>
+                          <m:r>
+                            <a:rPr>
+                              <a:latin typeface="Cambria Math" panose="02040503050406030204" pitchFamily="18" charset="0"/>
+                            </a:rPr>
+                            <m:t>𝑋</m:t>
+                          </m:r>
+                          <m:r>
+                            <a:rPr>
+                              <a:latin typeface="Cambria Math" panose="02040503050406030204" pitchFamily="18" charset="0"/>
+                            </a:rPr>
+                            <m:t>|</m:t>
+                          </m:r>
+                          <m:r>
+                            <a:rPr>
+                              <a:latin typeface="Cambria Math" panose="02040503050406030204" pitchFamily="18" charset="0"/>
+                            </a:rPr>
+                            <m:t>𝑌</m:t>
+                          </m:r>
+                        </m:e>
+                      </m:d>
+                      <m:r>
+                        <a:rPr>
+                          <a:latin typeface="Cambria Math" panose="02040503050406030204" pitchFamily="18" charset="0"/>
+                        </a:rPr>
+                        <m:t>𝑃</m:t>
+                      </m:r>
+                      <m:d>
+                        <m:dPr>
+                          <m:ctrlPr>
+                            <a:rPr i="1">
+                              <a:latin typeface="Cambria Math" panose="02040503050406030204" pitchFamily="18" charset="0"/>
+                            </a:rPr>
+                          </m:ctrlPr>
+                        </m:dPr>
+                        <m:e>
+                          <m:r>
+                            <a:rPr>
+                              <a:latin typeface="Cambria Math" panose="02040503050406030204" pitchFamily="18" charset="0"/>
+                            </a:rPr>
+                            <m:t>𝑌</m:t>
+                          </m:r>
+                        </m:e>
+                      </m:d>
+                    </m:oMath>
+                  </m:oMathPara>
+                </a14:m>
+                <a:endParaRPr/>
+              </a:p>
+              <a:p>
+                <a:pPr lvl="0"/>
+                <a14:m>
+                  <m:oMath xmlns:m="http://schemas.openxmlformats.org/officeDocument/2006/math">
+                    <m:r>
+                      <a:rPr>
+                        <a:latin typeface="Cambria Math" panose="02040503050406030204" pitchFamily="18" charset="0"/>
+                      </a:rPr>
+                      <m:t>𝑃</m:t>
+                    </m:r>
+                    <m:d>
+                      <m:dPr>
+                        <m:ctrlPr>
+                          <a:rPr i="1">
+                            <a:latin typeface="Cambria Math" panose="02040503050406030204" pitchFamily="18" charset="0"/>
+                          </a:rPr>
+                        </m:ctrlPr>
+                      </m:dPr>
+                      <m:e>
+                        <m:r>
+                          <a:rPr>
+                            <a:latin typeface="Cambria Math" panose="02040503050406030204" pitchFamily="18" charset="0"/>
+                          </a:rPr>
+                          <m:t>𝑋</m:t>
+                        </m:r>
+                        <m:r>
+                          <a:rPr>
+                            <a:latin typeface="Cambria Math" panose="02040503050406030204" pitchFamily="18" charset="0"/>
+                          </a:rPr>
+                          <m:t>,</m:t>
+                        </m:r>
+                        <m:r>
+                          <a:rPr>
+                            <a:latin typeface="Cambria Math" panose="02040503050406030204" pitchFamily="18" charset="0"/>
+                          </a:rPr>
+                          <m:t>𝑌</m:t>
+                        </m:r>
+                      </m:e>
+                    </m:d>
+                  </m:oMath>
+                </a14:m>
+                <a:r>
+                  <a:t> joint distribution.</a:t>
+                </a:r>
+              </a:p>
+              <a:p>
+                <a:pPr lvl="0"/>
+                <a14:m>
+                  <m:oMath xmlns:m="http://schemas.openxmlformats.org/officeDocument/2006/math">
+                    <m:r>
+                      <a:rPr>
+                        <a:latin typeface="Cambria Math" panose="02040503050406030204" pitchFamily="18" charset="0"/>
+                      </a:rPr>
+                      <m:t>𝑃</m:t>
+                    </m:r>
+                    <m:d>
+                      <m:dPr>
+                        <m:ctrlPr>
+                          <a:rPr i="1">
+                            <a:latin typeface="Cambria Math" panose="02040503050406030204" pitchFamily="18" charset="0"/>
+                          </a:rPr>
+                        </m:ctrlPr>
+                      </m:dPr>
+                      <m:e>
+                        <m:r>
+                          <a:rPr>
+                            <a:latin typeface="Cambria Math" panose="02040503050406030204" pitchFamily="18" charset="0"/>
+                          </a:rPr>
+                          <m:t>𝑌</m:t>
+                        </m:r>
+                        <m:r>
+                          <a:rPr>
+                            <a:latin typeface="Cambria Math" panose="02040503050406030204" pitchFamily="18" charset="0"/>
+                          </a:rPr>
+                          <m:t>|</m:t>
+                        </m:r>
+                        <m:r>
+                          <a:rPr>
+                            <a:latin typeface="Cambria Math" panose="02040503050406030204" pitchFamily="18" charset="0"/>
+                          </a:rPr>
+                          <m:t>𝑋</m:t>
+                        </m:r>
+                      </m:e>
+                    </m:d>
+                  </m:oMath>
+                </a14:m>
+                <a:r>
+                  <a:t> conditional probability of output Y given input X.</a:t>
+                </a:r>
+              </a:p>
+              <a:p>
+                <a:pPr lvl="0"/>
+                <a14:m>
+                  <m:oMath xmlns:m="http://schemas.openxmlformats.org/officeDocument/2006/math">
+                    <m:r>
+                      <a:rPr>
+                        <a:latin typeface="Cambria Math" panose="02040503050406030204" pitchFamily="18" charset="0"/>
+                      </a:rPr>
+                      <m:t>𝑃</m:t>
+                    </m:r>
+                    <m:d>
+                      <m:dPr>
+                        <m:ctrlPr>
+                          <a:rPr i="1">
+                            <a:latin typeface="Cambria Math" panose="02040503050406030204" pitchFamily="18" charset="0"/>
+                          </a:rPr>
+                        </m:ctrlPr>
+                      </m:dPr>
+                      <m:e>
+                        <m:r>
+                          <a:rPr>
+                            <a:latin typeface="Cambria Math" panose="02040503050406030204" pitchFamily="18" charset="0"/>
+                          </a:rPr>
+                          <m:t>𝑋</m:t>
+                        </m:r>
+                      </m:e>
+                    </m:d>
+                  </m:oMath>
+                </a14:m>
+                <a:r>
+                  <a:t> probability density of input.</a:t>
+                </a:r>
+              </a:p>
+              <a:p>
+                <a:pPr lvl="0"/>
+                <a14:m>
+                  <m:oMath xmlns:m="http://schemas.openxmlformats.org/officeDocument/2006/math">
+                    <m:r>
+                      <a:rPr>
+                        <a:latin typeface="Cambria Math" panose="02040503050406030204" pitchFamily="18" charset="0"/>
+                      </a:rPr>
+                      <m:t>𝑃</m:t>
+                    </m:r>
+                    <m:d>
+                      <m:dPr>
+                        <m:ctrlPr>
+                          <a:rPr i="1">
+                            <a:latin typeface="Cambria Math" panose="02040503050406030204" pitchFamily="18" charset="0"/>
+                          </a:rPr>
+                        </m:ctrlPr>
+                      </m:dPr>
+                      <m:e>
+                        <m:r>
+                          <a:rPr>
+                            <a:latin typeface="Cambria Math" panose="02040503050406030204" pitchFamily="18" charset="0"/>
+                          </a:rPr>
+                          <m:t>𝑌</m:t>
+                        </m:r>
+                      </m:e>
+                    </m:d>
+                  </m:oMath>
+                </a14:m>
+                <a:r>
+                  <a:t> probability density of output.</a:t>
+                </a:r>
+              </a:p>
+            </p:txBody>
+          </p:sp>
+        </mc:Choice>
+        <mc:Fallback>
+          <p:sp>
+            <p:nvSpPr>
+              <p:cNvPr id="4" name="Content Placeholder 3"/>
+              <p:cNvSpPr>
+                <a:spLocks noGrp="1" noRot="1" noChangeAspect="1" noMove="1" noResize="1" noEditPoints="1" noAdjustHandles="1" noChangeArrowheads="1" noChangeShapeType="1" noTextEdit="1"/>
+              </p:cNvSpPr>
+              <p:nvPr>
+                <p:ph sz="half" idx="2"/>
+              </p:nvPr>
+            </p:nvSpPr>
+            <p:spPr>
+              <a:blipFill>
+                <a:blip r:embed="rId3"/>
+                <a:stretch>
+                  <a:fillRect l="-1438"/>
+                </a:stretch>
+              </a:blipFill>
+            </p:spPr>
+            <p:txBody>
+              <a:bodyPr/>
+              <a:lstStyle/>
+              <a:p>
+                <a:r>
+                  <a:rPr lang="en-CA">
+                    <a:noFill/>
+                  </a:rPr>
+                  <a:t> </a:t>
+                </a:r>
+              </a:p>
+            </p:txBody>
+          </p:sp>
+        </mc:Fallback>
+      </mc:AlternateContent>
+      <p:sp>
+        <p:nvSpPr>
+          <p:cNvPr id="5" name="Date Placeholder 4">
+            <a:extLst>
+              <a:ext uri="{FF2B5EF4-FFF2-40B4-BE49-F238E27FC236}">
+                <a16:creationId xmlns:a16="http://schemas.microsoft.com/office/drawing/2014/main" id="{8D27357A-25BB-CBE7-7210-70AD0C25B07D}"/>
+              </a:ext>
+            </a:extLst>
+          </p:cNvPr>
+          <p:cNvSpPr>
+            <a:spLocks noGrp="1"/>
+          </p:cNvSpPr>
+          <p:nvPr>
+            <p:ph type="dt" sz="half" idx="10"/>
+          </p:nvPr>
+        </p:nvSpPr>
+        <p:spPr/>
+        <p:txBody>
+          <a:bodyPr/>
+          <a:lstStyle/>
+          <a:p>
+            <a:r>
+              <a:rPr lang="en-CA"/>
+              <a:t>March 2024</a:t>
+            </a:r>
+          </a:p>
+        </p:txBody>
+      </p:sp>
+      <p:sp>
+        <p:nvSpPr>
+          <p:cNvPr id="6" name="Footer Placeholder 5">
+            <a:extLst>
+              <a:ext uri="{FF2B5EF4-FFF2-40B4-BE49-F238E27FC236}">
+                <a16:creationId xmlns:a16="http://schemas.microsoft.com/office/drawing/2014/main" id="{39C81FF6-3AB4-22A5-B0FB-C688D64BE5D9}"/>
+              </a:ext>
+            </a:extLst>
+          </p:cNvPr>
+          <p:cNvSpPr>
+            <a:spLocks noGrp="1"/>
+          </p:cNvSpPr>
+          <p:nvPr>
+            <p:ph type="ftr" sz="quarter" idx="11"/>
+          </p:nvPr>
+        </p:nvSpPr>
+        <p:spPr/>
+        <p:txBody>
+          <a:bodyPr/>
+          <a:lstStyle/>
+          <a:p>
+            <a:r>
+              <a:rPr lang="en-CA"/>
+              <a:t>Production - Monitoring</a:t>
+            </a:r>
+          </a:p>
+        </p:txBody>
+      </p:sp>
+      <p:sp>
+        <p:nvSpPr>
+          <p:cNvPr id="7" name="Slide Number Placeholder 6">
+            <a:extLst>
+              <a:ext uri="{FF2B5EF4-FFF2-40B4-BE49-F238E27FC236}">
+                <a16:creationId xmlns:a16="http://schemas.microsoft.com/office/drawing/2014/main" id="{ECD98038-A88A-5E63-9E74-EA609A5E8A82}"/>
+              </a:ext>
+            </a:extLst>
+          </p:cNvPr>
+          <p:cNvSpPr>
+            <a:spLocks noGrp="1"/>
+          </p:cNvSpPr>
+          <p:nvPr>
+            <p:ph type="sldNum" sz="quarter" idx="12"/>
+          </p:nvPr>
+        </p:nvSpPr>
+        <p:spPr/>
+        <p:txBody>
+          <a:bodyPr/>
+          <a:lstStyle/>
+          <a:p>
+            <a:fld id="{4F4BDF5D-830C-4829-B676-EE421164B1C8}" type="slidenum">
+              <a:rPr lang="en-CA" smtClean="0"/>
+              <a:t>12</a:t>
+            </a:fld>
+            <a:endParaRPr lang="en-CA"/>
           </a:p>
         </p:txBody>
       </p:sp>
     </p:spTree>
   </p:cSld>
+  <p:clrMapOvr>
+    <a:masterClrMapping/>
+  </p:clrMapOvr>
 </p:sld>
 </file>
 
@@ -4497,12 +5413,11 @@
           <a:bodyPr/>
           <a:lstStyle/>
           <a:p>
-            <a:pPr lvl="0" indent="0" marL="0">
+            <a:pPr marL="0" lvl="0" indent="0">
               <a:buNone/>
             </a:pPr>
             <a:r>
-              <a:rPr/>
-              <a:t>Concept Drift</a:t>
+              <a:t>Covariate Shift</a:t>
             </a:r>
           </a:p>
         </p:txBody>
@@ -4516,18 +5431,19 @@
                 <a:spLocks noGrp="1"/>
               </p:cNvSpPr>
               <p:nvPr>
-                <p:ph idx="1" sz="half"/>
+                <p:ph sz="half" idx="1"/>
               </p:nvPr>
             </p:nvSpPr>
             <p:spPr/>
             <p:txBody>
-              <a:bodyPr/>
+              <a:bodyPr>
+                <a:normAutofit fontScale="70000" lnSpcReduction="20000"/>
+              </a:bodyPr>
               <a:lstStyle/>
               <a:p>
                 <a:pPr lvl="0"/>
                 <a:r>
-                  <a:rPr/>
-                  <a:t>Concept drift:</a:t>
+                  <a:t>Covariate shift:</a:t>
                 </a:r>
               </a:p>
               <a:p>
@@ -4535,34 +5451,31 @@
                 <a14:m>
                   <m:oMath xmlns:m="http://schemas.openxmlformats.org/officeDocument/2006/math">
                     <m:r>
-                      <m:t>P</m:t>
+                      <a:rPr>
+                        <a:latin typeface="Cambria Math" panose="02040503050406030204" pitchFamily="18" charset="0"/>
+                      </a:rPr>
+                      <m:t>𝑃</m:t>
                     </m:r>
                     <m:d>
                       <m:dPr>
-                        <m:begChr m:val="("/>
-                        <m:endChr m:val=")"/>
-                        <m:sepChr m:val=""/>
-                        <m:grow/>
+                        <m:ctrlPr>
+                          <a:rPr i="1">
+                            <a:latin typeface="Cambria Math" panose="02040503050406030204" pitchFamily="18" charset="0"/>
+                          </a:rPr>
+                        </m:ctrlPr>
                       </m:dPr>
                       <m:e>
                         <m:r>
-                          <m:t>Y</m:t>
-                        </m:r>
-                        <m:r>
-                          <m:rPr>
-                            <m:sty m:val="p"/>
-                          </m:rPr>
-                          <m:t>|</m:t>
-                        </m:r>
-                        <m:r>
-                          <m:t>X</m:t>
+                          <a:rPr>
+                            <a:latin typeface="Cambria Math" panose="02040503050406030204" pitchFamily="18" charset="0"/>
+                          </a:rPr>
+                          <m:t>𝑋</m:t>
                         </m:r>
                       </m:e>
                     </m:d>
                   </m:oMath>
                 </a14:m>
                 <a:r>
-                  <a:rPr/>
                   <a:t> changes.</a:t>
                 </a:r>
               </a:p>
@@ -4571,46 +5484,100 @@
                 <a14:m>
                   <m:oMath xmlns:m="http://schemas.openxmlformats.org/officeDocument/2006/math">
                     <m:r>
-                      <m:t>P</m:t>
+                      <a:rPr>
+                        <a:latin typeface="Cambria Math" panose="02040503050406030204" pitchFamily="18" charset="0"/>
+                      </a:rPr>
+                      <m:t>𝑃</m:t>
                     </m:r>
                     <m:d>
                       <m:dPr>
-                        <m:begChr m:val="("/>
-                        <m:endChr m:val=")"/>
-                        <m:sepChr m:val=""/>
-                        <m:grow/>
+                        <m:ctrlPr>
+                          <a:rPr i="1">
+                            <a:latin typeface="Cambria Math" panose="02040503050406030204" pitchFamily="18" charset="0"/>
+                          </a:rPr>
+                        </m:ctrlPr>
                       </m:dPr>
                       <m:e>
                         <m:r>
-                          <m:t>X</m:t>
+                          <a:rPr>
+                            <a:latin typeface="Cambria Math" panose="02040503050406030204" pitchFamily="18" charset="0"/>
+                          </a:rPr>
+                          <m:t>𝑋</m:t>
+                        </m:r>
+                        <m:r>
+                          <a:rPr>
+                            <a:latin typeface="Cambria Math" panose="02040503050406030204" pitchFamily="18" charset="0"/>
+                          </a:rPr>
+                          <m:t>|</m:t>
+                        </m:r>
+                        <m:r>
+                          <a:rPr>
+                            <a:latin typeface="Cambria Math" panose="02040503050406030204" pitchFamily="18" charset="0"/>
+                          </a:rPr>
+                          <m:t>𝑌</m:t>
                         </m:r>
                       </m:e>
                     </m:d>
                   </m:oMath>
                 </a14:m>
                 <a:r>
-                  <a:rPr/>
                   <a:t> does not change.</a:t>
                 </a:r>
               </a:p>
               <a:p>
                 <a:pPr lvl="0"/>
                 <a:r>
-                  <a:rPr/>
-                  <a:t>Also known as </a:t>
+                  <a:t>Widely studied distribution shifts.</a:t>
                 </a:r>
+              </a:p>
+              <a:p>
+                <a:pPr lvl="0"/>
                 <a:r>
-                  <a:rPr i="1"/>
-                  <a:t>posterior drift</a:t>
+                  <a:t>Covariate is an independent variable that can influence the outcome of a statistical trial but it is not of direct interest.</a:t>
                 </a:r>
+              </a:p>
+              <a:p>
+                <a:pPr lvl="0"/>
                 <a:r>
-                  <a:rPr/>
-                  <a:t>.</a:t>
+                  <a:t>Example: while predicting house prices as a function of location, a covariate is square footage.</a:t>
                 </a:r>
               </a:p>
             </p:txBody>
           </p:sp>
         </mc:Choice>
+        <mc:Fallback>
+          <p:sp>
+            <p:nvSpPr>
+              <p:cNvPr id="3" name="Content Placeholder 2"/>
+              <p:cNvSpPr>
+                <a:spLocks noGrp="1" noRot="1" noChangeAspect="1" noMove="1" noResize="1" noEditPoints="1" noAdjustHandles="1" noChangeArrowheads="1" noChangeShapeType="1" noTextEdit="1"/>
+              </p:cNvSpPr>
+              <p:nvPr>
+                <p:ph sz="half" idx="1"/>
+              </p:nvPr>
+            </p:nvSpPr>
+            <p:spPr>
+              <a:blipFill>
+                <a:blip r:embed="rId2"/>
+                <a:stretch>
+                  <a:fillRect l="-654" t="-971"/>
+                </a:stretch>
+              </a:blipFill>
+            </p:spPr>
+            <p:txBody>
+              <a:bodyPr/>
+              <a:lstStyle/>
+              <a:p>
+                <a:r>
+                  <a:rPr lang="en-CA">
+                    <a:noFill/>
+                  </a:rPr>
+                  <a:t> </a:t>
+                </a:r>
+              </a:p>
+            </p:txBody>
+          </p:sp>
+        </mc:Fallback>
       </mc:AlternateContent>
       <p:sp>
         <p:nvSpPr>
@@ -4619,38 +5586,139 @@
             <a:spLocks noGrp="1"/>
           </p:cNvSpPr>
           <p:nvPr>
-            <p:ph idx="2" sz="half"/>
-          </p:nvPr>
-        </p:nvSpPr>
-        <p:spPr/>
-        <p:txBody>
-          <a:bodyPr/>
-          <a:lstStyle/>
+            <p:ph sz="half" idx="2"/>
+          </p:nvPr>
+        </p:nvSpPr>
+        <p:spPr/>
+        <p:txBody>
+          <a:bodyPr>
+            <a:normAutofit fontScale="70000" lnSpcReduction="20000"/>
+          </a:bodyPr>
+          <a:lstStyle/>
+          <a:p>
+            <a:pPr marL="0" lvl="0" indent="0">
+              <a:buNone/>
+            </a:pPr>
+            <a:r>
+              <a:t>Causes:</a:t>
+            </a:r>
+          </a:p>
           <a:p>
             <a:pPr lvl="0"/>
             <a:r>
-              <a:rPr/>
-              <a:t>Input distribution remains the same, but the conditional distribution of the output given an input changes.</a:t>
+              <a:t>Sampling methods: example, oversampling of cancer patients over 40.</a:t>
             </a:r>
           </a:p>
           <a:p>
             <a:pPr lvl="0"/>
             <a:r>
-              <a:rPr/>
-              <a:t>“Same input, different output.”</a:t>
+              <a:t>Training data is artificially altered: applied SMOTE and distribution changed.</a:t>
             </a:r>
           </a:p>
           <a:p>
             <a:pPr lvl="0"/>
             <a:r>
-              <a:rPr/>
-              <a:t>Can be cyclcic or seasonal.</a:t>
-            </a:r>
+              <a:t>Active learning: instead of randomly sampling, use samples most helpful to that model according to some heuristic.</a:t>
+            </a:r>
+          </a:p>
+          <a:p>
+            <a:pPr lvl="0"/>
+            <a:r>
+              <a:t>Major changes in the production environment or application: changes in marketing, for example, induce more clients from a certain demographic not previously represented in training data.</a:t>
+            </a:r>
+          </a:p>
+        </p:txBody>
+      </p:sp>
+      <p:sp>
+        <p:nvSpPr>
+          <p:cNvPr id="5" name="Date Placeholder 4">
+            <a:extLst>
+              <a:ext uri="{FF2B5EF4-FFF2-40B4-BE49-F238E27FC236}">
+                <a16:creationId xmlns:a16="http://schemas.microsoft.com/office/drawing/2014/main" id="{30C954EC-8C54-D06C-E430-8B12F1B75C93}"/>
+              </a:ext>
+            </a:extLst>
+          </p:cNvPr>
+          <p:cNvSpPr>
+            <a:spLocks noGrp="1"/>
+          </p:cNvSpPr>
+          <p:nvPr>
+            <p:ph type="dt" sz="half" idx="10"/>
+          </p:nvPr>
+        </p:nvSpPr>
+        <p:spPr/>
+        <p:txBody>
+          <a:bodyPr/>
+          <a:lstStyle/>
+          <a:p>
+            <a:r>
+              <a:rPr lang="en-CA"/>
+              <a:t>March 2024</a:t>
+            </a:r>
+          </a:p>
+        </p:txBody>
+      </p:sp>
+      <p:sp>
+        <p:nvSpPr>
+          <p:cNvPr id="6" name="Footer Placeholder 5">
+            <a:extLst>
+              <a:ext uri="{FF2B5EF4-FFF2-40B4-BE49-F238E27FC236}">
+                <a16:creationId xmlns:a16="http://schemas.microsoft.com/office/drawing/2014/main" id="{3C843F9B-A352-4F42-1212-6BD2F4314CEE}"/>
+              </a:ext>
+            </a:extLst>
+          </p:cNvPr>
+          <p:cNvSpPr>
+            <a:spLocks noGrp="1"/>
+          </p:cNvSpPr>
+          <p:nvPr>
+            <p:ph type="ftr" sz="quarter" idx="11"/>
+          </p:nvPr>
+        </p:nvSpPr>
+        <p:spPr/>
+        <p:txBody>
+          <a:bodyPr/>
+          <a:lstStyle/>
+          <a:p>
+            <a:r>
+              <a:rPr lang="en-CA"/>
+              <a:t>Production - Monitoring</a:t>
+            </a:r>
+          </a:p>
+        </p:txBody>
+      </p:sp>
+      <p:sp>
+        <p:nvSpPr>
+          <p:cNvPr id="7" name="Slide Number Placeholder 6">
+            <a:extLst>
+              <a:ext uri="{FF2B5EF4-FFF2-40B4-BE49-F238E27FC236}">
+                <a16:creationId xmlns:a16="http://schemas.microsoft.com/office/drawing/2014/main" id="{743BC8A9-5F20-3487-A11B-14E70D5F52E4}"/>
+              </a:ext>
+            </a:extLst>
+          </p:cNvPr>
+          <p:cNvSpPr>
+            <a:spLocks noGrp="1"/>
+          </p:cNvSpPr>
+          <p:nvPr>
+            <p:ph type="sldNum" sz="quarter" idx="12"/>
+          </p:nvPr>
+        </p:nvSpPr>
+        <p:spPr/>
+        <p:txBody>
+          <a:bodyPr/>
+          <a:lstStyle/>
+          <a:p>
+            <a:fld id="{4F4BDF5D-830C-4829-B676-EE421164B1C8}" type="slidenum">
+              <a:rPr lang="en-CA" smtClean="0"/>
+              <a:t>13</a:t>
+            </a:fld>
+            <a:endParaRPr lang="en-CA"/>
           </a:p>
         </p:txBody>
       </p:sp>
     </p:spTree>
   </p:cSld>
+  <p:clrMapOvr>
+    <a:masterClrMapping/>
+  </p:clrMapOvr>
 </p:sld>
 </file>
 
@@ -4681,6 +5749,1036 @@
             <p:ph type="title"/>
           </p:nvPr>
         </p:nvSpPr>
+        <p:spPr/>
+        <p:txBody>
+          <a:bodyPr/>
+          <a:lstStyle/>
+          <a:p>
+            <a:pPr marL="0" lvl="0" indent="0">
+              <a:buNone/>
+            </a:pPr>
+            <a:r>
+              <a:t>Label Shift</a:t>
+            </a:r>
+          </a:p>
+        </p:txBody>
+      </p:sp>
+      <p:sp>
+        <p:nvSpPr>
+          <p:cNvPr id="3" name="Content Placeholder 2"/>
+          <p:cNvSpPr>
+            <a:spLocks noGrp="1"/>
+          </p:cNvSpPr>
+          <p:nvPr>
+            <p:ph sz="half" idx="1"/>
+          </p:nvPr>
+        </p:nvSpPr>
+        <p:spPr/>
+        <p:txBody>
+          <a:bodyPr/>
+          <a:lstStyle/>
+          <a:p>
+            <a:pPr lvl="0"/>
+            <a:r>
+              <a:t>Label shift:</a:t>
+            </a:r>
+          </a:p>
+          <a:p>
+            <a:pPr lvl="1"/>
+            <a14:m xmlns:a14="http://schemas.microsoft.com/office/drawing/2010/main">
+              <m:oMath xmlns:m="http://schemas.openxmlformats.org/officeDocument/2006/math">
+                <m:r>
+                  <a:rPr>
+                    <a:latin typeface="Cambria Math" panose="02040503050406030204" pitchFamily="18" charset="0"/>
+                  </a:rPr>
+                  <m:t>𝑃</m:t>
+                </m:r>
+                <m:d>
+                  <m:dPr>
+                    <m:ctrlPr>
+                      <a:rPr i="1">
+                        <a:latin typeface="Cambria Math" panose="02040503050406030204" pitchFamily="18" charset="0"/>
+                      </a:rPr>
+                    </m:ctrlPr>
+                  </m:dPr>
+                  <m:e>
+                    <m:r>
+                      <a:rPr>
+                        <a:latin typeface="Cambria Math" panose="02040503050406030204" pitchFamily="18" charset="0"/>
+                      </a:rPr>
+                      <m:t>𝑌</m:t>
+                    </m:r>
+                  </m:e>
+                </m:d>
+              </m:oMath>
+            </a14:m>
+            <a:r>
+              <a:t> changes.</a:t>
+            </a:r>
+          </a:p>
+          <a:p>
+            <a:pPr lvl="1"/>
+            <a14:m xmlns:a14="http://schemas.microsoft.com/office/drawing/2010/main">
+              <m:oMath xmlns:m="http://schemas.openxmlformats.org/officeDocument/2006/math">
+                <m:r>
+                  <a:rPr>
+                    <a:latin typeface="Cambria Math" panose="02040503050406030204" pitchFamily="18" charset="0"/>
+                  </a:rPr>
+                  <m:t>𝑃</m:t>
+                </m:r>
+                <m:d>
+                  <m:dPr>
+                    <m:ctrlPr>
+                      <a:rPr i="1">
+                        <a:latin typeface="Cambria Math" panose="02040503050406030204" pitchFamily="18" charset="0"/>
+                      </a:rPr>
+                    </m:ctrlPr>
+                  </m:dPr>
+                  <m:e>
+                    <m:r>
+                      <a:rPr>
+                        <a:latin typeface="Cambria Math" panose="02040503050406030204" pitchFamily="18" charset="0"/>
+                      </a:rPr>
+                      <m:t>𝑌</m:t>
+                    </m:r>
+                    <m:r>
+                      <a:rPr>
+                        <a:latin typeface="Cambria Math" panose="02040503050406030204" pitchFamily="18" charset="0"/>
+                      </a:rPr>
+                      <m:t>|</m:t>
+                    </m:r>
+                    <m:r>
+                      <a:rPr>
+                        <a:latin typeface="Cambria Math" panose="02040503050406030204" pitchFamily="18" charset="0"/>
+                      </a:rPr>
+                      <m:t>𝑋</m:t>
+                    </m:r>
+                  </m:e>
+                </m:d>
+              </m:oMath>
+            </a14:m>
+            <a:r>
+              <a:t> does not change.</a:t>
+            </a:r>
+          </a:p>
+          <a:p>
+            <a:pPr lvl="0"/>
+            <a:r>
+              <a:t>Also known as </a:t>
+            </a:r>
+            <a:r>
+              <a:rPr i="1"/>
+              <a:t>prior shift</a:t>
+            </a:r>
+            <a:r>
+              <a:t>, </a:t>
+            </a:r>
+            <a:r>
+              <a:rPr i="1"/>
+              <a:t>prior probability shift</a:t>
+            </a:r>
+            <a:r>
+              <a:t>, or </a:t>
+            </a:r>
+            <a:r>
+              <a:rPr i="1"/>
+              <a:t>target shift</a:t>
+            </a:r>
+            <a:r>
+              <a:t>.</a:t>
+            </a:r>
+          </a:p>
+          <a:p>
+            <a:pPr lvl="0"/>
+            <a:r>
+              <a:t>The output distribution changes, but for a given output, the input distribution stays the same.</a:t>
+            </a:r>
+          </a:p>
+        </p:txBody>
+      </p:sp>
+      <p:sp>
+        <p:nvSpPr>
+          <p:cNvPr id="4" name="Content Placeholder 3"/>
+          <p:cNvSpPr>
+            <a:spLocks noGrp="1"/>
+          </p:cNvSpPr>
+          <p:nvPr>
+            <p:ph sz="half" idx="2"/>
+          </p:nvPr>
+        </p:nvSpPr>
+        <p:spPr/>
+        <p:txBody>
+          <a:bodyPr/>
+          <a:lstStyle/>
+          <a:p>
+            <a:pPr lvl="0"/>
+            <a:r>
+              <a:t>When a covariate shift happens, it could be followed by a label shift.</a:t>
+            </a:r>
+          </a:p>
+          <a:p>
+            <a:pPr lvl="0"/>
+            <a:r>
+              <a:t>Methods for detecting covariate and label shifts are similar.</a:t>
+            </a:r>
+          </a:p>
+        </p:txBody>
+      </p:sp>
+      <p:sp>
+        <p:nvSpPr>
+          <p:cNvPr id="5" name="Date Placeholder 4">
+            <a:extLst>
+              <a:ext uri="{FF2B5EF4-FFF2-40B4-BE49-F238E27FC236}">
+                <a16:creationId xmlns:a16="http://schemas.microsoft.com/office/drawing/2014/main" id="{16A026DA-2052-3C28-2F10-E9F9CA4AEFCB}"/>
+              </a:ext>
+            </a:extLst>
+          </p:cNvPr>
+          <p:cNvSpPr>
+            <a:spLocks noGrp="1"/>
+          </p:cNvSpPr>
+          <p:nvPr>
+            <p:ph type="dt" sz="half" idx="10"/>
+          </p:nvPr>
+        </p:nvSpPr>
+        <p:spPr/>
+        <p:txBody>
+          <a:bodyPr/>
+          <a:lstStyle/>
+          <a:p>
+            <a:r>
+              <a:rPr lang="en-CA"/>
+              <a:t>March 2024</a:t>
+            </a:r>
+          </a:p>
+        </p:txBody>
+      </p:sp>
+      <p:sp>
+        <p:nvSpPr>
+          <p:cNvPr id="6" name="Footer Placeholder 5">
+            <a:extLst>
+              <a:ext uri="{FF2B5EF4-FFF2-40B4-BE49-F238E27FC236}">
+                <a16:creationId xmlns:a16="http://schemas.microsoft.com/office/drawing/2014/main" id="{B93C4EB8-2815-826C-E669-10DB5F2BCA42}"/>
+              </a:ext>
+            </a:extLst>
+          </p:cNvPr>
+          <p:cNvSpPr>
+            <a:spLocks noGrp="1"/>
+          </p:cNvSpPr>
+          <p:nvPr>
+            <p:ph type="ftr" sz="quarter" idx="11"/>
+          </p:nvPr>
+        </p:nvSpPr>
+        <p:spPr/>
+        <p:txBody>
+          <a:bodyPr/>
+          <a:lstStyle/>
+          <a:p>
+            <a:r>
+              <a:rPr lang="en-CA"/>
+              <a:t>Production - Monitoring</a:t>
+            </a:r>
+          </a:p>
+        </p:txBody>
+      </p:sp>
+      <p:sp>
+        <p:nvSpPr>
+          <p:cNvPr id="7" name="Slide Number Placeholder 6">
+            <a:extLst>
+              <a:ext uri="{FF2B5EF4-FFF2-40B4-BE49-F238E27FC236}">
+                <a16:creationId xmlns:a16="http://schemas.microsoft.com/office/drawing/2014/main" id="{C74FD61B-645F-5B29-7972-1BE2E12DC9AC}"/>
+              </a:ext>
+            </a:extLst>
+          </p:cNvPr>
+          <p:cNvSpPr>
+            <a:spLocks noGrp="1"/>
+          </p:cNvSpPr>
+          <p:nvPr>
+            <p:ph type="sldNum" sz="quarter" idx="12"/>
+          </p:nvPr>
+        </p:nvSpPr>
+        <p:spPr/>
+        <p:txBody>
+          <a:bodyPr/>
+          <a:lstStyle/>
+          <a:p>
+            <a:fld id="{4F4BDF5D-830C-4829-B676-EE421164B1C8}" type="slidenum">
+              <a:rPr lang="en-CA" smtClean="0"/>
+              <a:t>14</a:t>
+            </a:fld>
+            <a:endParaRPr lang="en-CA"/>
+          </a:p>
+        </p:txBody>
+      </p:sp>
+    </p:spTree>
+  </p:cSld>
+  <p:clrMapOvr>
+    <a:masterClrMapping/>
+  </p:clrMapOvr>
+</p:sld>
+</file>
+
+<file path=ppt/slides/slide15.xml><?xml version="1.0" encoding="utf-8"?>
+<p:sld xmlns:a="http://schemas.openxmlformats.org/drawingml/2006/main" xmlns:r="http://schemas.openxmlformats.org/officeDocument/2006/relationships" xmlns:p="http://schemas.openxmlformats.org/presentationml/2006/main">
+  <p:cSld>
+    <p:spTree>
+      <p:nvGrpSpPr>
+        <p:cNvPr id="1" name=""/>
+        <p:cNvGrpSpPr/>
+        <p:nvPr/>
+      </p:nvGrpSpPr>
+      <p:grpSpPr>
+        <a:xfrm>
+          <a:off x="0" y="0"/>
+          <a:ext cx="0" cy="0"/>
+          <a:chOff x="0" y="0"/>
+          <a:chExt cx="0" cy="0"/>
+        </a:xfrm>
+      </p:grpSpPr>
+      <p:sp>
+        <p:nvSpPr>
+          <p:cNvPr id="2" name="Title 1"/>
+          <p:cNvSpPr>
+            <a:spLocks noGrp="1"/>
+          </p:cNvSpPr>
+          <p:nvPr>
+            <p:ph type="title"/>
+          </p:nvPr>
+        </p:nvSpPr>
+        <p:spPr/>
+        <p:txBody>
+          <a:bodyPr/>
+          <a:lstStyle/>
+          <a:p>
+            <a:pPr marL="0" lvl="0" indent="0">
+              <a:buNone/>
+            </a:pPr>
+            <a:r>
+              <a:t>Concept Drift</a:t>
+            </a:r>
+          </a:p>
+        </p:txBody>
+      </p:sp>
+      <p:sp>
+        <p:nvSpPr>
+          <p:cNvPr id="3" name="Content Placeholder 2"/>
+          <p:cNvSpPr>
+            <a:spLocks noGrp="1"/>
+          </p:cNvSpPr>
+          <p:nvPr>
+            <p:ph sz="half" idx="1"/>
+          </p:nvPr>
+        </p:nvSpPr>
+        <p:spPr/>
+        <p:txBody>
+          <a:bodyPr/>
+          <a:lstStyle/>
+          <a:p>
+            <a:pPr lvl="0"/>
+            <a:r>
+              <a:t>Concept drift:</a:t>
+            </a:r>
+          </a:p>
+          <a:p>
+            <a:pPr lvl="1"/>
+            <a14:m xmlns:a14="http://schemas.microsoft.com/office/drawing/2010/main">
+              <m:oMath xmlns:m="http://schemas.openxmlformats.org/officeDocument/2006/math">
+                <m:r>
+                  <a:rPr>
+                    <a:latin typeface="Cambria Math" panose="02040503050406030204" pitchFamily="18" charset="0"/>
+                  </a:rPr>
+                  <m:t>𝑃</m:t>
+                </m:r>
+                <m:d>
+                  <m:dPr>
+                    <m:ctrlPr>
+                      <a:rPr i="1">
+                        <a:latin typeface="Cambria Math" panose="02040503050406030204" pitchFamily="18" charset="0"/>
+                      </a:rPr>
+                    </m:ctrlPr>
+                  </m:dPr>
+                  <m:e>
+                    <m:r>
+                      <a:rPr>
+                        <a:latin typeface="Cambria Math" panose="02040503050406030204" pitchFamily="18" charset="0"/>
+                      </a:rPr>
+                      <m:t>𝑌</m:t>
+                    </m:r>
+                    <m:r>
+                      <a:rPr>
+                        <a:latin typeface="Cambria Math" panose="02040503050406030204" pitchFamily="18" charset="0"/>
+                      </a:rPr>
+                      <m:t>|</m:t>
+                    </m:r>
+                    <m:r>
+                      <a:rPr>
+                        <a:latin typeface="Cambria Math" panose="02040503050406030204" pitchFamily="18" charset="0"/>
+                      </a:rPr>
+                      <m:t>𝑋</m:t>
+                    </m:r>
+                  </m:e>
+                </m:d>
+              </m:oMath>
+            </a14:m>
+            <a:r>
+              <a:t> changes.</a:t>
+            </a:r>
+          </a:p>
+          <a:p>
+            <a:pPr lvl="1"/>
+            <a14:m xmlns:a14="http://schemas.microsoft.com/office/drawing/2010/main">
+              <m:oMath xmlns:m="http://schemas.openxmlformats.org/officeDocument/2006/math">
+                <m:r>
+                  <a:rPr>
+                    <a:latin typeface="Cambria Math" panose="02040503050406030204" pitchFamily="18" charset="0"/>
+                  </a:rPr>
+                  <m:t>𝑃</m:t>
+                </m:r>
+                <m:d>
+                  <m:dPr>
+                    <m:ctrlPr>
+                      <a:rPr i="1">
+                        <a:latin typeface="Cambria Math" panose="02040503050406030204" pitchFamily="18" charset="0"/>
+                      </a:rPr>
+                    </m:ctrlPr>
+                  </m:dPr>
+                  <m:e>
+                    <m:r>
+                      <a:rPr>
+                        <a:latin typeface="Cambria Math" panose="02040503050406030204" pitchFamily="18" charset="0"/>
+                      </a:rPr>
+                      <m:t>𝑋</m:t>
+                    </m:r>
+                  </m:e>
+                </m:d>
+              </m:oMath>
+            </a14:m>
+            <a:r>
+              <a:t> does not change.</a:t>
+            </a:r>
+          </a:p>
+          <a:p>
+            <a:pPr lvl="0"/>
+            <a:r>
+              <a:t>Also known as </a:t>
+            </a:r>
+            <a:r>
+              <a:rPr i="1"/>
+              <a:t>posterior drift</a:t>
+            </a:r>
+            <a:r>
+              <a:t>.</a:t>
+            </a:r>
+          </a:p>
+        </p:txBody>
+      </p:sp>
+      <p:sp>
+        <p:nvSpPr>
+          <p:cNvPr id="4" name="Content Placeholder 3"/>
+          <p:cNvSpPr>
+            <a:spLocks noGrp="1"/>
+          </p:cNvSpPr>
+          <p:nvPr>
+            <p:ph sz="half" idx="2"/>
+          </p:nvPr>
+        </p:nvSpPr>
+        <p:spPr/>
+        <p:txBody>
+          <a:bodyPr/>
+          <a:lstStyle/>
+          <a:p>
+            <a:pPr lvl="0"/>
+            <a:r>
+              <a:t>Input distribution remains the same, but the conditional distribution of the output given an input changes.</a:t>
+            </a:r>
+          </a:p>
+          <a:p>
+            <a:pPr lvl="0"/>
+            <a:r>
+              <a:t>“Same input, different output.”</a:t>
+            </a:r>
+          </a:p>
+          <a:p>
+            <a:pPr lvl="0"/>
+            <a:r>
+              <a:t>Can be cyclcic or seasonal.</a:t>
+            </a:r>
+          </a:p>
+        </p:txBody>
+      </p:sp>
+      <p:sp>
+        <p:nvSpPr>
+          <p:cNvPr id="5" name="Date Placeholder 4">
+            <a:extLst>
+              <a:ext uri="{FF2B5EF4-FFF2-40B4-BE49-F238E27FC236}">
+                <a16:creationId xmlns:a16="http://schemas.microsoft.com/office/drawing/2014/main" id="{49E53F50-9C1C-E71B-5CB2-D894B8357969}"/>
+              </a:ext>
+            </a:extLst>
+          </p:cNvPr>
+          <p:cNvSpPr>
+            <a:spLocks noGrp="1"/>
+          </p:cNvSpPr>
+          <p:nvPr>
+            <p:ph type="dt" sz="half" idx="10"/>
+          </p:nvPr>
+        </p:nvSpPr>
+        <p:spPr/>
+        <p:txBody>
+          <a:bodyPr/>
+          <a:lstStyle/>
+          <a:p>
+            <a:r>
+              <a:rPr lang="en-CA"/>
+              <a:t>March 2024</a:t>
+            </a:r>
+          </a:p>
+        </p:txBody>
+      </p:sp>
+      <p:sp>
+        <p:nvSpPr>
+          <p:cNvPr id="6" name="Footer Placeholder 5">
+            <a:extLst>
+              <a:ext uri="{FF2B5EF4-FFF2-40B4-BE49-F238E27FC236}">
+                <a16:creationId xmlns:a16="http://schemas.microsoft.com/office/drawing/2014/main" id="{5E383E7B-2631-0900-9861-46E492B94C10}"/>
+              </a:ext>
+            </a:extLst>
+          </p:cNvPr>
+          <p:cNvSpPr>
+            <a:spLocks noGrp="1"/>
+          </p:cNvSpPr>
+          <p:nvPr>
+            <p:ph type="ftr" sz="quarter" idx="11"/>
+          </p:nvPr>
+        </p:nvSpPr>
+        <p:spPr/>
+        <p:txBody>
+          <a:bodyPr/>
+          <a:lstStyle/>
+          <a:p>
+            <a:r>
+              <a:rPr lang="en-CA"/>
+              <a:t>Production - Monitoring</a:t>
+            </a:r>
+          </a:p>
+        </p:txBody>
+      </p:sp>
+      <p:sp>
+        <p:nvSpPr>
+          <p:cNvPr id="7" name="Slide Number Placeholder 6">
+            <a:extLst>
+              <a:ext uri="{FF2B5EF4-FFF2-40B4-BE49-F238E27FC236}">
+                <a16:creationId xmlns:a16="http://schemas.microsoft.com/office/drawing/2014/main" id="{FD8116F7-531C-0775-427A-1E96E9C961DB}"/>
+              </a:ext>
+            </a:extLst>
+          </p:cNvPr>
+          <p:cNvSpPr>
+            <a:spLocks noGrp="1"/>
+          </p:cNvSpPr>
+          <p:nvPr>
+            <p:ph type="sldNum" sz="quarter" idx="12"/>
+          </p:nvPr>
+        </p:nvSpPr>
+        <p:spPr/>
+        <p:txBody>
+          <a:bodyPr/>
+          <a:lstStyle/>
+          <a:p>
+            <a:fld id="{4F4BDF5D-830C-4829-B676-EE421164B1C8}" type="slidenum">
+              <a:rPr lang="en-CA" smtClean="0"/>
+              <a:t>15</a:t>
+            </a:fld>
+            <a:endParaRPr lang="en-CA"/>
+          </a:p>
+        </p:txBody>
+      </p:sp>
+    </p:spTree>
+  </p:cSld>
+  <p:clrMapOvr>
+    <a:masterClrMapping/>
+  </p:clrMapOvr>
+</p:sld>
+</file>
+
+<file path=ppt/slides/slide16.xml><?xml version="1.0" encoding="utf-8"?>
+<p:sld xmlns:a="http://schemas.openxmlformats.org/drawingml/2006/main" xmlns:r="http://schemas.openxmlformats.org/officeDocument/2006/relationships" xmlns:p="http://schemas.openxmlformats.org/presentationml/2006/main">
+  <p:cSld>
+    <p:spTree>
+      <p:nvGrpSpPr>
+        <p:cNvPr id="1" name=""/>
+        <p:cNvGrpSpPr/>
+        <p:nvPr/>
+      </p:nvGrpSpPr>
+      <p:grpSpPr>
+        <a:xfrm>
+          <a:off x="0" y="0"/>
+          <a:ext cx="0" cy="0"/>
+          <a:chOff x="0" y="0"/>
+          <a:chExt cx="0" cy="0"/>
+        </a:xfrm>
+      </p:grpSpPr>
+      <p:sp>
+        <p:nvSpPr>
+          <p:cNvPr id="2" name="Title 1"/>
+          <p:cNvSpPr>
+            <a:spLocks noGrp="1"/>
+          </p:cNvSpPr>
+          <p:nvPr>
+            <p:ph type="title"/>
+          </p:nvPr>
+        </p:nvSpPr>
+        <p:spPr/>
+        <p:txBody>
+          <a:bodyPr/>
+          <a:lstStyle/>
+          <a:p>
+            <a:pPr marL="0" lvl="0" indent="0">
+              <a:buNone/>
+            </a:pPr>
+            <a:r>
+              <a:t>Detecting Data Distribution Shifts</a:t>
+            </a:r>
+          </a:p>
+        </p:txBody>
+      </p:sp>
+      <p:sp>
+        <p:nvSpPr>
+          <p:cNvPr id="3" name="Content Placeholder 2"/>
+          <p:cNvSpPr>
+            <a:spLocks noGrp="1"/>
+          </p:cNvSpPr>
+          <p:nvPr>
+            <p:ph sz="half" idx="1"/>
+          </p:nvPr>
+        </p:nvSpPr>
+        <p:spPr/>
+        <p:txBody>
+          <a:bodyPr>
+            <a:normAutofit fontScale="47500" lnSpcReduction="20000"/>
+          </a:bodyPr>
+          <a:lstStyle/>
+          <a:p>
+            <a:pPr marL="0" lvl="0" indent="0">
+              <a:buNone/>
+            </a:pPr>
+            <a:r>
+              <a:rPr b="1"/>
+              <a:t>Exploratory Data Analysis</a:t>
+            </a:r>
+          </a:p>
+          <a:p>
+            <a:pPr lvl="0"/>
+            <a:r>
+              <a:t>Compare different quantiles of data distributions and compare: 5th, 25th, 50th, 75th, and 95th.</a:t>
+            </a:r>
+          </a:p>
+          <a:p>
+            <a:pPr lvl="0"/>
+            <a:r>
+              <a:t>Comparing mean, median, and standard deviation only may give partial results:</a:t>
+            </a:r>
+          </a:p>
+          <a:p>
+            <a:pPr lvl="1"/>
+            <a:r>
+              <a:t>Noticing differences may be indicative of a distribution shift.</a:t>
+            </a:r>
+          </a:p>
+          <a:p>
+            <a:pPr lvl="1"/>
+            <a:r>
+              <a:rPr b="1"/>
+              <a:t>Not</a:t>
+            </a:r>
+            <a:r>
+              <a:t> noticing differences could hide distribution shifts.</a:t>
+            </a:r>
+          </a:p>
+        </p:txBody>
+      </p:sp>
+      <p:sp>
+        <p:nvSpPr>
+          <p:cNvPr id="4" name="Content Placeholder 3"/>
+          <p:cNvSpPr>
+            <a:spLocks noGrp="1"/>
+          </p:cNvSpPr>
+          <p:nvPr>
+            <p:ph sz="half" idx="2"/>
+          </p:nvPr>
+        </p:nvSpPr>
+        <p:spPr/>
+        <p:txBody>
+          <a:bodyPr>
+            <a:normAutofit fontScale="47500" lnSpcReduction="20000"/>
+          </a:bodyPr>
+          <a:lstStyle/>
+          <a:p>
+            <a:pPr marL="0" lvl="0" indent="0">
+              <a:buNone/>
+            </a:pPr>
+            <a:r>
+              <a:rPr b="1"/>
+              <a:t>Statistical methods</a:t>
+            </a:r>
+          </a:p>
+          <a:p>
+            <a:pPr lvl="0"/>
+            <a:r>
+              <a:t>A more robust approach is to use two-sample hypothesis tests.</a:t>
+            </a:r>
+          </a:p>
+          <a:p>
+            <a:pPr lvl="0"/>
+            <a:r>
+              <a:t>These tests help us determine if the difference between distributions is statistically significant: if it is, then the probability that the difference is due to random fluctuations is low.</a:t>
+            </a:r>
+          </a:p>
+          <a:p>
+            <a:pPr lvl="0"/>
+            <a:r>
+              <a:t>If a difference is detected, it does not necessarily mean it is important. However, if the difference is noticeable in a small sample, it generally indicates that it is important.</a:t>
+            </a:r>
+          </a:p>
+          <a:p>
+            <a:pPr lvl="0"/>
+            <a:r>
+              <a:t>Many methods for univariate data. For example, Kolmogorov-Smirnov test.</a:t>
+            </a:r>
+          </a:p>
+          <a:p>
+            <a:pPr lvl="0"/>
+            <a:r>
+              <a:t>Other methods for multivariate data: Least Squares Density Difference or Maximum Mean Discrepancy.</a:t>
+            </a:r>
+          </a:p>
+          <a:p>
+            <a:pPr lvl="0"/>
+            <a:r>
+              <a:t>In general, these methods are better for low-dimensional data: it may be convenient to reduce the problem’s dimensionality.</a:t>
+            </a:r>
+          </a:p>
+        </p:txBody>
+      </p:sp>
+      <p:sp>
+        <p:nvSpPr>
+          <p:cNvPr id="5" name="Date Placeholder 4">
+            <a:extLst>
+              <a:ext uri="{FF2B5EF4-FFF2-40B4-BE49-F238E27FC236}">
+                <a16:creationId xmlns:a16="http://schemas.microsoft.com/office/drawing/2014/main" id="{57267DC9-A793-65A8-76D5-9EC7EE9C1AA4}"/>
+              </a:ext>
+            </a:extLst>
+          </p:cNvPr>
+          <p:cNvSpPr>
+            <a:spLocks noGrp="1"/>
+          </p:cNvSpPr>
+          <p:nvPr>
+            <p:ph type="dt" sz="half" idx="10"/>
+          </p:nvPr>
+        </p:nvSpPr>
+        <p:spPr/>
+        <p:txBody>
+          <a:bodyPr/>
+          <a:lstStyle/>
+          <a:p>
+            <a:r>
+              <a:rPr lang="en-CA"/>
+              <a:t>March 2024</a:t>
+            </a:r>
+          </a:p>
+        </p:txBody>
+      </p:sp>
+      <p:sp>
+        <p:nvSpPr>
+          <p:cNvPr id="6" name="Footer Placeholder 5">
+            <a:extLst>
+              <a:ext uri="{FF2B5EF4-FFF2-40B4-BE49-F238E27FC236}">
+                <a16:creationId xmlns:a16="http://schemas.microsoft.com/office/drawing/2014/main" id="{859135F9-C774-91D5-DCF6-DB9E5F08A0CE}"/>
+              </a:ext>
+            </a:extLst>
+          </p:cNvPr>
+          <p:cNvSpPr>
+            <a:spLocks noGrp="1"/>
+          </p:cNvSpPr>
+          <p:nvPr>
+            <p:ph type="ftr" sz="quarter" idx="11"/>
+          </p:nvPr>
+        </p:nvSpPr>
+        <p:spPr/>
+        <p:txBody>
+          <a:bodyPr/>
+          <a:lstStyle/>
+          <a:p>
+            <a:r>
+              <a:rPr lang="en-CA"/>
+              <a:t>Production - Monitoring</a:t>
+            </a:r>
+          </a:p>
+        </p:txBody>
+      </p:sp>
+      <p:sp>
+        <p:nvSpPr>
+          <p:cNvPr id="7" name="Slide Number Placeholder 6">
+            <a:extLst>
+              <a:ext uri="{FF2B5EF4-FFF2-40B4-BE49-F238E27FC236}">
+                <a16:creationId xmlns:a16="http://schemas.microsoft.com/office/drawing/2014/main" id="{E6446396-9692-8E02-7DE4-C890142B143E}"/>
+              </a:ext>
+            </a:extLst>
+          </p:cNvPr>
+          <p:cNvSpPr>
+            <a:spLocks noGrp="1"/>
+          </p:cNvSpPr>
+          <p:nvPr>
+            <p:ph type="sldNum" sz="quarter" idx="12"/>
+          </p:nvPr>
+        </p:nvSpPr>
+        <p:spPr/>
+        <p:txBody>
+          <a:bodyPr/>
+          <a:lstStyle/>
+          <a:p>
+            <a:fld id="{4F4BDF5D-830C-4829-B676-EE421164B1C8}" type="slidenum">
+              <a:rPr lang="en-CA" smtClean="0"/>
+              <a:t>16</a:t>
+            </a:fld>
+            <a:endParaRPr lang="en-CA"/>
+          </a:p>
+        </p:txBody>
+      </p:sp>
+    </p:spTree>
+  </p:cSld>
+  <p:clrMapOvr>
+    <a:masterClrMapping/>
+  </p:clrMapOvr>
+</p:sld>
+</file>
+
+<file path=ppt/slides/slide17.xml><?xml version="1.0" encoding="utf-8"?>
+<p:sld xmlns:a="http://schemas.openxmlformats.org/drawingml/2006/main" xmlns:r="http://schemas.openxmlformats.org/officeDocument/2006/relationships" xmlns:p="http://schemas.openxmlformats.org/presentationml/2006/main">
+  <p:cSld>
+    <p:spTree>
+      <p:nvGrpSpPr>
+        <p:cNvPr id="1" name=""/>
+        <p:cNvGrpSpPr/>
+        <p:nvPr/>
+      </p:nvGrpSpPr>
+      <p:grpSpPr>
+        <a:xfrm>
+          <a:off x="0" y="0"/>
+          <a:ext cx="0" cy="0"/>
+          <a:chOff x="0" y="0"/>
+          <a:chExt cx="0" cy="0"/>
+        </a:xfrm>
+      </p:grpSpPr>
+      <p:sp>
+        <p:nvSpPr>
+          <p:cNvPr id="2" name="Title 1"/>
+          <p:cNvSpPr>
+            <a:spLocks noGrp="1"/>
+          </p:cNvSpPr>
+          <p:nvPr>
+            <p:ph type="title"/>
+          </p:nvPr>
+        </p:nvSpPr>
+        <p:spPr/>
+        <p:txBody>
+          <a:bodyPr/>
+          <a:lstStyle/>
+          <a:p>
+            <a:pPr marL="0" lvl="0" indent="0">
+              <a:buNone/>
+            </a:pPr>
+            <a:r>
+              <a:t>Drift Detection Methods</a:t>
+            </a:r>
+          </a:p>
+        </p:txBody>
+      </p:sp>
+      <p:pic>
+        <p:nvPicPr>
+          <p:cNvPr id="3" name="Picture 1" descr="./img/drift_detection_methods.png"/>
+          <p:cNvPicPr>
+            <a:picLocks noGrp="1" noChangeAspect="1"/>
+          </p:cNvPicPr>
+          <p:nvPr/>
+        </p:nvPicPr>
+        <p:blipFill>
+          <a:blip r:embed="rId2"/>
+          <a:stretch>
+            <a:fillRect/>
+          </a:stretch>
+        </p:blipFill>
+        <p:spPr bwMode="auto">
+          <a:xfrm>
+            <a:off x="3155950" y="1494489"/>
+            <a:ext cx="5778500" cy="4275422"/>
+          </a:xfrm>
+          <a:prstGeom prst="rect">
+            <a:avLst/>
+          </a:prstGeom>
+          <a:noFill/>
+          <a:ln w="9525">
+            <a:noFill/>
+            <a:headEnd/>
+            <a:tailEnd/>
+          </a:ln>
+        </p:spPr>
+      </p:pic>
+      <p:sp>
+        <p:nvSpPr>
+          <p:cNvPr id="4" name="TextBox 3"/>
+          <p:cNvSpPr txBox="1"/>
+          <p:nvPr/>
+        </p:nvSpPr>
+        <p:spPr>
+          <a:xfrm>
+            <a:off x="673100" y="6019800"/>
+            <a:ext cx="10744200" cy="508000"/>
+          </a:xfrm>
+          <a:prstGeom prst="rect">
+            <a:avLst/>
+          </a:prstGeom>
+          <a:noFill/>
+        </p:spPr>
+        <p:txBody>
+          <a:bodyPr/>
+          <a:lstStyle/>
+          <a:p>
+            <a:pPr marL="0" lvl="0" indent="0" algn="ctr">
+              <a:buNone/>
+            </a:pPr>
+            <a:r>
+              <a:rPr sz="1100" dirty="0"/>
+              <a:t>(</a:t>
+            </a:r>
+            <a:r>
+              <a:rPr sz="1100" dirty="0" err="1"/>
+              <a:t>Huyen</a:t>
+            </a:r>
+            <a:r>
+              <a:rPr sz="1100" dirty="0"/>
+              <a:t>, 2021)</a:t>
+            </a:r>
+          </a:p>
+        </p:txBody>
+      </p:sp>
+      <p:sp>
+        <p:nvSpPr>
+          <p:cNvPr id="5" name="Date Placeholder 4">
+            <a:extLst>
+              <a:ext uri="{FF2B5EF4-FFF2-40B4-BE49-F238E27FC236}">
+                <a16:creationId xmlns:a16="http://schemas.microsoft.com/office/drawing/2014/main" id="{92776767-7A22-FEAD-780A-AE9410A77791}"/>
+              </a:ext>
+            </a:extLst>
+          </p:cNvPr>
+          <p:cNvSpPr>
+            <a:spLocks noGrp="1"/>
+          </p:cNvSpPr>
+          <p:nvPr>
+            <p:ph type="dt" sz="half" idx="10"/>
+          </p:nvPr>
+        </p:nvSpPr>
+        <p:spPr/>
+        <p:txBody>
+          <a:bodyPr/>
+          <a:lstStyle/>
+          <a:p>
+            <a:r>
+              <a:rPr lang="en-CA"/>
+              <a:t>March 2024</a:t>
+            </a:r>
+          </a:p>
+        </p:txBody>
+      </p:sp>
+      <p:sp>
+        <p:nvSpPr>
+          <p:cNvPr id="6" name="Footer Placeholder 5">
+            <a:extLst>
+              <a:ext uri="{FF2B5EF4-FFF2-40B4-BE49-F238E27FC236}">
+                <a16:creationId xmlns:a16="http://schemas.microsoft.com/office/drawing/2014/main" id="{766728E1-B59E-BF45-0348-7B74DB5FDBBA}"/>
+              </a:ext>
+            </a:extLst>
+          </p:cNvPr>
+          <p:cNvSpPr>
+            <a:spLocks noGrp="1"/>
+          </p:cNvSpPr>
+          <p:nvPr>
+            <p:ph type="ftr" sz="quarter" idx="11"/>
+          </p:nvPr>
+        </p:nvSpPr>
+        <p:spPr/>
+        <p:txBody>
+          <a:bodyPr/>
+          <a:lstStyle/>
+          <a:p>
+            <a:r>
+              <a:rPr lang="en-CA"/>
+              <a:t>Production - Monitoring</a:t>
+            </a:r>
+          </a:p>
+        </p:txBody>
+      </p:sp>
+      <p:sp>
+        <p:nvSpPr>
+          <p:cNvPr id="7" name="Slide Number Placeholder 6">
+            <a:extLst>
+              <a:ext uri="{FF2B5EF4-FFF2-40B4-BE49-F238E27FC236}">
+                <a16:creationId xmlns:a16="http://schemas.microsoft.com/office/drawing/2014/main" id="{FDB0466E-0530-F24C-C236-1B8258EF2B1A}"/>
+              </a:ext>
+            </a:extLst>
+          </p:cNvPr>
+          <p:cNvSpPr>
+            <a:spLocks noGrp="1"/>
+          </p:cNvSpPr>
+          <p:nvPr>
+            <p:ph type="sldNum" sz="quarter" idx="12"/>
+          </p:nvPr>
+        </p:nvSpPr>
+        <p:spPr/>
+        <p:txBody>
+          <a:bodyPr/>
+          <a:lstStyle/>
+          <a:p>
+            <a:fld id="{4F4BDF5D-830C-4829-B676-EE421164B1C8}" type="slidenum">
+              <a:rPr lang="en-CA" smtClean="0"/>
+              <a:t>17</a:t>
+            </a:fld>
+            <a:endParaRPr lang="en-CA"/>
+          </a:p>
+        </p:txBody>
+      </p:sp>
+    </p:spTree>
+  </p:cSld>
+  <p:clrMapOvr>
+    <a:masterClrMapping/>
+  </p:clrMapOvr>
+</p:sld>
+</file>
+
+<file path=ppt/slides/slide18.xml><?xml version="1.0" encoding="utf-8"?>
+<p:sld xmlns:a="http://schemas.openxmlformats.org/drawingml/2006/main" xmlns:r="http://schemas.openxmlformats.org/officeDocument/2006/relationships" xmlns:p="http://schemas.openxmlformats.org/presentationml/2006/main">
+  <p:cSld>
+    <p:spTree>
+      <p:nvGrpSpPr>
+        <p:cNvPr id="1" name=""/>
+        <p:cNvGrpSpPr/>
+        <p:nvPr/>
+      </p:nvGrpSpPr>
+      <p:grpSpPr>
+        <a:xfrm>
+          <a:off x="0" y="0"/>
+          <a:ext cx="0" cy="0"/>
+          <a:chOff x="0" y="0"/>
+          <a:chExt cx="0" cy="0"/>
+        </a:xfrm>
+      </p:grpSpPr>
+      <p:sp>
+        <p:nvSpPr>
+          <p:cNvPr id="2" name="Title 1"/>
+          <p:cNvSpPr>
+            <a:spLocks noGrp="1"/>
+          </p:cNvSpPr>
+          <p:nvPr>
+            <p:ph type="title"/>
+          </p:nvPr>
+        </p:nvSpPr>
         <p:spPr>
           <a:xfrm>
             <a:off x="603504" y="767419"/>
@@ -4691,18 +6789,342 @@
           <a:bodyPr/>
           <a:lstStyle/>
           <a:p>
-            <a:pPr lvl="0" indent="0" marL="0">
+            <a:pPr marL="0" lvl="0" indent="0">
               <a:buNone/>
             </a:pPr>
             <a:r>
-              <a:rPr/>
               <a:t>Monitoring and Observability</a:t>
             </a:r>
+          </a:p>
+        </p:txBody>
+      </p:sp>
+      <p:sp>
+        <p:nvSpPr>
+          <p:cNvPr id="3" name="Date Placeholder 2">
+            <a:extLst>
+              <a:ext uri="{FF2B5EF4-FFF2-40B4-BE49-F238E27FC236}">
+                <a16:creationId xmlns:a16="http://schemas.microsoft.com/office/drawing/2014/main" id="{77F854F3-AAEC-E99A-AEBE-7100E099B235}"/>
+              </a:ext>
+            </a:extLst>
+          </p:cNvPr>
+          <p:cNvSpPr>
+            <a:spLocks noGrp="1"/>
+          </p:cNvSpPr>
+          <p:nvPr>
+            <p:ph type="dt" sz="half" idx="10"/>
+          </p:nvPr>
+        </p:nvSpPr>
+        <p:spPr/>
+        <p:txBody>
+          <a:bodyPr/>
+          <a:lstStyle/>
+          <a:p>
+            <a:r>
+              <a:rPr lang="en-CA"/>
+              <a:t>March 2024</a:t>
+            </a:r>
+          </a:p>
+        </p:txBody>
+      </p:sp>
+      <p:sp>
+        <p:nvSpPr>
+          <p:cNvPr id="4" name="Footer Placeholder 3">
+            <a:extLst>
+              <a:ext uri="{FF2B5EF4-FFF2-40B4-BE49-F238E27FC236}">
+                <a16:creationId xmlns:a16="http://schemas.microsoft.com/office/drawing/2014/main" id="{ADC934F4-AF2F-88FF-4FA3-E143886368D1}"/>
+              </a:ext>
+            </a:extLst>
+          </p:cNvPr>
+          <p:cNvSpPr>
+            <a:spLocks noGrp="1"/>
+          </p:cNvSpPr>
+          <p:nvPr>
+            <p:ph type="ftr" sz="quarter" idx="11"/>
+          </p:nvPr>
+        </p:nvSpPr>
+        <p:spPr/>
+        <p:txBody>
+          <a:bodyPr/>
+          <a:lstStyle/>
+          <a:p>
+            <a:r>
+              <a:rPr lang="en-CA"/>
+              <a:t>Production - Monitoring</a:t>
+            </a:r>
+          </a:p>
+        </p:txBody>
+      </p:sp>
+      <p:sp>
+        <p:nvSpPr>
+          <p:cNvPr id="5" name="Slide Number Placeholder 4">
+            <a:extLst>
+              <a:ext uri="{FF2B5EF4-FFF2-40B4-BE49-F238E27FC236}">
+                <a16:creationId xmlns:a16="http://schemas.microsoft.com/office/drawing/2014/main" id="{5A8C96DB-EEDB-A320-DC4E-6A501F3B2031}"/>
+              </a:ext>
+            </a:extLst>
+          </p:cNvPr>
+          <p:cNvSpPr>
+            <a:spLocks noGrp="1"/>
+          </p:cNvSpPr>
+          <p:nvPr>
+            <p:ph type="sldNum" sz="quarter" idx="12"/>
+          </p:nvPr>
+        </p:nvSpPr>
+        <p:spPr/>
+        <p:txBody>
+          <a:bodyPr/>
+          <a:lstStyle/>
+          <a:p>
+            <a:fld id="{4F4BDF5D-830C-4829-B676-EE421164B1C8}" type="slidenum">
+              <a:rPr lang="en-CA" smtClean="0"/>
+              <a:t>18</a:t>
+            </a:fld>
+            <a:endParaRPr lang="en-CA"/>
           </a:p>
         </p:txBody>
       </p:sp>
     </p:spTree>
   </p:cSld>
+  <p:clrMapOvr>
+    <a:masterClrMapping/>
+  </p:clrMapOvr>
+</p:sld>
+</file>
+
+<file path=ppt/slides/slide19.xml><?xml version="1.0" encoding="utf-8"?>
+<p:sld xmlns:a="http://schemas.openxmlformats.org/drawingml/2006/main" xmlns:r="http://schemas.openxmlformats.org/officeDocument/2006/relationships" xmlns:p="http://schemas.openxmlformats.org/presentationml/2006/main">
+  <p:cSld>
+    <p:spTree>
+      <p:nvGrpSpPr>
+        <p:cNvPr id="1" name=""/>
+        <p:cNvGrpSpPr/>
+        <p:nvPr/>
+      </p:nvGrpSpPr>
+      <p:grpSpPr>
+        <a:xfrm>
+          <a:off x="0" y="0"/>
+          <a:ext cx="0" cy="0"/>
+          <a:chOff x="0" y="0"/>
+          <a:chExt cx="0" cy="0"/>
+        </a:xfrm>
+      </p:grpSpPr>
+      <p:sp>
+        <p:nvSpPr>
+          <p:cNvPr id="2" name="Title 1"/>
+          <p:cNvSpPr>
+            <a:spLocks noGrp="1"/>
+          </p:cNvSpPr>
+          <p:nvPr>
+            <p:ph type="title"/>
+          </p:nvPr>
+        </p:nvSpPr>
+        <p:spPr/>
+        <p:txBody>
+          <a:bodyPr/>
+          <a:lstStyle/>
+          <a:p>
+            <a:pPr marL="0" lvl="0" indent="0">
+              <a:buNone/>
+            </a:pPr>
+            <a:r>
+              <a:t>Monitoring and Observability</a:t>
+            </a:r>
+          </a:p>
+        </p:txBody>
+      </p:sp>
+      <p:sp>
+        <p:nvSpPr>
+          <p:cNvPr id="3" name="Content Placeholder 2"/>
+          <p:cNvSpPr>
+            <a:spLocks noGrp="1"/>
+          </p:cNvSpPr>
+          <p:nvPr>
+            <p:ph sz="half" idx="1"/>
+          </p:nvPr>
+        </p:nvSpPr>
+        <p:spPr/>
+        <p:txBody>
+          <a:bodyPr>
+            <a:normAutofit fontScale="70000" lnSpcReduction="20000"/>
+          </a:bodyPr>
+          <a:lstStyle/>
+          <a:p>
+            <a:pPr marL="0" lvl="0" indent="0">
+              <a:buNone/>
+            </a:pPr>
+            <a:r>
+              <a:rPr b="1"/>
+              <a:t>Monitoring</a:t>
+            </a:r>
+          </a:p>
+          <a:p>
+            <a:pPr lvl="0"/>
+            <a:r>
+              <a:t>Tracking, measuring, and logging different </a:t>
+            </a:r>
+            <a:r>
+              <a:rPr i="1"/>
+              <a:t>metrics</a:t>
+            </a:r>
+            <a:r>
+              <a:t> that can help determine when something goes wrong.</a:t>
+            </a:r>
+          </a:p>
+          <a:p>
+            <a:pPr lvl="0"/>
+            <a:r>
+              <a:t>Classes of metrics to monitor:</a:t>
+            </a:r>
+          </a:p>
+          <a:p>
+            <a:pPr lvl="1"/>
+            <a:r>
+              <a:t>Operational: convey the health of the system. Operational metrics are related to network, machine, and application. Ex.: latency, throughput, prediction requests per unit of time, percentage of successful predictions, CPU/GPU utilization, memory use, etc.</a:t>
+            </a:r>
+          </a:p>
+          <a:p>
+            <a:pPr lvl="1"/>
+            <a:r>
+              <a:t>ML Specific Matrics: model performance, predictions, features, and raw inputs.</a:t>
+            </a:r>
+          </a:p>
+        </p:txBody>
+      </p:sp>
+      <p:sp>
+        <p:nvSpPr>
+          <p:cNvPr id="4" name="Content Placeholder 3"/>
+          <p:cNvSpPr>
+            <a:spLocks noGrp="1"/>
+          </p:cNvSpPr>
+          <p:nvPr>
+            <p:ph sz="half" idx="2"/>
+          </p:nvPr>
+        </p:nvSpPr>
+        <p:spPr/>
+        <p:txBody>
+          <a:bodyPr>
+            <a:normAutofit fontScale="70000" lnSpcReduction="20000"/>
+          </a:bodyPr>
+          <a:lstStyle/>
+          <a:p>
+            <a:pPr marL="0" lvl="0" indent="0">
+              <a:buNone/>
+            </a:pPr>
+            <a:r>
+              <a:rPr b="1"/>
+              <a:t>Observability</a:t>
+            </a:r>
+          </a:p>
+          <a:p>
+            <a:pPr lvl="0"/>
+            <a:r>
+              <a:t>Setting up a system in a way that affords us visibility into its inner workings to help us investigate it to solve bugs and produce enhancements.</a:t>
+            </a:r>
+          </a:p>
+          <a:p>
+            <a:pPr lvl="0"/>
+            <a:r>
+              <a:t>Logs and reporting.</a:t>
+            </a:r>
+          </a:p>
+          <a:p>
+            <a:pPr lvl="0"/>
+            <a:r>
+              <a:t>Instrumentation and telemetry.</a:t>
+            </a:r>
+          </a:p>
+        </p:txBody>
+      </p:sp>
+      <p:sp>
+        <p:nvSpPr>
+          <p:cNvPr id="5" name="Date Placeholder 4">
+            <a:extLst>
+              <a:ext uri="{FF2B5EF4-FFF2-40B4-BE49-F238E27FC236}">
+                <a16:creationId xmlns:a16="http://schemas.microsoft.com/office/drawing/2014/main" id="{410E74E7-7473-F948-0650-1E930D407A7B}"/>
+              </a:ext>
+            </a:extLst>
+          </p:cNvPr>
+          <p:cNvSpPr>
+            <a:spLocks noGrp="1"/>
+          </p:cNvSpPr>
+          <p:nvPr>
+            <p:ph type="dt" sz="half" idx="10"/>
+          </p:nvPr>
+        </p:nvSpPr>
+        <p:spPr/>
+        <p:txBody>
+          <a:bodyPr/>
+          <a:lstStyle/>
+          <a:p>
+            <a:r>
+              <a:rPr lang="en-CA"/>
+              <a:t>March 2024</a:t>
+            </a:r>
+          </a:p>
+        </p:txBody>
+      </p:sp>
+      <p:sp>
+        <p:nvSpPr>
+          <p:cNvPr id="6" name="Footer Placeholder 5">
+            <a:extLst>
+              <a:ext uri="{FF2B5EF4-FFF2-40B4-BE49-F238E27FC236}">
+                <a16:creationId xmlns:a16="http://schemas.microsoft.com/office/drawing/2014/main" id="{979A287A-57FE-29A3-362E-EFFC31F57391}"/>
+              </a:ext>
+            </a:extLst>
+          </p:cNvPr>
+          <p:cNvSpPr>
+            <a:spLocks noGrp="1"/>
+          </p:cNvSpPr>
+          <p:nvPr>
+            <p:ph type="ftr" sz="quarter" idx="11"/>
+          </p:nvPr>
+        </p:nvSpPr>
+        <p:spPr/>
+        <p:txBody>
+          <a:bodyPr/>
+          <a:lstStyle/>
+          <a:p>
+            <a:r>
+              <a:rPr lang="en-CA"/>
+              <a:t>Production - Monitoring</a:t>
+            </a:r>
+          </a:p>
+        </p:txBody>
+      </p:sp>
+      <p:sp>
+        <p:nvSpPr>
+          <p:cNvPr id="7" name="Slide Number Placeholder 6">
+            <a:extLst>
+              <a:ext uri="{FF2B5EF4-FFF2-40B4-BE49-F238E27FC236}">
+                <a16:creationId xmlns:a16="http://schemas.microsoft.com/office/drawing/2014/main" id="{92BE723C-E5EB-B453-7A19-6D59893CFBA5}"/>
+              </a:ext>
+            </a:extLst>
+          </p:cNvPr>
+          <p:cNvSpPr>
+            <a:spLocks noGrp="1"/>
+          </p:cNvSpPr>
+          <p:nvPr>
+            <p:ph type="sldNum" sz="quarter" idx="12"/>
+          </p:nvPr>
+        </p:nvSpPr>
+        <p:spPr/>
+        <p:txBody>
+          <a:bodyPr/>
+          <a:lstStyle/>
+          <a:p>
+            <a:fld id="{4F4BDF5D-830C-4829-B676-EE421164B1C8}" type="slidenum">
+              <a:rPr lang="en-CA" smtClean="0"/>
+              <a:t>19</a:t>
+            </a:fld>
+            <a:endParaRPr lang="en-CA"/>
+          </a:p>
+        </p:txBody>
+      </p:sp>
+    </p:spTree>
+  </p:cSld>
+  <p:clrMapOvr>
+    <a:masterClrMapping/>
+  </p:clrMapOvr>
 </p:sld>
 </file>
 
@@ -4738,11 +7160,10 @@
           <a:bodyPr/>
           <a:lstStyle/>
           <a:p>
-            <a:pPr lvl="0" indent="0" marL="0">
+            <a:pPr marL="0" lvl="0" indent="0">
               <a:buNone/>
             </a:pPr>
             <a:r>
-              <a:rPr/>
               <a:t>Agenda</a:t>
             </a:r>
           </a:p>
@@ -4755,15 +7176,15 @@
             <a:spLocks noGrp="1"/>
           </p:cNvSpPr>
           <p:nvPr>
-            <p:ph idx="1" sz="half"/>
-          </p:nvPr>
-        </p:nvSpPr>
-        <p:spPr/>
-        <p:txBody>
-          <a:bodyPr/>
-          <a:lstStyle/>
-          <a:p>
-            <a:pPr lvl="0" indent="0" marL="0">
+            <p:ph sz="half" idx="1"/>
+          </p:nvPr>
+        </p:nvSpPr>
+        <p:spPr/>
+        <p:txBody>
+          <a:bodyPr/>
+          <a:lstStyle/>
+          <a:p>
+            <a:pPr marL="0" lvl="0" indent="0">
               <a:buNone/>
             </a:pPr>
             <a:r>
@@ -4774,21 +7195,18 @@
           <a:p>
             <a:pPr lvl="0"/>
             <a:r>
-              <a:rPr/>
               <a:t>ML System Failures</a:t>
             </a:r>
           </a:p>
           <a:p>
             <a:pPr lvl="0"/>
             <a:r>
-              <a:rPr/>
               <a:t>Data Distribution Shifts</a:t>
             </a:r>
           </a:p>
           <a:p>
             <a:pPr lvl="0"/>
             <a:r>
-              <a:rPr/>
               <a:t>Monitoring and Observability</a:t>
             </a:r>
           </a:p>
@@ -4801,15 +7219,15 @@
             <a:spLocks noGrp="1"/>
           </p:cNvSpPr>
           <p:nvPr>
-            <p:ph idx="2" sz="half"/>
-          </p:nvPr>
-        </p:nvSpPr>
-        <p:spPr/>
-        <p:txBody>
-          <a:bodyPr/>
-          <a:lstStyle/>
-          <a:p>
-            <a:pPr lvl="0" indent="0" marL="0">
+            <p:ph sz="half" idx="2"/>
+          </p:nvPr>
+        </p:nvSpPr>
+        <p:spPr/>
+        <p:txBody>
+          <a:bodyPr/>
+          <a:lstStyle/>
+          <a:p>
+            <a:pPr marL="0" lvl="0" indent="0">
               <a:buNone/>
             </a:pPr>
             <a:r>
@@ -4820,14 +7238,680 @@
           <a:p>
             <a:pPr lvl="0"/>
             <a:r>
-              <a:rPr/>
               <a:t>Testing data distribution shifts.</a:t>
             </a:r>
+          </a:p>
+        </p:txBody>
+      </p:sp>
+      <p:sp>
+        <p:nvSpPr>
+          <p:cNvPr id="5" name="Date Placeholder 4">
+            <a:extLst>
+              <a:ext uri="{FF2B5EF4-FFF2-40B4-BE49-F238E27FC236}">
+                <a16:creationId xmlns:a16="http://schemas.microsoft.com/office/drawing/2014/main" id="{959B60D4-CBF4-9135-A902-1B3D3B554303}"/>
+              </a:ext>
+            </a:extLst>
+          </p:cNvPr>
+          <p:cNvSpPr>
+            <a:spLocks noGrp="1"/>
+          </p:cNvSpPr>
+          <p:nvPr>
+            <p:ph type="dt" sz="half" idx="10"/>
+          </p:nvPr>
+        </p:nvSpPr>
+        <p:spPr/>
+        <p:txBody>
+          <a:bodyPr/>
+          <a:lstStyle/>
+          <a:p>
+            <a:r>
+              <a:rPr lang="en-CA"/>
+              <a:t>March 2024</a:t>
+            </a:r>
+          </a:p>
+        </p:txBody>
+      </p:sp>
+      <p:sp>
+        <p:nvSpPr>
+          <p:cNvPr id="6" name="Footer Placeholder 5">
+            <a:extLst>
+              <a:ext uri="{FF2B5EF4-FFF2-40B4-BE49-F238E27FC236}">
+                <a16:creationId xmlns:a16="http://schemas.microsoft.com/office/drawing/2014/main" id="{1095C039-1AFF-2162-D27B-DA15AA1E9F16}"/>
+              </a:ext>
+            </a:extLst>
+          </p:cNvPr>
+          <p:cNvSpPr>
+            <a:spLocks noGrp="1"/>
+          </p:cNvSpPr>
+          <p:nvPr>
+            <p:ph type="ftr" sz="quarter" idx="11"/>
+          </p:nvPr>
+        </p:nvSpPr>
+        <p:spPr/>
+        <p:txBody>
+          <a:bodyPr/>
+          <a:lstStyle/>
+          <a:p>
+            <a:r>
+              <a:rPr lang="en-CA"/>
+              <a:t>Production - Monitoring</a:t>
+            </a:r>
+          </a:p>
+        </p:txBody>
+      </p:sp>
+      <p:sp>
+        <p:nvSpPr>
+          <p:cNvPr id="7" name="Slide Number Placeholder 6">
+            <a:extLst>
+              <a:ext uri="{FF2B5EF4-FFF2-40B4-BE49-F238E27FC236}">
+                <a16:creationId xmlns:a16="http://schemas.microsoft.com/office/drawing/2014/main" id="{0017FC13-8353-A35A-A547-21A899623C4F}"/>
+              </a:ext>
+            </a:extLst>
+          </p:cNvPr>
+          <p:cNvSpPr>
+            <a:spLocks noGrp="1"/>
+          </p:cNvSpPr>
+          <p:nvPr>
+            <p:ph type="sldNum" sz="quarter" idx="12"/>
+          </p:nvPr>
+        </p:nvSpPr>
+        <p:spPr/>
+        <p:txBody>
+          <a:bodyPr/>
+          <a:lstStyle/>
+          <a:p>
+            <a:fld id="{4F4BDF5D-830C-4829-B676-EE421164B1C8}" type="slidenum">
+              <a:rPr lang="en-CA" smtClean="0"/>
+              <a:t>2</a:t>
+            </a:fld>
+            <a:endParaRPr lang="en-CA"/>
           </a:p>
         </p:txBody>
       </p:sp>
     </p:spTree>
   </p:cSld>
+  <p:clrMapOvr>
+    <a:masterClrMapping/>
+  </p:clrMapOvr>
+</p:sld>
+</file>
+
+<file path=ppt/slides/slide20.xml><?xml version="1.0" encoding="utf-8"?>
+<p:sld xmlns:a="http://schemas.openxmlformats.org/drawingml/2006/main" xmlns:r="http://schemas.openxmlformats.org/officeDocument/2006/relationships" xmlns:p="http://schemas.openxmlformats.org/presentationml/2006/main">
+  <p:cSld>
+    <p:spTree>
+      <p:nvGrpSpPr>
+        <p:cNvPr id="1" name=""/>
+        <p:cNvGrpSpPr/>
+        <p:nvPr/>
+      </p:nvGrpSpPr>
+      <p:grpSpPr>
+        <a:xfrm>
+          <a:off x="0" y="0"/>
+          <a:ext cx="0" cy="0"/>
+          <a:chOff x="0" y="0"/>
+          <a:chExt cx="0" cy="0"/>
+        </a:xfrm>
+      </p:grpSpPr>
+      <p:sp>
+        <p:nvSpPr>
+          <p:cNvPr id="2" name="Title 1"/>
+          <p:cNvSpPr>
+            <a:spLocks noGrp="1"/>
+          </p:cNvSpPr>
+          <p:nvPr>
+            <p:ph type="title"/>
+          </p:nvPr>
+        </p:nvSpPr>
+        <p:spPr/>
+        <p:txBody>
+          <a:bodyPr/>
+          <a:lstStyle/>
+          <a:p>
+            <a:pPr marL="0" lvl="0" indent="0">
+              <a:buNone/>
+            </a:pPr>
+            <a:r>
+              <a:t>Monitoring ML Systems</a:t>
+            </a:r>
+          </a:p>
+        </p:txBody>
+      </p:sp>
+      <p:sp>
+        <p:nvSpPr>
+          <p:cNvPr id="3" name="Content Placeholder 2"/>
+          <p:cNvSpPr>
+            <a:spLocks noGrp="1"/>
+          </p:cNvSpPr>
+          <p:nvPr>
+            <p:ph sz="half" idx="1"/>
+          </p:nvPr>
+        </p:nvSpPr>
+        <p:spPr/>
+        <p:txBody>
+          <a:bodyPr>
+            <a:normAutofit fontScale="70000" lnSpcReduction="20000"/>
+          </a:bodyPr>
+          <a:lstStyle/>
+          <a:p>
+            <a:pPr lvl="0"/>
+            <a:r>
+              <a:t>Monitoring model performance:</a:t>
+            </a:r>
+          </a:p>
+          <a:p>
+            <a:pPr lvl="1"/>
+            <a:r>
+              <a:t>Prediction correctness is only part of the story.</a:t>
+            </a:r>
+          </a:p>
+          <a:p>
+            <a:pPr lvl="1"/>
+            <a:r>
+              <a:t>Collect performance in terms of usability and trust (preferences).</a:t>
+            </a:r>
+          </a:p>
+          <a:p>
+            <a:pPr lvl="1"/>
+            <a:r>
+              <a:t>Collect inferred metrics (clicks, accepted recommendations, etc.)</a:t>
+            </a:r>
+          </a:p>
+          <a:p>
+            <a:pPr lvl="0"/>
+            <a:r>
+              <a:t>Monitoring predictions</a:t>
+            </a:r>
+          </a:p>
+          <a:p>
+            <a:pPr lvl="1"/>
+            <a:r>
+              <a:t>Monitor distribution shifts.</a:t>
+            </a:r>
+          </a:p>
+          <a:p>
+            <a:pPr lvl="1"/>
+            <a:r>
+              <a:t>Slice analysis, backtesting, etc.</a:t>
+            </a:r>
+          </a:p>
+        </p:txBody>
+      </p:sp>
+      <p:sp>
+        <p:nvSpPr>
+          <p:cNvPr id="4" name="Content Placeholder 3"/>
+          <p:cNvSpPr>
+            <a:spLocks noGrp="1"/>
+          </p:cNvSpPr>
+          <p:nvPr>
+            <p:ph sz="half" idx="2"/>
+          </p:nvPr>
+        </p:nvSpPr>
+        <p:spPr/>
+        <p:txBody>
+          <a:bodyPr>
+            <a:normAutofit fontScale="70000" lnSpcReduction="20000"/>
+          </a:bodyPr>
+          <a:lstStyle/>
+          <a:p>
+            <a:pPr lvl="0"/>
+            <a:r>
+              <a:t>Monitoring features</a:t>
+            </a:r>
+          </a:p>
+          <a:p>
+            <a:pPr lvl="1"/>
+            <a:r>
+              <a:t>Monitor input features and transformed features.</a:t>
+            </a:r>
+          </a:p>
+          <a:p>
+            <a:pPr lvl="1"/>
+            <a:r>
+              <a:t>Easier to validate than raw data because a defined schema exists for features.</a:t>
+            </a:r>
+          </a:p>
+          <a:p>
+            <a:pPr lvl="1"/>
+            <a:r>
+              <a:t>Common validation tests:</a:t>
+            </a:r>
+          </a:p>
+          <a:p>
+            <a:pPr lvl="2"/>
+            <a:r>
+              <a:t>Min, max, median, and other quantile values.</a:t>
+            </a:r>
+          </a:p>
+          <a:p>
+            <a:pPr lvl="2"/>
+            <a:r>
+              <a:t>Values satisfy a certain regular expression.</a:t>
+            </a:r>
+          </a:p>
+          <a:p>
+            <a:pPr lvl="2"/>
+            <a:r>
+              <a:t>Values belong to a predefined set.</a:t>
+            </a:r>
+          </a:p>
+          <a:p>
+            <a:pPr lvl="2"/>
+            <a:r>
+              <a:t>Values of a feature are always positive, less than one, greater than another feature’s value, etc.</a:t>
+            </a:r>
+          </a:p>
+          <a:p>
+            <a:pPr lvl="0"/>
+            <a:r>
+              <a:t>Monitoring raw data</a:t>
+            </a:r>
+          </a:p>
+          <a:p>
+            <a:pPr lvl="1"/>
+            <a:r>
+              <a:t>Generally, a responsibility of the data engineering team or data governance.</a:t>
+            </a:r>
+          </a:p>
+          <a:p>
+            <a:pPr lvl="1"/>
+            <a:r>
+              <a:t>Automated pipelines and data quality verification.</a:t>
+            </a:r>
+          </a:p>
+        </p:txBody>
+      </p:sp>
+      <p:sp>
+        <p:nvSpPr>
+          <p:cNvPr id="5" name="Date Placeholder 4">
+            <a:extLst>
+              <a:ext uri="{FF2B5EF4-FFF2-40B4-BE49-F238E27FC236}">
+                <a16:creationId xmlns:a16="http://schemas.microsoft.com/office/drawing/2014/main" id="{4B8D5D4F-D9BB-B270-045E-61F7A55C71DF}"/>
+              </a:ext>
+            </a:extLst>
+          </p:cNvPr>
+          <p:cNvSpPr>
+            <a:spLocks noGrp="1"/>
+          </p:cNvSpPr>
+          <p:nvPr>
+            <p:ph type="dt" sz="half" idx="10"/>
+          </p:nvPr>
+        </p:nvSpPr>
+        <p:spPr/>
+        <p:txBody>
+          <a:bodyPr/>
+          <a:lstStyle/>
+          <a:p>
+            <a:r>
+              <a:rPr lang="en-CA"/>
+              <a:t>March 2024</a:t>
+            </a:r>
+          </a:p>
+        </p:txBody>
+      </p:sp>
+      <p:sp>
+        <p:nvSpPr>
+          <p:cNvPr id="6" name="Footer Placeholder 5">
+            <a:extLst>
+              <a:ext uri="{FF2B5EF4-FFF2-40B4-BE49-F238E27FC236}">
+                <a16:creationId xmlns:a16="http://schemas.microsoft.com/office/drawing/2014/main" id="{90CE4B95-75A9-23CA-05BA-B2CC8E371240}"/>
+              </a:ext>
+            </a:extLst>
+          </p:cNvPr>
+          <p:cNvSpPr>
+            <a:spLocks noGrp="1"/>
+          </p:cNvSpPr>
+          <p:nvPr>
+            <p:ph type="ftr" sz="quarter" idx="11"/>
+          </p:nvPr>
+        </p:nvSpPr>
+        <p:spPr/>
+        <p:txBody>
+          <a:bodyPr/>
+          <a:lstStyle/>
+          <a:p>
+            <a:r>
+              <a:rPr lang="en-CA"/>
+              <a:t>Production - Monitoring</a:t>
+            </a:r>
+          </a:p>
+        </p:txBody>
+      </p:sp>
+      <p:sp>
+        <p:nvSpPr>
+          <p:cNvPr id="7" name="Slide Number Placeholder 6">
+            <a:extLst>
+              <a:ext uri="{FF2B5EF4-FFF2-40B4-BE49-F238E27FC236}">
+                <a16:creationId xmlns:a16="http://schemas.microsoft.com/office/drawing/2014/main" id="{D4FC03EB-77A3-4EF9-09EB-C03CA4D0CBEA}"/>
+              </a:ext>
+            </a:extLst>
+          </p:cNvPr>
+          <p:cNvSpPr>
+            <a:spLocks noGrp="1"/>
+          </p:cNvSpPr>
+          <p:nvPr>
+            <p:ph type="sldNum" sz="quarter" idx="12"/>
+          </p:nvPr>
+        </p:nvSpPr>
+        <p:spPr/>
+        <p:txBody>
+          <a:bodyPr/>
+          <a:lstStyle/>
+          <a:p>
+            <a:fld id="{4F4BDF5D-830C-4829-B676-EE421164B1C8}" type="slidenum">
+              <a:rPr lang="en-CA" smtClean="0"/>
+              <a:t>20</a:t>
+            </a:fld>
+            <a:endParaRPr lang="en-CA"/>
+          </a:p>
+        </p:txBody>
+      </p:sp>
+    </p:spTree>
+  </p:cSld>
+  <p:clrMapOvr>
+    <a:masterClrMapping/>
+  </p:clrMapOvr>
+</p:sld>
+</file>
+
+<file path=ppt/slides/slide21.xml><?xml version="1.0" encoding="utf-8"?>
+<p:sld xmlns:a="http://schemas.openxmlformats.org/drawingml/2006/main" xmlns:r="http://schemas.openxmlformats.org/officeDocument/2006/relationships" xmlns:p="http://schemas.openxmlformats.org/presentationml/2006/main">
+  <p:cSld>
+    <p:spTree>
+      <p:nvGrpSpPr>
+        <p:cNvPr id="1" name=""/>
+        <p:cNvGrpSpPr/>
+        <p:nvPr/>
+      </p:nvGrpSpPr>
+      <p:grpSpPr>
+        <a:xfrm>
+          <a:off x="0" y="0"/>
+          <a:ext cx="0" cy="0"/>
+          <a:chOff x="0" y="0"/>
+          <a:chExt cx="0" cy="0"/>
+        </a:xfrm>
+      </p:grpSpPr>
+      <p:sp>
+        <p:nvSpPr>
+          <p:cNvPr id="2" name="Title 1"/>
+          <p:cNvSpPr>
+            <a:spLocks noGrp="1"/>
+          </p:cNvSpPr>
+          <p:nvPr>
+            <p:ph type="title"/>
+          </p:nvPr>
+        </p:nvSpPr>
+        <p:spPr>
+          <a:xfrm>
+            <a:off x="603504" y="767419"/>
+            <a:ext cx="10780776" cy="3355848"/>
+          </a:xfrm>
+        </p:spPr>
+        <p:txBody>
+          <a:bodyPr/>
+          <a:lstStyle/>
+          <a:p>
+            <a:pPr marL="0" lvl="0" indent="0">
+              <a:buNone/>
+            </a:pPr>
+            <a:r>
+              <a:t>References</a:t>
+            </a:r>
+          </a:p>
+        </p:txBody>
+      </p:sp>
+      <p:sp>
+        <p:nvSpPr>
+          <p:cNvPr id="3" name="Date Placeholder 2">
+            <a:extLst>
+              <a:ext uri="{FF2B5EF4-FFF2-40B4-BE49-F238E27FC236}">
+                <a16:creationId xmlns:a16="http://schemas.microsoft.com/office/drawing/2014/main" id="{E503BC22-9470-A14E-75EE-1D15C4506A1E}"/>
+              </a:ext>
+            </a:extLst>
+          </p:cNvPr>
+          <p:cNvSpPr>
+            <a:spLocks noGrp="1"/>
+          </p:cNvSpPr>
+          <p:nvPr>
+            <p:ph type="dt" sz="half" idx="10"/>
+          </p:nvPr>
+        </p:nvSpPr>
+        <p:spPr/>
+        <p:txBody>
+          <a:bodyPr/>
+          <a:lstStyle/>
+          <a:p>
+            <a:r>
+              <a:rPr lang="en-CA"/>
+              <a:t>March 2024</a:t>
+            </a:r>
+          </a:p>
+        </p:txBody>
+      </p:sp>
+      <p:sp>
+        <p:nvSpPr>
+          <p:cNvPr id="4" name="Footer Placeholder 3">
+            <a:extLst>
+              <a:ext uri="{FF2B5EF4-FFF2-40B4-BE49-F238E27FC236}">
+                <a16:creationId xmlns:a16="http://schemas.microsoft.com/office/drawing/2014/main" id="{64855003-1DF1-AE69-DAB3-A48EB822D90F}"/>
+              </a:ext>
+            </a:extLst>
+          </p:cNvPr>
+          <p:cNvSpPr>
+            <a:spLocks noGrp="1"/>
+          </p:cNvSpPr>
+          <p:nvPr>
+            <p:ph type="ftr" sz="quarter" idx="11"/>
+          </p:nvPr>
+        </p:nvSpPr>
+        <p:spPr/>
+        <p:txBody>
+          <a:bodyPr/>
+          <a:lstStyle/>
+          <a:p>
+            <a:r>
+              <a:rPr lang="en-CA"/>
+              <a:t>Production - Monitoring</a:t>
+            </a:r>
+          </a:p>
+        </p:txBody>
+      </p:sp>
+      <p:sp>
+        <p:nvSpPr>
+          <p:cNvPr id="5" name="Slide Number Placeholder 4">
+            <a:extLst>
+              <a:ext uri="{FF2B5EF4-FFF2-40B4-BE49-F238E27FC236}">
+                <a16:creationId xmlns:a16="http://schemas.microsoft.com/office/drawing/2014/main" id="{A05A285D-55AA-690D-A62F-153ABCA38223}"/>
+              </a:ext>
+            </a:extLst>
+          </p:cNvPr>
+          <p:cNvSpPr>
+            <a:spLocks noGrp="1"/>
+          </p:cNvSpPr>
+          <p:nvPr>
+            <p:ph type="sldNum" sz="quarter" idx="12"/>
+          </p:nvPr>
+        </p:nvSpPr>
+        <p:spPr/>
+        <p:txBody>
+          <a:bodyPr/>
+          <a:lstStyle/>
+          <a:p>
+            <a:fld id="{4F4BDF5D-830C-4829-B676-EE421164B1C8}" type="slidenum">
+              <a:rPr lang="en-CA" smtClean="0"/>
+              <a:t>21</a:t>
+            </a:fld>
+            <a:endParaRPr lang="en-CA"/>
+          </a:p>
+        </p:txBody>
+      </p:sp>
+    </p:spTree>
+  </p:cSld>
+  <p:clrMapOvr>
+    <a:masterClrMapping/>
+  </p:clrMapOvr>
+</p:sld>
+</file>
+
+<file path=ppt/slides/slide22.xml><?xml version="1.0" encoding="utf-8"?>
+<p:sld xmlns:a="http://schemas.openxmlformats.org/drawingml/2006/main" xmlns:r="http://schemas.openxmlformats.org/officeDocument/2006/relationships" xmlns:p="http://schemas.openxmlformats.org/presentationml/2006/main">
+  <p:cSld>
+    <p:spTree>
+      <p:nvGrpSpPr>
+        <p:cNvPr id="1" name=""/>
+        <p:cNvGrpSpPr/>
+        <p:nvPr/>
+      </p:nvGrpSpPr>
+      <p:grpSpPr>
+        <a:xfrm>
+          <a:off x="0" y="0"/>
+          <a:ext cx="0" cy="0"/>
+          <a:chOff x="0" y="0"/>
+          <a:chExt cx="0" cy="0"/>
+        </a:xfrm>
+      </p:grpSpPr>
+      <p:sp>
+        <p:nvSpPr>
+          <p:cNvPr id="2" name="Title 1"/>
+          <p:cNvSpPr>
+            <a:spLocks noGrp="1"/>
+          </p:cNvSpPr>
+          <p:nvPr>
+            <p:ph type="title"/>
+          </p:nvPr>
+        </p:nvSpPr>
+        <p:spPr/>
+        <p:txBody>
+          <a:bodyPr/>
+          <a:lstStyle/>
+          <a:p>
+            <a:pPr marL="0" lvl="0" indent="0">
+              <a:buNone/>
+            </a:pPr>
+            <a:r>
+              <a:t>References</a:t>
+            </a:r>
+          </a:p>
+        </p:txBody>
+      </p:sp>
+      <p:sp>
+        <p:nvSpPr>
+          <p:cNvPr id="3" name="Content Placeholder 2"/>
+          <p:cNvSpPr>
+            <a:spLocks noGrp="1"/>
+          </p:cNvSpPr>
+          <p:nvPr>
+            <p:ph idx="1"/>
+          </p:nvPr>
+        </p:nvSpPr>
+        <p:spPr/>
+        <p:txBody>
+          <a:bodyPr/>
+          <a:lstStyle/>
+          <a:p>
+            <a:pPr lvl="0"/>
+            <a:r>
+              <a:t>Agrawal, A. et al. “Cloudy with a high chance of DBMS: A 10-year prediction for Enterprise-Grade ML.” arXiv preprint arXiv:1909.00084 (2019).</a:t>
+            </a:r>
+          </a:p>
+          <a:p>
+            <a:pPr lvl="0"/>
+            <a:r>
+              <a:t>Huyen, Chip. “Designing machine learning systems.” O’Reilly Media, Inc.(2021).</a:t>
+            </a:r>
+          </a:p>
+        </p:txBody>
+      </p:sp>
+      <p:sp>
+        <p:nvSpPr>
+          <p:cNvPr id="4" name="Date Placeholder 3">
+            <a:extLst>
+              <a:ext uri="{FF2B5EF4-FFF2-40B4-BE49-F238E27FC236}">
+                <a16:creationId xmlns:a16="http://schemas.microsoft.com/office/drawing/2014/main" id="{F1A2BFAB-7B29-B1E8-BAA7-C328C175D9C5}"/>
+              </a:ext>
+            </a:extLst>
+          </p:cNvPr>
+          <p:cNvSpPr>
+            <a:spLocks noGrp="1"/>
+          </p:cNvSpPr>
+          <p:nvPr>
+            <p:ph type="dt" sz="half" idx="10"/>
+          </p:nvPr>
+        </p:nvSpPr>
+        <p:spPr/>
+        <p:txBody>
+          <a:bodyPr/>
+          <a:lstStyle/>
+          <a:p>
+            <a:r>
+              <a:rPr lang="en-CA"/>
+              <a:t>March 2024</a:t>
+            </a:r>
+          </a:p>
+        </p:txBody>
+      </p:sp>
+      <p:sp>
+        <p:nvSpPr>
+          <p:cNvPr id="5" name="Footer Placeholder 4">
+            <a:extLst>
+              <a:ext uri="{FF2B5EF4-FFF2-40B4-BE49-F238E27FC236}">
+                <a16:creationId xmlns:a16="http://schemas.microsoft.com/office/drawing/2014/main" id="{34301D41-3B40-86AF-764B-669BD5B5F6E9}"/>
+              </a:ext>
+            </a:extLst>
+          </p:cNvPr>
+          <p:cNvSpPr>
+            <a:spLocks noGrp="1"/>
+          </p:cNvSpPr>
+          <p:nvPr>
+            <p:ph type="ftr" sz="quarter" idx="11"/>
+          </p:nvPr>
+        </p:nvSpPr>
+        <p:spPr/>
+        <p:txBody>
+          <a:bodyPr/>
+          <a:lstStyle/>
+          <a:p>
+            <a:r>
+              <a:rPr lang="en-CA"/>
+              <a:t>Production - Monitoring</a:t>
+            </a:r>
+          </a:p>
+        </p:txBody>
+      </p:sp>
+      <p:sp>
+        <p:nvSpPr>
+          <p:cNvPr id="6" name="Slide Number Placeholder 5">
+            <a:extLst>
+              <a:ext uri="{FF2B5EF4-FFF2-40B4-BE49-F238E27FC236}">
+                <a16:creationId xmlns:a16="http://schemas.microsoft.com/office/drawing/2014/main" id="{DFEB6E70-4936-956E-1575-4D05E9D94D47}"/>
+              </a:ext>
+            </a:extLst>
+          </p:cNvPr>
+          <p:cNvSpPr>
+            <a:spLocks noGrp="1"/>
+          </p:cNvSpPr>
+          <p:nvPr>
+            <p:ph type="sldNum" sz="quarter" idx="12"/>
+          </p:nvPr>
+        </p:nvSpPr>
+        <p:spPr/>
+        <p:txBody>
+          <a:bodyPr/>
+          <a:lstStyle/>
+          <a:p>
+            <a:fld id="{4F4BDF5D-830C-4829-B676-EE421164B1C8}" type="slidenum">
+              <a:rPr lang="en-CA" smtClean="0"/>
+              <a:t>22</a:t>
+            </a:fld>
+            <a:endParaRPr lang="en-CA"/>
+          </a:p>
+        </p:txBody>
+      </p:sp>
+    </p:spTree>
+  </p:cSld>
+  <p:clrMapOvr>
+    <a:masterClrMapping/>
+  </p:clrMapOvr>
 </p:sld>
 </file>
 
@@ -4863,12 +7947,11 @@
           <a:bodyPr/>
           <a:lstStyle/>
           <a:p>
-            <a:pPr lvl="0" indent="0" marL="0">
+            <a:pPr marL="0" lvl="0" indent="0">
               <a:buNone/>
             </a:pPr>
             <a:r>
-              <a:rPr/>
-              <a:t>About These Notes</a:t>
+              <a:t>Slides, Notebooks, and Code</a:t>
             </a:r>
           </a:p>
         </p:txBody>
@@ -4880,76 +7963,182 @@
             <a:spLocks noGrp="1"/>
           </p:cNvSpPr>
           <p:nvPr>
-            <p:ph idx="1" sz="half"/>
-          </p:nvPr>
-        </p:nvSpPr>
-        <p:spPr/>
-        <p:txBody>
-          <a:bodyPr/>
-          <a:lstStyle/>
-          <a:p>
-            <a:pPr lvl="0" indent="0" marL="0">
-              <a:buNone/>
-            </a:pPr>
-            <a:r>
-              <a:rPr/>
-              <a:t>These notes are based on Chapter 8 of </a:t>
-            </a:r>
-            <a:r>
-              <a:rPr i="1">
+            <p:ph sz="half" idx="1"/>
+          </p:nvPr>
+        </p:nvSpPr>
+        <p:spPr/>
+        <p:txBody>
+          <a:bodyPr/>
+          <a:lstStyle/>
+          <a:p>
+            <a:pPr lvl="0"/>
+            <a:r>
+              <a:rPr dirty="0"/>
+              <a:t>These notes are based on Chapter </a:t>
+            </a:r>
+            <a:r>
+              <a:rPr lang="en-US" dirty="0"/>
+              <a:t>8</a:t>
+            </a:r>
+            <a:r>
+              <a:rPr dirty="0"/>
+              <a:t> of </a:t>
+            </a:r>
+            <a:r>
+              <a:rPr i="1" dirty="0">
                 <a:hlinkClick r:id="rId2"/>
               </a:rPr>
               <a:t>Designing Machine Learning Systems</a:t>
             </a:r>
             <a:r>
-              <a:rPr/>
+              <a:rPr dirty="0"/>
               <a:t>, by </a:t>
             </a:r>
             <a:r>
-              <a:rPr>
+              <a:rPr dirty="0">
                 <a:hlinkClick r:id="rId3"/>
               </a:rPr>
-              <a:t>Chip Huyen</a:t>
-            </a:r>
-            <a:r>
-              <a:rPr/>
+              <a:t>Chip </a:t>
+            </a:r>
+            <a:r>
+              <a:rPr dirty="0" err="1">
+                <a:hlinkClick r:id="rId3"/>
+              </a:rPr>
+              <a:t>Huyen</a:t>
+            </a:r>
+            <a:r>
+              <a:rPr dirty="0"/>
               <a:t>.</a:t>
             </a:r>
           </a:p>
         </p:txBody>
       </p:sp>
-      <p:pic>
-        <p:nvPicPr>
-          <p:cNvPr descr="../img/book_cover.png" id="0" name="Picture 1"/>
-          <p:cNvPicPr>
-            <a:picLocks noGrp="1" noChangeAspect="1"/>
-          </p:cNvPicPr>
-          <p:nvPr/>
-        </p:nvPicPr>
-        <p:blipFill>
-          <a:blip r:embed="rId4"/>
-          <a:stretch>
-            <a:fillRect/>
-          </a:stretch>
-        </p:blipFill>
-        <p:spPr bwMode="auto">
-          <a:xfrm>
-            <a:off x="6007100" y="2324100"/>
-            <a:ext cx="4660900" cy="3111500"/>
-          </a:xfrm>
-          <a:prstGeom prst="rect">
-            <a:avLst/>
-          </a:prstGeom>
-          <a:noFill/>
-          <a:ln w="9525">
-            <a:noFill/>
-            <a:headEnd/>
-            <a:tailEnd/>
-          </a:ln>
-        </p:spPr>
-      </p:pic>
+      <p:sp>
+        <p:nvSpPr>
+          <p:cNvPr id="4" name="Content Placeholder 3"/>
+          <p:cNvSpPr>
+            <a:spLocks noGrp="1"/>
+          </p:cNvSpPr>
+          <p:nvPr>
+            <p:ph sz="half" idx="2"/>
+          </p:nvPr>
+        </p:nvSpPr>
+        <p:spPr/>
+        <p:txBody>
+          <a:bodyPr>
+            <a:normAutofit/>
+          </a:bodyPr>
+          <a:lstStyle/>
+          <a:p>
+            <a:pPr marL="0" lvl="0" indent="0">
+              <a:buNone/>
+            </a:pPr>
+            <a:r>
+              <a:rPr sz="1600" b="1" dirty="0"/>
+              <a:t>Notebooks</a:t>
+            </a:r>
+          </a:p>
+          <a:p>
+            <a:pPr lvl="0"/>
+            <a:r>
+              <a:rPr sz="1600" dirty="0">
+                <a:latin typeface="Courier"/>
+              </a:rPr>
+              <a:t>./notebooks/production_7_distribution_shifts.ipynb</a:t>
+            </a:r>
+          </a:p>
+        </p:txBody>
+      </p:sp>
+      <p:sp>
+        <p:nvSpPr>
+          <p:cNvPr id="5" name="Date Placeholder 4">
+            <a:extLst>
+              <a:ext uri="{FF2B5EF4-FFF2-40B4-BE49-F238E27FC236}">
+                <a16:creationId xmlns:a16="http://schemas.microsoft.com/office/drawing/2014/main" id="{7AB168D5-F0D0-B1CA-BC59-6BE5054D93C4}"/>
+              </a:ext>
+            </a:extLst>
+          </p:cNvPr>
+          <p:cNvSpPr>
+            <a:spLocks noGrp="1"/>
+          </p:cNvSpPr>
+          <p:nvPr>
+            <p:ph type="dt" sz="half" idx="10"/>
+          </p:nvPr>
+        </p:nvSpPr>
+        <p:spPr/>
+        <p:txBody>
+          <a:bodyPr/>
+          <a:lstStyle/>
+          <a:p>
+            <a:r>
+              <a:rPr lang="en-CA"/>
+              <a:t>March 2024</a:t>
+            </a:r>
+          </a:p>
+        </p:txBody>
+      </p:sp>
+      <p:sp>
+        <p:nvSpPr>
+          <p:cNvPr id="6" name="Footer Placeholder 5">
+            <a:extLst>
+              <a:ext uri="{FF2B5EF4-FFF2-40B4-BE49-F238E27FC236}">
+                <a16:creationId xmlns:a16="http://schemas.microsoft.com/office/drawing/2014/main" id="{B350C35D-8AE4-E16E-EAF0-5048B7066934}"/>
+              </a:ext>
+            </a:extLst>
+          </p:cNvPr>
+          <p:cNvSpPr>
+            <a:spLocks noGrp="1"/>
+          </p:cNvSpPr>
+          <p:nvPr>
+            <p:ph type="ftr" sz="quarter" idx="11"/>
+          </p:nvPr>
+        </p:nvSpPr>
+        <p:spPr/>
+        <p:txBody>
+          <a:bodyPr/>
+          <a:lstStyle/>
+          <a:p>
+            <a:r>
+              <a:rPr lang="en-CA"/>
+              <a:t>Production - Monitoring</a:t>
+            </a:r>
+          </a:p>
+        </p:txBody>
+      </p:sp>
+      <p:sp>
+        <p:nvSpPr>
+          <p:cNvPr id="7" name="Slide Number Placeholder 6">
+            <a:extLst>
+              <a:ext uri="{FF2B5EF4-FFF2-40B4-BE49-F238E27FC236}">
+                <a16:creationId xmlns:a16="http://schemas.microsoft.com/office/drawing/2014/main" id="{1F2ED47E-AE31-7782-F960-03E9627B15C9}"/>
+              </a:ext>
+            </a:extLst>
+          </p:cNvPr>
+          <p:cNvSpPr>
+            <a:spLocks noGrp="1"/>
+          </p:cNvSpPr>
+          <p:nvPr>
+            <p:ph type="sldNum" sz="quarter" idx="12"/>
+          </p:nvPr>
+        </p:nvSpPr>
+        <p:spPr/>
+        <p:txBody>
+          <a:bodyPr/>
+          <a:lstStyle/>
+          <a:p>
+            <a:fld id="{4F4BDF5D-830C-4829-B676-EE421164B1C8}" type="slidenum">
+              <a:rPr lang="en-CA" smtClean="0"/>
+              <a:t>3</a:t>
+            </a:fld>
+            <a:endParaRPr lang="en-CA"/>
+          </a:p>
+        </p:txBody>
+      </p:sp>
     </p:spTree>
   </p:cSld>
+  <p:clrMapOvr>
+    <a:masterClrMapping/>
+  </p:clrMapOvr>
 </p:sld>
 </file>
 
@@ -4990,18 +8179,105 @@
           <a:bodyPr/>
           <a:lstStyle/>
           <a:p>
-            <a:pPr lvl="0" indent="0" marL="0">
+            <a:pPr marL="0" lvl="0" indent="0">
               <a:buNone/>
             </a:pPr>
             <a:r>
-              <a:rPr/>
-              <a:t>ML System Failures</a:t>
-            </a:r>
+              <a:t>Our Reference Architecture</a:t>
+            </a:r>
+          </a:p>
+        </p:txBody>
+      </p:sp>
+      <p:sp>
+        <p:nvSpPr>
+          <p:cNvPr id="3" name="Date Placeholder 2">
+            <a:extLst>
+              <a:ext uri="{FF2B5EF4-FFF2-40B4-BE49-F238E27FC236}">
+                <a16:creationId xmlns:a16="http://schemas.microsoft.com/office/drawing/2014/main" id="{6E58E6CE-486E-DFCD-0AA3-D1A25F363E7E}"/>
+              </a:ext>
+            </a:extLst>
+          </p:cNvPr>
+          <p:cNvSpPr>
+            <a:spLocks noGrp="1"/>
+          </p:cNvSpPr>
+          <p:nvPr>
+            <p:ph type="dt" sz="half" idx="10"/>
+          </p:nvPr>
+        </p:nvSpPr>
+        <p:spPr/>
+        <p:txBody>
+          <a:bodyPr/>
+          <a:lstStyle/>
+          <a:p>
+            <a:r>
+              <a:rPr lang="en-CA"/>
+              <a:t>March 2024</a:t>
+            </a:r>
+          </a:p>
+        </p:txBody>
+      </p:sp>
+      <p:sp>
+        <p:nvSpPr>
+          <p:cNvPr id="4" name="Footer Placeholder 3">
+            <a:extLst>
+              <a:ext uri="{FF2B5EF4-FFF2-40B4-BE49-F238E27FC236}">
+                <a16:creationId xmlns:a16="http://schemas.microsoft.com/office/drawing/2014/main" id="{6B0F8B8F-524D-407B-D8CA-6EFF43DD822B}"/>
+              </a:ext>
+            </a:extLst>
+          </p:cNvPr>
+          <p:cNvSpPr>
+            <a:spLocks noGrp="1"/>
+          </p:cNvSpPr>
+          <p:nvPr>
+            <p:ph type="ftr" sz="quarter" idx="11"/>
+          </p:nvPr>
+        </p:nvSpPr>
+        <p:spPr/>
+        <p:txBody>
+          <a:bodyPr/>
+          <a:lstStyle/>
+          <a:p>
+            <a:r>
+              <a:rPr lang="en-CA"/>
+              <a:t>Production - Monitoring</a:t>
+            </a:r>
+          </a:p>
+        </p:txBody>
+      </p:sp>
+      <p:sp>
+        <p:nvSpPr>
+          <p:cNvPr id="5" name="Slide Number Placeholder 4">
+            <a:extLst>
+              <a:ext uri="{FF2B5EF4-FFF2-40B4-BE49-F238E27FC236}">
+                <a16:creationId xmlns:a16="http://schemas.microsoft.com/office/drawing/2014/main" id="{ABD9607D-4C10-1F1B-7393-BE4F785A60F0}"/>
+              </a:ext>
+            </a:extLst>
+          </p:cNvPr>
+          <p:cNvSpPr>
+            <a:spLocks noGrp="1"/>
+          </p:cNvSpPr>
+          <p:nvPr>
+            <p:ph type="sldNum" sz="quarter" idx="12"/>
+          </p:nvPr>
+        </p:nvSpPr>
+        <p:spPr/>
+        <p:txBody>
+          <a:bodyPr/>
+          <a:lstStyle/>
+          <a:p>
+            <a:fld id="{4F4BDF5D-830C-4829-B676-EE421164B1C8}" type="slidenum">
+              <a:rPr lang="en-CA" smtClean="0"/>
+              <a:t>4</a:t>
+            </a:fld>
+            <a:endParaRPr lang="en-CA"/>
           </a:p>
         </p:txBody>
       </p:sp>
     </p:spTree>
   </p:cSld>
+  <p:clrMapOvr>
+    <a:masterClrMapping/>
+  </p:clrMapOvr>
 </p:sld>
 </file>
 
@@ -5022,6 +8298,36 @@
           <a:chExt cx="0" cy="0"/>
         </a:xfrm>
       </p:grpSpPr>
+      <p:pic>
+        <p:nvPicPr>
+          <p:cNvPr id="3" name="Picture 1" descr="../img/flock_ref_arhitecture.png"/>
+          <p:cNvPicPr>
+            <a:picLocks noGrp="1" noChangeAspect="1"/>
+          </p:cNvPicPr>
+          <p:nvPr/>
+        </p:nvPicPr>
+        <p:blipFill>
+          <a:blip r:embed="rId2"/>
+          <a:stretch>
+            <a:fillRect/>
+          </a:stretch>
+        </p:blipFill>
+        <p:spPr bwMode="auto">
+          <a:xfrm>
+            <a:off x="1279525" y="1330289"/>
+            <a:ext cx="9531350" cy="4603822"/>
+          </a:xfrm>
+          <a:prstGeom prst="rect">
+            <a:avLst/>
+          </a:prstGeom>
+          <a:noFill/>
+          <a:ln w="9525">
+            <a:noFill/>
+            <a:headEnd/>
+            <a:tailEnd/>
+          </a:ln>
+        </p:spPr>
+      </p:pic>
       <p:sp>
         <p:nvSpPr>
           <p:cNvPr id="2" name="Title 1"/>
@@ -5037,85 +8343,191 @@
           <a:bodyPr/>
           <a:lstStyle/>
           <a:p>
-            <a:pPr lvl="0" indent="0" marL="0">
+            <a:pPr marL="0" lvl="0" indent="0">
               <a:buNone/>
             </a:pPr>
             <a:r>
-              <a:rPr/>
-              <a:t>What is an ML System Failure?</a:t>
-            </a:r>
-          </a:p>
-        </p:txBody>
-      </p:sp>
-      <p:sp>
-        <p:nvSpPr>
-          <p:cNvPr id="3" name="Content Placeholder 2"/>
-          <p:cNvSpPr>
-            <a:spLocks noGrp="1"/>
-          </p:cNvSpPr>
-          <p:nvPr>
-            <p:ph idx="1" sz="half"/>
-          </p:nvPr>
-        </p:nvSpPr>
-        <p:spPr/>
-        <p:txBody>
-          <a:bodyPr/>
-          <a:lstStyle/>
-          <a:p>
-            <a:pPr lvl="0"/>
-            <a:r>
-              <a:rPr/>
-              <a:t>A failure happens when one or more expectations of the system is not met:</a:t>
-            </a:r>
-          </a:p>
-          <a:p>
-            <a:pPr lvl="1"/>
-            <a:r>
-              <a:rPr/>
-              <a:t>Traditional software expectations: system executes its logic within the expected metrics, such as latency and throughput.</a:t>
-            </a:r>
-          </a:p>
-          <a:p>
-            <a:pPr lvl="1"/>
-            <a:r>
-              <a:rPr/>
-              <a:t>ML performance: performance metrics are met, explanations are given, trust on the system (can be achieved by communicating uncertainty), etc.</a:t>
-            </a:r>
-          </a:p>
-        </p:txBody>
-      </p:sp>
-      <p:sp>
-        <p:nvSpPr>
-          <p:cNvPr id="4" name="Content Placeholder 3"/>
-          <p:cNvSpPr>
-            <a:spLocks noGrp="1"/>
-          </p:cNvSpPr>
-          <p:nvPr>
-            <p:ph idx="2" sz="half"/>
-          </p:nvPr>
-        </p:nvSpPr>
-        <p:spPr/>
-        <p:txBody>
-          <a:bodyPr/>
-          <a:lstStyle/>
-          <a:p>
-            <a:pPr lvl="0"/>
-            <a:r>
-              <a:rPr/>
-              <a:t>Operational expectations can be more easy to detect than ML performance expectations.</a:t>
-            </a:r>
-          </a:p>
-          <a:p>
-            <a:pPr lvl="0"/>
-            <a:r>
-              <a:rPr/>
-              <a:t>Understanding why ML system fail can help monitor ML performance.</a:t>
-            </a:r>
+              <a:t>The Flock Reference Architecture</a:t>
+            </a:r>
+          </a:p>
+        </p:txBody>
+      </p:sp>
+      <p:sp>
+        <p:nvSpPr>
+          <p:cNvPr id="4" name="TextBox 3"/>
+          <p:cNvSpPr txBox="1"/>
+          <p:nvPr/>
+        </p:nvSpPr>
+        <p:spPr>
+          <a:xfrm>
+            <a:off x="673100" y="5867400"/>
+            <a:ext cx="10744200" cy="508000"/>
+          </a:xfrm>
+          <a:prstGeom prst="rect">
+            <a:avLst/>
+          </a:prstGeom>
+          <a:noFill/>
+        </p:spPr>
+        <p:txBody>
+          <a:bodyPr/>
+          <a:lstStyle/>
+          <a:p>
+            <a:pPr marL="0" lvl="0" indent="0" algn="ctr">
+              <a:buNone/>
+            </a:pPr>
+            <a:r>
+              <a:rPr sz="1000" dirty="0"/>
+              <a:t>Agrawal et al (2019)</a:t>
+            </a:r>
+          </a:p>
+        </p:txBody>
+      </p:sp>
+      <p:sp>
+        <p:nvSpPr>
+          <p:cNvPr id="5" name="Date Placeholder 4">
+            <a:extLst>
+              <a:ext uri="{FF2B5EF4-FFF2-40B4-BE49-F238E27FC236}">
+                <a16:creationId xmlns:a16="http://schemas.microsoft.com/office/drawing/2014/main" id="{D72EB6AB-A420-0A80-DCE7-A87ABDEDF473}"/>
+              </a:ext>
+            </a:extLst>
+          </p:cNvPr>
+          <p:cNvSpPr>
+            <a:spLocks noGrp="1"/>
+          </p:cNvSpPr>
+          <p:nvPr>
+            <p:ph type="dt" sz="half" idx="10"/>
+          </p:nvPr>
+        </p:nvSpPr>
+        <p:spPr/>
+        <p:txBody>
+          <a:bodyPr/>
+          <a:lstStyle/>
+          <a:p>
+            <a:r>
+              <a:rPr lang="en-CA"/>
+              <a:t>March 2024</a:t>
+            </a:r>
+          </a:p>
+        </p:txBody>
+      </p:sp>
+      <p:sp>
+        <p:nvSpPr>
+          <p:cNvPr id="6" name="Footer Placeholder 5">
+            <a:extLst>
+              <a:ext uri="{FF2B5EF4-FFF2-40B4-BE49-F238E27FC236}">
+                <a16:creationId xmlns:a16="http://schemas.microsoft.com/office/drawing/2014/main" id="{97770BA8-E224-8B13-1046-C441650E1174}"/>
+              </a:ext>
+            </a:extLst>
+          </p:cNvPr>
+          <p:cNvSpPr>
+            <a:spLocks noGrp="1"/>
+          </p:cNvSpPr>
+          <p:nvPr>
+            <p:ph type="ftr" sz="quarter" idx="11"/>
+          </p:nvPr>
+        </p:nvSpPr>
+        <p:spPr/>
+        <p:txBody>
+          <a:bodyPr/>
+          <a:lstStyle/>
+          <a:p>
+            <a:r>
+              <a:rPr lang="en-CA"/>
+              <a:t>Production - Monitoring</a:t>
+            </a:r>
+          </a:p>
+        </p:txBody>
+      </p:sp>
+      <p:sp>
+        <p:nvSpPr>
+          <p:cNvPr id="7" name="Slide Number Placeholder 6">
+            <a:extLst>
+              <a:ext uri="{FF2B5EF4-FFF2-40B4-BE49-F238E27FC236}">
+                <a16:creationId xmlns:a16="http://schemas.microsoft.com/office/drawing/2014/main" id="{B9777233-69F6-4D2F-D2C7-14D89FA2E2D7}"/>
+              </a:ext>
+            </a:extLst>
+          </p:cNvPr>
+          <p:cNvSpPr>
+            <a:spLocks noGrp="1"/>
+          </p:cNvSpPr>
+          <p:nvPr>
+            <p:ph type="sldNum" sz="quarter" idx="12"/>
+          </p:nvPr>
+        </p:nvSpPr>
+        <p:spPr/>
+        <p:txBody>
+          <a:bodyPr/>
+          <a:lstStyle/>
+          <a:p>
+            <a:fld id="{4F4BDF5D-830C-4829-B676-EE421164B1C8}" type="slidenum">
+              <a:rPr lang="en-CA" smtClean="0"/>
+              <a:t>5</a:t>
+            </a:fld>
+            <a:endParaRPr lang="en-CA"/>
+          </a:p>
+        </p:txBody>
+      </p:sp>
+      <p:sp>
+        <p:nvSpPr>
+          <p:cNvPr id="8" name="Rectangle: Rounded Corners 7">
+            <a:extLst>
+              <a:ext uri="{FF2B5EF4-FFF2-40B4-BE49-F238E27FC236}">
+                <a16:creationId xmlns:a16="http://schemas.microsoft.com/office/drawing/2014/main" id="{E4FDC1B4-9D27-89C8-2A03-671CD0A93669}"/>
+              </a:ext>
+            </a:extLst>
+          </p:cNvPr>
+          <p:cNvSpPr/>
+          <p:nvPr/>
+        </p:nvSpPr>
+        <p:spPr>
+          <a:xfrm>
+            <a:off x="8343900" y="2924175"/>
+            <a:ext cx="1095375" cy="1028700"/>
+          </a:xfrm>
+          <a:prstGeom prst="roundRect">
+            <a:avLst/>
+          </a:prstGeom>
+          <a:solidFill>
+            <a:srgbClr val="FFC000">
+              <a:alpha val="25098"/>
+            </a:srgbClr>
+          </a:solidFill>
+          <a:ln w="57150">
+            <a:solidFill>
+              <a:srgbClr val="FF0000"/>
+            </a:solidFill>
+          </a:ln>
+        </p:spPr>
+        <p:style>
+          <a:lnRef idx="2">
+            <a:schemeClr val="accent1">
+              <a:shade val="15000"/>
+            </a:schemeClr>
+          </a:lnRef>
+          <a:fillRef idx="1">
+            <a:schemeClr val="accent1"/>
+          </a:fillRef>
+          <a:effectRef idx="0">
+            <a:schemeClr val="accent1"/>
+          </a:effectRef>
+          <a:fontRef idx="minor">
+            <a:schemeClr val="lt1"/>
+          </a:fontRef>
+        </p:style>
+        <p:txBody>
+          <a:bodyPr rtlCol="0" anchor="ctr"/>
+          <a:lstStyle/>
+          <a:p>
+            <a:pPr algn="ctr"/>
+            <a:endParaRPr lang="en-CA"/>
           </a:p>
         </p:txBody>
       </p:sp>
     </p:spTree>
   </p:cSld>
+  <p:clrMapOvr>
+    <a:masterClrMapping/>
+  </p:clrMapOvr>
 </p:sld>
 </file>
 
@@ -5146,139 +8558,115 @@
             <p:ph type="title"/>
           </p:nvPr>
         </p:nvSpPr>
-        <p:spPr/>
-        <p:txBody>
-          <a:bodyPr/>
-          <a:lstStyle/>
-          <a:p>
-            <a:pPr lvl="0" indent="0" marL="0">
+        <p:spPr>
+          <a:xfrm>
+            <a:off x="603504" y="767419"/>
+            <a:ext cx="10780776" cy="3355848"/>
+          </a:xfrm>
+        </p:spPr>
+        <p:txBody>
+          <a:bodyPr/>
+          <a:lstStyle/>
+          <a:p>
+            <a:pPr marL="0" lvl="0" indent="0">
               <a:buNone/>
             </a:pPr>
             <a:r>
-              <a:rPr/>
-              <a:t>Software System Failures</a:t>
-            </a:r>
-          </a:p>
-        </p:txBody>
-      </p:sp>
-      <p:sp>
-        <p:nvSpPr>
-          <p:cNvPr id="3" name="Content Placeholder 2"/>
-          <p:cNvSpPr>
-            <a:spLocks noGrp="1"/>
-          </p:cNvSpPr>
-          <p:nvPr>
-            <p:ph idx="1" sz="half"/>
-          </p:nvPr>
-        </p:nvSpPr>
-        <p:spPr/>
-        <p:txBody>
-          <a:bodyPr/>
-          <a:lstStyle/>
-          <a:p>
-            <a:pPr lvl="0"/>
-            <a:r>
-              <a:rPr/>
-              <a:t>Dependency failure</a:t>
-            </a:r>
-          </a:p>
-          <a:p>
-            <a:pPr lvl="1"/>
-            <a:r>
-              <a:rPr/>
-              <a:t>A package or codebase that the system depends on breaks, which leads to system failure.</a:t>
-            </a:r>
-          </a:p>
-          <a:p>
-            <a:pPr lvl="1"/>
-            <a:r>
-              <a:rPr/>
-              <a:t>Common when the dependency is maintained by a third-party.</a:t>
-            </a:r>
-          </a:p>
-          <a:p>
-            <a:pPr lvl="1"/>
-            <a:r>
-              <a:rPr/>
-              <a:t>Can also happen when our model is a dependency of a downstream consumer.</a:t>
-            </a:r>
-          </a:p>
-          <a:p>
-            <a:pPr lvl="0"/>
-            <a:r>
-              <a:rPr/>
-              <a:t>Deployment failure</a:t>
-            </a:r>
-          </a:p>
-          <a:p>
-            <a:pPr lvl="1"/>
-            <a:r>
-              <a:rPr/>
-              <a:t>The root cause is deployment errors: deploy old binaries, permissions are not correctly granted, etc.</a:t>
-            </a:r>
-          </a:p>
-          <a:p>
-            <a:pPr lvl="1"/>
-            <a:r>
-              <a:rPr/>
-              <a:t>Coding errors and integration errors (interface changes).</a:t>
-            </a:r>
-          </a:p>
-        </p:txBody>
-      </p:sp>
-      <p:sp>
-        <p:nvSpPr>
-          <p:cNvPr id="4" name="Content Placeholder 3"/>
-          <p:cNvSpPr>
-            <a:spLocks noGrp="1"/>
-          </p:cNvSpPr>
-          <p:nvPr>
-            <p:ph idx="2" sz="half"/>
-          </p:nvPr>
-        </p:nvSpPr>
-        <p:spPr/>
-        <p:txBody>
-          <a:bodyPr/>
-          <a:lstStyle/>
-          <a:p>
-            <a:pPr lvl="0"/>
-            <a:r>
-              <a:rPr/>
-              <a:t>Hardware failures</a:t>
-            </a:r>
-          </a:p>
-          <a:p>
-            <a:pPr lvl="1"/>
-            <a:r>
-              <a:rPr/>
-              <a:t>Hardware use to deploy the model fails.</a:t>
-            </a:r>
-          </a:p>
-          <a:p>
-            <a:pPr lvl="0"/>
-            <a:r>
-              <a:rPr/>
-              <a:t>Downtime or crashing</a:t>
-            </a:r>
-          </a:p>
-          <a:p>
-            <a:pPr lvl="1"/>
-            <a:r>
-              <a:rPr/>
-              <a:t>Connectivity, security, and other issues may give rise to unreachable servers (AWS, Azure, GCP, etc.)</a:t>
-            </a:r>
-          </a:p>
-          <a:p>
-            <a:pPr lvl="1"/>
-            <a:r>
-              <a:rPr/>
-              <a:t>Distributed systems are complex systems and the risk of failure increases with complexity.</a:t>
-            </a:r>
+              <a:t>ML System Failures</a:t>
+            </a:r>
+          </a:p>
+        </p:txBody>
+      </p:sp>
+      <p:sp>
+        <p:nvSpPr>
+          <p:cNvPr id="3" name="Date Placeholder 2">
+            <a:extLst>
+              <a:ext uri="{FF2B5EF4-FFF2-40B4-BE49-F238E27FC236}">
+                <a16:creationId xmlns:a16="http://schemas.microsoft.com/office/drawing/2014/main" id="{F0630365-CA58-FAAE-CCB3-331D30C22485}"/>
+              </a:ext>
+            </a:extLst>
+          </p:cNvPr>
+          <p:cNvSpPr>
+            <a:spLocks noGrp="1"/>
+          </p:cNvSpPr>
+          <p:nvPr>
+            <p:ph type="dt" sz="half" idx="10"/>
+          </p:nvPr>
+        </p:nvSpPr>
+        <p:spPr/>
+        <p:txBody>
+          <a:bodyPr/>
+          <a:lstStyle/>
+          <a:p>
+            <a:r>
+              <a:rPr lang="en-CA"/>
+              <a:t>March 2024</a:t>
+            </a:r>
+          </a:p>
+        </p:txBody>
+      </p:sp>
+      <p:sp>
+        <p:nvSpPr>
+          <p:cNvPr id="4" name="Footer Placeholder 3">
+            <a:extLst>
+              <a:ext uri="{FF2B5EF4-FFF2-40B4-BE49-F238E27FC236}">
+                <a16:creationId xmlns:a16="http://schemas.microsoft.com/office/drawing/2014/main" id="{B7A5EB8B-52BC-B209-F2BD-A634A502FBBB}"/>
+              </a:ext>
+            </a:extLst>
+          </p:cNvPr>
+          <p:cNvSpPr>
+            <a:spLocks noGrp="1"/>
+          </p:cNvSpPr>
+          <p:nvPr>
+            <p:ph type="ftr" sz="quarter" idx="11"/>
+          </p:nvPr>
+        </p:nvSpPr>
+        <p:spPr/>
+        <p:txBody>
+          <a:bodyPr/>
+          <a:lstStyle/>
+          <a:p>
+            <a:r>
+              <a:rPr lang="en-CA"/>
+              <a:t>Production - Monitoring</a:t>
+            </a:r>
+          </a:p>
+        </p:txBody>
+      </p:sp>
+      <p:sp>
+        <p:nvSpPr>
+          <p:cNvPr id="5" name="Slide Number Placeholder 4">
+            <a:extLst>
+              <a:ext uri="{FF2B5EF4-FFF2-40B4-BE49-F238E27FC236}">
+                <a16:creationId xmlns:a16="http://schemas.microsoft.com/office/drawing/2014/main" id="{118D5998-5D62-2B52-A433-2615AF27622E}"/>
+              </a:ext>
+            </a:extLst>
+          </p:cNvPr>
+          <p:cNvSpPr>
+            <a:spLocks noGrp="1"/>
+          </p:cNvSpPr>
+          <p:nvPr>
+            <p:ph type="sldNum" sz="quarter" idx="12"/>
+          </p:nvPr>
+        </p:nvSpPr>
+        <p:spPr/>
+        <p:txBody>
+          <a:bodyPr/>
+          <a:lstStyle/>
+          <a:p>
+            <a:fld id="{4F4BDF5D-830C-4829-B676-EE421164B1C8}" type="slidenum">
+              <a:rPr lang="en-CA" smtClean="0"/>
+              <a:t>6</a:t>
+            </a:fld>
+            <a:endParaRPr lang="en-CA"/>
           </a:p>
         </p:txBody>
       </p:sp>
     </p:spTree>
   </p:cSld>
+  <p:clrMapOvr>
+    <a:masterClrMapping/>
+  </p:clrMapOvr>
 </p:sld>
 </file>
 
@@ -5314,12 +8702,11 @@
           <a:bodyPr/>
           <a:lstStyle/>
           <a:p>
-            <a:pPr lvl="0" indent="0" marL="0">
+            <a:pPr marL="0" lvl="0" indent="0">
               <a:buNone/>
             </a:pPr>
             <a:r>
-              <a:rPr/>
-              <a:t>ML-Specific Failures</a:t>
+              <a:t>What is an ML System Failure?</a:t>
             </a:r>
           </a:p>
         </p:txBody>
@@ -5331,174 +8718,155 @@
             <a:spLocks noGrp="1"/>
           </p:cNvSpPr>
           <p:nvPr>
-            <p:ph idx="1" sz="half"/>
-          </p:nvPr>
-        </p:nvSpPr>
-        <p:spPr/>
-        <p:txBody>
-          <a:bodyPr/>
-          <a:lstStyle/>
-          <a:p>
-            <a:pPr lvl="0" indent="0" marL="0">
-              <a:buNone/>
-            </a:pPr>
-            <a:r>
-              <a:rPr b="1"/>
-              <a:t>Production data is different from training data</a:t>
-            </a:r>
-          </a:p>
+            <p:ph sz="half" idx="1"/>
+          </p:nvPr>
+        </p:nvSpPr>
+        <p:spPr/>
+        <p:txBody>
+          <a:bodyPr>
+            <a:normAutofit fontScale="92500" lnSpcReduction="10000"/>
+          </a:bodyPr>
+          <a:lstStyle/>
           <a:p>
             <a:pPr lvl="0"/>
             <a:r>
-              <a:rPr/>
-              <a:t>A key assumption is that training and unseen data come from the same distribution.</a:t>
-            </a:r>
-          </a:p>
+              <a:t>A failure happens when one or more expectations of the system is not met:</a:t>
+            </a:r>
+          </a:p>
+          <a:p>
+            <a:pPr lvl="1"/>
+            <a:r>
+              <a:t>Traditional software expectations: the system executes its logic within the expected metrics, such as latency and throughput.</a:t>
+            </a:r>
+          </a:p>
+          <a:p>
+            <a:pPr lvl="1"/>
+            <a:r>
+              <a:t>ML performance: performance metrics are met, explanations are given, trust in the system (can be achieved by communicating uncertainty), etc.</a:t>
+            </a:r>
+          </a:p>
+        </p:txBody>
+      </p:sp>
+      <p:sp>
+        <p:nvSpPr>
+          <p:cNvPr id="4" name="Content Placeholder 3"/>
+          <p:cNvSpPr>
+            <a:spLocks noGrp="1"/>
+          </p:cNvSpPr>
+          <p:nvPr>
+            <p:ph sz="half" idx="2"/>
+          </p:nvPr>
+        </p:nvSpPr>
+        <p:spPr/>
+        <p:txBody>
+          <a:bodyPr>
+            <a:normAutofit fontScale="92500" lnSpcReduction="10000"/>
+          </a:bodyPr>
+          <a:lstStyle/>
           <a:p>
             <a:pPr lvl="0"/>
             <a:r>
-              <a:rPr/>
-              <a:t>When we say that a model </a:t>
-            </a:r>
-            <a:r>
-              <a:rPr i="1"/>
-              <a:t>learns</a:t>
-            </a:r>
-            <a:r>
-              <a:rPr/>
-              <a:t> from data, we are saying that the model learns the distribution of the training data with the goal of using this information on unseen data.</a:t>
+              <a:t>Operational expectations can be easier to detect than ML performance expectations.</a:t>
             </a:r>
           </a:p>
           <a:p>
             <a:pPr lvl="0"/>
             <a:r>
-              <a:rPr/>
-              <a:t>When predictions on unseen data are satisfactory, we say that the model “generalizes to unseen data”.</a:t>
-            </a:r>
-          </a:p>
-          <a:p>
-            <a:pPr lvl="0"/>
-            <a:r>
-              <a:rPr/>
-              <a:t>The test data that we use in the model development phase and the cross-validation are </a:t>
-            </a:r>
-            <a:r>
-              <a:rPr i="1"/>
-              <a:t>estimates</a:t>
-            </a:r>
-            <a:r>
-              <a:rPr/>
-              <a:t> of the error in unseen (production) data.</a:t>
-            </a:r>
-          </a:p>
-          <a:p>
-            <a:pPr lvl="0"/>
-            <a:r>
-              <a:rPr/>
-              <a:t>Reasons for difference:</a:t>
-            </a:r>
-          </a:p>
-          <a:p>
-            <a:pPr lvl="1"/>
-            <a:r>
-              <a:rPr/>
-              <a:t>Data collection, encoding, and instrumentation.</a:t>
-            </a:r>
-          </a:p>
-          <a:p>
-            <a:pPr lvl="1"/>
-            <a:r>
-              <a:rPr/>
-              <a:t>The world changes, data distributions are not stationary.</a:t>
-            </a:r>
-          </a:p>
-        </p:txBody>
-      </p:sp>
-      <p:sp>
-        <p:nvSpPr>
-          <p:cNvPr id="4" name="Content Placeholder 3"/>
-          <p:cNvSpPr>
-            <a:spLocks noGrp="1"/>
-          </p:cNvSpPr>
-          <p:nvPr>
-            <p:ph idx="2" sz="half"/>
-          </p:nvPr>
-        </p:nvSpPr>
-        <p:spPr/>
-        <p:txBody>
-          <a:bodyPr/>
-          <a:lstStyle/>
-          <a:p>
-            <a:pPr lvl="0" indent="0" marL="0">
-              <a:buNone/>
-            </a:pPr>
-            <a:r>
-              <a:rPr b="1"/>
-              <a:t>Edge cases</a:t>
-            </a:r>
-          </a:p>
-          <a:p>
-            <a:pPr lvl="0"/>
-            <a:r>
-              <a:rPr/>
-              <a:t>An ML model performs well in most cases, but fails in a small minority of cases, generally, with catastrophic consequences.</a:t>
-            </a:r>
-          </a:p>
-          <a:p>
-            <a:pPr lvl="0"/>
-            <a:r>
-              <a:rPr/>
-              <a:t>If number of edge cases increases, data distribution may have shifted.</a:t>
-            </a:r>
-          </a:p>
-          <a:p>
-            <a:pPr lvl="0"/>
-            <a:r>
-              <a:rPr/>
-              <a:t>Key concern for safety-critical applications: autonomous vehicles, health systems, risk monitoring, etc.</a:t>
-            </a:r>
-          </a:p>
-          <a:p>
-            <a:pPr lvl="0" indent="0" marL="0">
-              <a:buNone/>
-            </a:pPr>
-            <a:r>
-              <a:rPr b="1"/>
-              <a:t>Degenerate feebdack loops</a:t>
-            </a:r>
-          </a:p>
-          <a:p>
-            <a:pPr lvl="0"/>
-            <a:r>
-              <a:rPr/>
-              <a:t>The model’s predictions influence the feedback, which in turn influences the next iteration of the model:</a:t>
-            </a:r>
-          </a:p>
-          <a:p>
-            <a:pPr lvl="1"/>
-            <a:r>
-              <a:rPr/>
-              <a:t>System outputs are used to generate the next set of inputs.</a:t>
-            </a:r>
-          </a:p>
-          <a:p>
-            <a:pPr lvl="1"/>
-            <a:r>
-              <a:rPr/>
-              <a:t>In user-facing applications, this can drive the options or interactions that a user is offered.</a:t>
-            </a:r>
-          </a:p>
-          <a:p>
-            <a:pPr lvl="1"/>
-            <a:r>
-              <a:rPr/>
-              <a:t>User interactions with the system are the training data.</a:t>
-            </a:r>
+              <a:t>Understanding why ML systems fail can help monitor ML performance.</a:t>
+            </a:r>
+          </a:p>
+        </p:txBody>
+      </p:sp>
+      <p:sp>
+        <p:nvSpPr>
+          <p:cNvPr id="5" name="Date Placeholder 4">
+            <a:extLst>
+              <a:ext uri="{FF2B5EF4-FFF2-40B4-BE49-F238E27FC236}">
+                <a16:creationId xmlns:a16="http://schemas.microsoft.com/office/drawing/2014/main" id="{DF41409C-0827-5BFD-797A-8D54C797E3DC}"/>
+              </a:ext>
+            </a:extLst>
+          </p:cNvPr>
+          <p:cNvSpPr>
+            <a:spLocks noGrp="1"/>
+          </p:cNvSpPr>
+          <p:nvPr>
+            <p:ph type="dt" sz="half" idx="10"/>
+          </p:nvPr>
+        </p:nvSpPr>
+        <p:spPr/>
+        <p:txBody>
+          <a:bodyPr/>
+          <a:lstStyle/>
+          <a:p>
+            <a:r>
+              <a:rPr lang="en-CA"/>
+              <a:t>March 2024</a:t>
+            </a:r>
+          </a:p>
+        </p:txBody>
+      </p:sp>
+      <p:sp>
+        <p:nvSpPr>
+          <p:cNvPr id="6" name="Footer Placeholder 5">
+            <a:extLst>
+              <a:ext uri="{FF2B5EF4-FFF2-40B4-BE49-F238E27FC236}">
+                <a16:creationId xmlns:a16="http://schemas.microsoft.com/office/drawing/2014/main" id="{3C10C3D5-823F-5D45-1B6D-261317D08983}"/>
+              </a:ext>
+            </a:extLst>
+          </p:cNvPr>
+          <p:cNvSpPr>
+            <a:spLocks noGrp="1"/>
+          </p:cNvSpPr>
+          <p:nvPr>
+            <p:ph type="ftr" sz="quarter" idx="11"/>
+          </p:nvPr>
+        </p:nvSpPr>
+        <p:spPr/>
+        <p:txBody>
+          <a:bodyPr/>
+          <a:lstStyle/>
+          <a:p>
+            <a:r>
+              <a:rPr lang="en-CA"/>
+              <a:t>Production - Monitoring</a:t>
+            </a:r>
+          </a:p>
+        </p:txBody>
+      </p:sp>
+      <p:sp>
+        <p:nvSpPr>
+          <p:cNvPr id="7" name="Slide Number Placeholder 6">
+            <a:extLst>
+              <a:ext uri="{FF2B5EF4-FFF2-40B4-BE49-F238E27FC236}">
+                <a16:creationId xmlns:a16="http://schemas.microsoft.com/office/drawing/2014/main" id="{DCDDFAC5-19F7-4BCD-EA01-75157B313308}"/>
+              </a:ext>
+            </a:extLst>
+          </p:cNvPr>
+          <p:cNvSpPr>
+            <a:spLocks noGrp="1"/>
+          </p:cNvSpPr>
+          <p:nvPr>
+            <p:ph type="sldNum" sz="quarter" idx="12"/>
+          </p:nvPr>
+        </p:nvSpPr>
+        <p:spPr/>
+        <p:txBody>
+          <a:bodyPr/>
+          <a:lstStyle/>
+          <a:p>
+            <a:fld id="{4F4BDF5D-830C-4829-B676-EE421164B1C8}" type="slidenum">
+              <a:rPr lang="en-CA" smtClean="0"/>
+              <a:t>7</a:t>
+            </a:fld>
+            <a:endParaRPr lang="en-CA"/>
           </a:p>
         </p:txBody>
       </p:sp>
     </p:spTree>
   </p:cSld>
+  <p:clrMapOvr>
+    <a:masterClrMapping/>
+  </p:clrMapOvr>
 </p:sld>
 </file>
 
@@ -5529,28 +8897,218 @@
             <p:ph type="title"/>
           </p:nvPr>
         </p:nvSpPr>
-        <p:spPr>
-          <a:xfrm>
-            <a:off x="603504" y="767419"/>
-            <a:ext cx="10780776" cy="3355848"/>
-          </a:xfrm>
-        </p:spPr>
-        <p:txBody>
-          <a:bodyPr/>
-          <a:lstStyle/>
-          <a:p>
-            <a:pPr lvl="0" indent="0" marL="0">
+        <p:spPr/>
+        <p:txBody>
+          <a:bodyPr/>
+          <a:lstStyle/>
+          <a:p>
+            <a:pPr marL="0" lvl="0" indent="0">
               <a:buNone/>
             </a:pPr>
             <a:r>
-              <a:rPr/>
-              <a:t>Data Distribution Shifts</a:t>
-            </a:r>
+              <a:t>Software System Failures</a:t>
+            </a:r>
+          </a:p>
+        </p:txBody>
+      </p:sp>
+      <p:sp>
+        <p:nvSpPr>
+          <p:cNvPr id="3" name="Content Placeholder 2"/>
+          <p:cNvSpPr>
+            <a:spLocks noGrp="1"/>
+          </p:cNvSpPr>
+          <p:nvPr>
+            <p:ph sz="half" idx="1"/>
+          </p:nvPr>
+        </p:nvSpPr>
+        <p:spPr/>
+        <p:txBody>
+          <a:bodyPr>
+            <a:normAutofit fontScale="77500" lnSpcReduction="20000"/>
+          </a:bodyPr>
+          <a:lstStyle/>
+          <a:p>
+            <a:pPr lvl="0"/>
+            <a:r>
+              <a:t>Dependency failure</a:t>
+            </a:r>
+          </a:p>
+          <a:p>
+            <a:pPr lvl="1"/>
+            <a:r>
+              <a:t>A package or codebase that the system depends on breaks, which leads to system failure.</a:t>
+            </a:r>
+          </a:p>
+          <a:p>
+            <a:pPr lvl="1"/>
+            <a:r>
+              <a:t>Common when the dependency is maintained by a third party.</a:t>
+            </a:r>
+          </a:p>
+          <a:p>
+            <a:pPr lvl="1"/>
+            <a:r>
+              <a:t>Can also happen when our model is a dependency of a downstream consumer.</a:t>
+            </a:r>
+          </a:p>
+          <a:p>
+            <a:pPr lvl="0"/>
+            <a:r>
+              <a:t>Deployment failure</a:t>
+            </a:r>
+          </a:p>
+          <a:p>
+            <a:pPr lvl="1"/>
+            <a:r>
+              <a:t>The root cause is deployment errors: deploy old binaries, permissions are not correctly granted, etc.</a:t>
+            </a:r>
+          </a:p>
+          <a:p>
+            <a:pPr lvl="1"/>
+            <a:r>
+              <a:t>Coding errors and integration errors (interface changes).</a:t>
+            </a:r>
+          </a:p>
+        </p:txBody>
+      </p:sp>
+      <p:sp>
+        <p:nvSpPr>
+          <p:cNvPr id="4" name="Content Placeholder 3"/>
+          <p:cNvSpPr>
+            <a:spLocks noGrp="1"/>
+          </p:cNvSpPr>
+          <p:nvPr>
+            <p:ph sz="half" idx="2"/>
+          </p:nvPr>
+        </p:nvSpPr>
+        <p:spPr/>
+        <p:txBody>
+          <a:bodyPr>
+            <a:normAutofit fontScale="77500" lnSpcReduction="20000"/>
+          </a:bodyPr>
+          <a:lstStyle/>
+          <a:p>
+            <a:pPr lvl="0"/>
+            <a:r>
+              <a:t>Hardware failures</a:t>
+            </a:r>
+          </a:p>
+          <a:p>
+            <a:pPr lvl="1"/>
+            <a:r>
+              <a:t>Hardware use to deploy the model fails.</a:t>
+            </a:r>
+          </a:p>
+          <a:p>
+            <a:pPr lvl="0"/>
+            <a:r>
+              <a:t>Downtime or crashing</a:t>
+            </a:r>
+          </a:p>
+          <a:p>
+            <a:pPr lvl="1"/>
+            <a:r>
+              <a:t>Connectivity, security, and other issues may give rise to unreachable servers (AWS, Azure, GCP, etc.)</a:t>
+            </a:r>
+          </a:p>
+          <a:p>
+            <a:pPr lvl="1"/>
+            <a:r>
+              <a:t>Distributed systems are complex systems, and the risk of failure increases with complexity.</a:t>
+            </a:r>
+          </a:p>
+        </p:txBody>
+      </p:sp>
+      <p:sp>
+        <p:nvSpPr>
+          <p:cNvPr id="5" name="Date Placeholder 4">
+            <a:extLst>
+              <a:ext uri="{FF2B5EF4-FFF2-40B4-BE49-F238E27FC236}">
+                <a16:creationId xmlns:a16="http://schemas.microsoft.com/office/drawing/2014/main" id="{23BB65C6-0FF4-7E10-79E2-E02F9F73E2CA}"/>
+              </a:ext>
+            </a:extLst>
+          </p:cNvPr>
+          <p:cNvSpPr>
+            <a:spLocks noGrp="1"/>
+          </p:cNvSpPr>
+          <p:nvPr>
+            <p:ph type="dt" sz="half" idx="10"/>
+          </p:nvPr>
+        </p:nvSpPr>
+        <p:spPr/>
+        <p:txBody>
+          <a:bodyPr/>
+          <a:lstStyle/>
+          <a:p>
+            <a:r>
+              <a:rPr lang="en-CA"/>
+              <a:t>March 2024</a:t>
+            </a:r>
+          </a:p>
+        </p:txBody>
+      </p:sp>
+      <p:sp>
+        <p:nvSpPr>
+          <p:cNvPr id="6" name="Footer Placeholder 5">
+            <a:extLst>
+              <a:ext uri="{FF2B5EF4-FFF2-40B4-BE49-F238E27FC236}">
+                <a16:creationId xmlns:a16="http://schemas.microsoft.com/office/drawing/2014/main" id="{CF904FCA-8BEC-BDE0-F49A-C40804AF859F}"/>
+              </a:ext>
+            </a:extLst>
+          </p:cNvPr>
+          <p:cNvSpPr>
+            <a:spLocks noGrp="1"/>
+          </p:cNvSpPr>
+          <p:nvPr>
+            <p:ph type="ftr" sz="quarter" idx="11"/>
+          </p:nvPr>
+        </p:nvSpPr>
+        <p:spPr/>
+        <p:txBody>
+          <a:bodyPr/>
+          <a:lstStyle/>
+          <a:p>
+            <a:r>
+              <a:rPr lang="en-CA"/>
+              <a:t>Production - Monitoring</a:t>
+            </a:r>
+          </a:p>
+        </p:txBody>
+      </p:sp>
+      <p:sp>
+        <p:nvSpPr>
+          <p:cNvPr id="7" name="Slide Number Placeholder 6">
+            <a:extLst>
+              <a:ext uri="{FF2B5EF4-FFF2-40B4-BE49-F238E27FC236}">
+                <a16:creationId xmlns:a16="http://schemas.microsoft.com/office/drawing/2014/main" id="{FF61C1F7-AA52-E152-8EE9-292E3951A68F}"/>
+              </a:ext>
+            </a:extLst>
+          </p:cNvPr>
+          <p:cNvSpPr>
+            <a:spLocks noGrp="1"/>
+          </p:cNvSpPr>
+          <p:nvPr>
+            <p:ph type="sldNum" sz="quarter" idx="12"/>
+          </p:nvPr>
+        </p:nvSpPr>
+        <p:spPr/>
+        <p:txBody>
+          <a:bodyPr/>
+          <a:lstStyle/>
+          <a:p>
+            <a:fld id="{4F4BDF5D-830C-4829-B676-EE421164B1C8}" type="slidenum">
+              <a:rPr lang="en-CA" smtClean="0"/>
+              <a:t>8</a:t>
+            </a:fld>
+            <a:endParaRPr lang="en-CA"/>
           </a:p>
         </p:txBody>
       </p:sp>
     </p:spTree>
   </p:cSld>
+  <p:clrMapOvr>
+    <a:masterClrMapping/>
+  </p:clrMapOvr>
 </p:sld>
 </file>
 
@@ -5586,12 +9144,11 @@
           <a:bodyPr/>
           <a:lstStyle/>
           <a:p>
-            <a:pPr lvl="0" indent="0" marL="0">
+            <a:pPr marL="0" lvl="0" indent="0">
               <a:buNone/>
             </a:pPr>
             <a:r>
-              <a:rPr/>
-              <a:t>Types of Data Distribution Shifts</a:t>
+              <a:t>ML-Specific Failures</a:t>
             </a:r>
           </a:p>
         </p:txBody>
@@ -5603,288 +9160,250 @@
             <a:spLocks noGrp="1"/>
           </p:cNvSpPr>
           <p:nvPr>
-            <p:ph idx="1" sz="half"/>
-          </p:nvPr>
-        </p:nvSpPr>
-        <p:spPr/>
-        <p:txBody>
-          <a:bodyPr/>
-          <a:lstStyle/>
-          <a:p>
-            <a:pPr lvl="0" indent="0" marL="0">
+            <p:ph sz="half" idx="1"/>
+          </p:nvPr>
+        </p:nvSpPr>
+        <p:spPr/>
+        <p:txBody>
+          <a:bodyPr>
+            <a:normAutofit fontScale="55000" lnSpcReduction="20000"/>
+          </a:bodyPr>
+          <a:lstStyle/>
+          <a:p>
+            <a:pPr marL="0" lvl="0" indent="0">
               <a:buNone/>
             </a:pPr>
             <a:r>
-              <a:rPr/>
-              <a:t>Three types of shifts:</a:t>
+              <a:rPr b="1"/>
+              <a:t>Production data is different from training data</a:t>
             </a:r>
           </a:p>
           <a:p>
             <a:pPr lvl="0"/>
             <a:r>
-              <a:rPr/>
-              <a:t>Concept drift</a:t>
+              <a:t>A key assumption is that training and unseen data come from the same distribution.</a:t>
             </a:r>
           </a:p>
           <a:p>
             <a:pPr lvl="0"/>
             <a:r>
-              <a:rPr/>
-              <a:t>Covariate shift</a:t>
+              <a:t>When we say that a model </a:t>
+            </a:r>
+            <a:r>
+              <a:rPr i="1"/>
+              <a:t>learns</a:t>
+            </a:r>
+            <a:r>
+              <a:t> from data, we are saying that the model learns the distribution of the training data to use this information on unseen data.</a:t>
             </a:r>
           </a:p>
           <a:p>
             <a:pPr lvl="0"/>
             <a:r>
-              <a:rPr/>
-              <a:t>Label shift</a:t>
-            </a:r>
-          </a:p>
-        </p:txBody>
-      </p:sp>
-      <mc:AlternateContent xmlns:mc="http://schemas.openxmlformats.org/markup-compatibility/2006">
-        <mc:Choice xmlns:a14="http://schemas.microsoft.com/office/drawing/2010/main" Requires="a14">
-          <p:sp>
-            <p:nvSpPr>
-              <p:cNvPr id="4" name="Content Placeholder 3"/>
-              <p:cNvSpPr>
-                <a:spLocks noGrp="1"/>
-              </p:cNvSpPr>
-              <p:nvPr>
-                <p:ph idx="2" sz="half"/>
-              </p:nvPr>
-            </p:nvSpPr>
-            <p:spPr/>
-            <p:txBody>
-              <a:bodyPr/>
-              <a:lstStyle/>
-              <a:p>
-                <a:pPr lvl="0" indent="0" marL="0">
-                  <a:buNone/>
-                </a:pPr>
-                <a:r>
-                  <a:rPr/>
-                  <a:t>Before we begin:</a:t>
-                </a:r>
-              </a:p>
-              <a:p>
-                <a:pPr lvl="0"/>
-                <a:r>
-                  <a:rPr/>
-                  <a:t>Assume that we are looking to make a prediction of Y given data X.</a:t>
-                </a:r>
-              </a:p>
-              <a:p>
-                <a:pPr lvl="0"/>
-                <a:r>
-                  <a:rPr/>
-                  <a:t>To do so, we estimate </a:t>
-                </a:r>
-                <a14:m>
-                  <m:oMath xmlns:m="http://schemas.openxmlformats.org/officeDocument/2006/math">
-                    <m:r>
-                      <m:t>P</m:t>
-                    </m:r>
-                    <m:d>
-                      <m:dPr>
-                        <m:begChr m:val="("/>
-                        <m:endChr m:val=")"/>
-                        <m:sepChr m:val=""/>
-                        <m:grow/>
-                      </m:dPr>
-                      <m:e>
-                        <m:r>
-                          <m:t>Y</m:t>
-                        </m:r>
-                        <m:r>
-                          <m:rPr>
-                            <m:sty m:val="p"/>
-                          </m:rPr>
-                          <m:t>|</m:t>
-                        </m:r>
-                        <m:r>
-                          <m:t>X</m:t>
-                        </m:r>
-                      </m:e>
-                    </m:d>
-                  </m:oMath>
-                </a14:m>
-                <a:r>
-                  <a:rPr/>
-                  <a:t>.</a:t>
-                </a:r>
-              </a:p>
-              <a:p>
-                <a:pPr lvl="0"/>
-                <a:r>
-                  <a:rPr/>
-                  <a:t>Our data, shows a distribution P(X, Y) and we know that:</a:t>
-                </a:r>
-              </a:p>
-              <a:p>
-                <a:pPr lvl="0" indent="0" marL="0">
-                  <a:buNone/>
-                </a:pPr>
-                <a14:m>
-                  <m:oMathPara xmlns:m="http://schemas.openxmlformats.org/officeDocument/2006/math">
-                    <m:oMathParaPr>
-                      <m:jc m:val="center"/>
-                    </m:oMathParaPr>
-                    <m:oMath>
-                      <m:r>
-                        <m:t>P</m:t>
-                      </m:r>
-                      <m:d>
-                        <m:dPr>
-                          <m:begChr m:val="("/>
-                          <m:endChr m:val=")"/>
-                          <m:sepChr m:val=""/>
-                          <m:grow/>
-                        </m:dPr>
-                        <m:e>
-                          <m:r>
-                            <m:t>X</m:t>
-                          </m:r>
-                          <m:r>
-                            <m:rPr>
-                              <m:sty m:val="p"/>
-                            </m:rPr>
-                            <m:t>,</m:t>
-                          </m:r>
-                          <m:r>
-                            <m:t>Y</m:t>
-                          </m:r>
-                        </m:e>
-                      </m:d>
-                      <m:r>
-                        <m:rPr>
-                          <m:sty m:val="p"/>
-                        </m:rPr>
-                        <m:t>=</m:t>
-                      </m:r>
-                      <m:r>
-                        <m:t>P</m:t>
-                      </m:r>
-                      <m:d>
-                        <m:dPr>
-                          <m:begChr m:val="("/>
-                          <m:endChr m:val=")"/>
-                          <m:sepChr m:val=""/>
-                          <m:grow/>
-                        </m:dPr>
-                        <m:e>
-                          <m:r>
-                            <m:t>Y</m:t>
-                          </m:r>
-                          <m:r>
-                            <m:rPr>
-                              <m:sty m:val="p"/>
-                            </m:rPr>
-                            <m:t>|</m:t>
-                          </m:r>
-                          <m:r>
-                            <m:t>X</m:t>
-                          </m:r>
-                        </m:e>
-                      </m:d>
-                      <m:r>
-                        <m:t>P</m:t>
-                      </m:r>
-                      <m:d>
-                        <m:dPr>
-                          <m:begChr m:val="("/>
-                          <m:endChr m:val=")"/>
-                          <m:sepChr m:val=""/>
-                          <m:grow/>
-                        </m:dPr>
-                        <m:e>
-                          <m:r>
-                            <m:t>X</m:t>
-                          </m:r>
-                        </m:e>
-                      </m:d>
-                      <m:r>
-                        <m:t>P</m:t>
-                      </m:r>
-                      <m:d>
-                        <m:dPr>
-                          <m:begChr m:val="("/>
-                          <m:endChr m:val=")"/>
-                          <m:sepChr m:val=""/>
-                          <m:grow/>
-                        </m:dPr>
-                        <m:e>
-                          <m:r>
-                            <m:t>X</m:t>
-                          </m:r>
-                          <m:r>
-                            <m:rPr>
-                              <m:sty m:val="p"/>
-                            </m:rPr>
-                            <m:t>,</m:t>
-                          </m:r>
-                          <m:r>
-                            <m:t>Y</m:t>
-                          </m:r>
-                        </m:e>
-                      </m:d>
-                      <m:r>
-                        <m:rPr>
-                          <m:sty m:val="p"/>
-                        </m:rPr>
-                        <m:t>=</m:t>
-                      </m:r>
-                      <m:r>
-                        <m:t>P</m:t>
-                      </m:r>
-                      <m:d>
-                        <m:dPr>
-                          <m:begChr m:val="("/>
-                          <m:endChr m:val=")"/>
-                          <m:sepChr m:val=""/>
-                          <m:grow/>
-                        </m:dPr>
-                        <m:e>
-                          <m:r>
-                            <m:t>X</m:t>
-                          </m:r>
-                          <m:r>
-                            <m:rPr>
-                              <m:sty m:val="p"/>
-                            </m:rPr>
-                            <m:t>|</m:t>
-                          </m:r>
-                          <m:r>
-                            <m:t>Y</m:t>
-                          </m:r>
-                        </m:e>
-                      </m:d>
-                      <m:r>
-                        <m:t>P</m:t>
-                      </m:r>
-                      <m:d>
-                        <m:dPr>
-                          <m:begChr m:val="("/>
-                          <m:endChr m:val=")"/>
-                          <m:sepChr m:val=""/>
-                          <m:grow/>
-                        </m:dPr>
-                        <m:e>
-                          <m:r>
-                            <m:t>Y</m:t>
-                          </m:r>
-                        </m:e>
-                      </m:d>
-                    </m:oMath>
-                  </m:oMathPara>
-                </a14:m>
-              </a:p>
-            </p:txBody>
-          </p:sp>
-        </mc:Choice>
-      </mc:AlternateContent>
+              <a:t>When predictions on unseen data are satisfactory, we say the model “generalizes to unseen data”.</a:t>
+            </a:r>
+          </a:p>
+          <a:p>
+            <a:pPr lvl="0"/>
+            <a:r>
+              <a:t>The test data used in the model development phase and the cross-validation are </a:t>
+            </a:r>
+            <a:r>
+              <a:rPr i="1"/>
+              <a:t>estimates</a:t>
+            </a:r>
+            <a:r>
+              <a:t> of the error in unseen (production) data.</a:t>
+            </a:r>
+          </a:p>
+          <a:p>
+            <a:pPr lvl="0"/>
+            <a:r>
+              <a:t>Reasons for difference:</a:t>
+            </a:r>
+          </a:p>
+          <a:p>
+            <a:pPr lvl="1"/>
+            <a:r>
+              <a:t>Data collection, encoding, and instrumentation.</a:t>
+            </a:r>
+          </a:p>
+          <a:p>
+            <a:pPr lvl="1"/>
+            <a:r>
+              <a:t>The world changes, and data distributions are not stationary.</a:t>
+            </a:r>
+          </a:p>
+        </p:txBody>
+      </p:sp>
+      <p:sp>
+        <p:nvSpPr>
+          <p:cNvPr id="4" name="Content Placeholder 3"/>
+          <p:cNvSpPr>
+            <a:spLocks noGrp="1"/>
+          </p:cNvSpPr>
+          <p:nvPr>
+            <p:ph sz="half" idx="2"/>
+          </p:nvPr>
+        </p:nvSpPr>
+        <p:spPr/>
+        <p:txBody>
+          <a:bodyPr>
+            <a:normAutofit fontScale="55000" lnSpcReduction="20000"/>
+          </a:bodyPr>
+          <a:lstStyle/>
+          <a:p>
+            <a:pPr marL="0" lvl="0" indent="0">
+              <a:buNone/>
+            </a:pPr>
+            <a:r>
+              <a:rPr b="1"/>
+              <a:t>Edge cases</a:t>
+            </a:r>
+          </a:p>
+          <a:p>
+            <a:pPr lvl="0"/>
+            <a:r>
+              <a:t>An ML model performs well in most cases but fails in a small minority of cases, generally with catastrophic consequences.</a:t>
+            </a:r>
+          </a:p>
+          <a:p>
+            <a:pPr lvl="0"/>
+            <a:r>
+              <a:t>Data distribution may have shifted if the number of edge cases increases.</a:t>
+            </a:r>
+          </a:p>
+          <a:p>
+            <a:pPr lvl="0"/>
+            <a:r>
+              <a:t>Key concern for safety-critical applications: autonomous vehicles, health systems, risk monitoring, etc.</a:t>
+            </a:r>
+          </a:p>
+          <a:p>
+            <a:pPr marL="0" lvl="0" indent="0">
+              <a:buNone/>
+            </a:pPr>
+            <a:r>
+              <a:rPr b="1"/>
+              <a:t>Degenerate feedback loops</a:t>
+            </a:r>
+          </a:p>
+          <a:p>
+            <a:pPr lvl="0"/>
+            <a:r>
+              <a:t>The model’s predictions influence the feedback, which in turn influences the next iteration of the model:</a:t>
+            </a:r>
+          </a:p>
+          <a:p>
+            <a:pPr lvl="1"/>
+            <a:r>
+              <a:t>System outputs are used to generate the next set of inputs.</a:t>
+            </a:r>
+          </a:p>
+          <a:p>
+            <a:pPr lvl="1"/>
+            <a:r>
+              <a:t>In user-facing applications, this can drive the options or interactions that a user is offered.</a:t>
+            </a:r>
+          </a:p>
+          <a:p>
+            <a:pPr lvl="1"/>
+            <a:r>
+              <a:t>User interactions with the system are the training data.</a:t>
+            </a:r>
+          </a:p>
+        </p:txBody>
+      </p:sp>
+      <p:sp>
+        <p:nvSpPr>
+          <p:cNvPr id="5" name="Date Placeholder 4">
+            <a:extLst>
+              <a:ext uri="{FF2B5EF4-FFF2-40B4-BE49-F238E27FC236}">
+                <a16:creationId xmlns:a16="http://schemas.microsoft.com/office/drawing/2014/main" id="{C990DD77-3953-FE64-8AF7-DAD29B30715D}"/>
+              </a:ext>
+            </a:extLst>
+          </p:cNvPr>
+          <p:cNvSpPr>
+            <a:spLocks noGrp="1"/>
+          </p:cNvSpPr>
+          <p:nvPr>
+            <p:ph type="dt" sz="half" idx="10"/>
+          </p:nvPr>
+        </p:nvSpPr>
+        <p:spPr/>
+        <p:txBody>
+          <a:bodyPr/>
+          <a:lstStyle/>
+          <a:p>
+            <a:r>
+              <a:rPr lang="en-CA"/>
+              <a:t>March 2024</a:t>
+            </a:r>
+          </a:p>
+        </p:txBody>
+      </p:sp>
+      <p:sp>
+        <p:nvSpPr>
+          <p:cNvPr id="6" name="Footer Placeholder 5">
+            <a:extLst>
+              <a:ext uri="{FF2B5EF4-FFF2-40B4-BE49-F238E27FC236}">
+                <a16:creationId xmlns:a16="http://schemas.microsoft.com/office/drawing/2014/main" id="{E59ADB66-5656-5A8E-00B9-CC8386AA3B16}"/>
+              </a:ext>
+            </a:extLst>
+          </p:cNvPr>
+          <p:cNvSpPr>
+            <a:spLocks noGrp="1"/>
+          </p:cNvSpPr>
+          <p:nvPr>
+            <p:ph type="ftr" sz="quarter" idx="11"/>
+          </p:nvPr>
+        </p:nvSpPr>
+        <p:spPr/>
+        <p:txBody>
+          <a:bodyPr/>
+          <a:lstStyle/>
+          <a:p>
+            <a:r>
+              <a:rPr lang="en-CA"/>
+              <a:t>Production - Monitoring</a:t>
+            </a:r>
+          </a:p>
+        </p:txBody>
+      </p:sp>
+      <p:sp>
+        <p:nvSpPr>
+          <p:cNvPr id="7" name="Slide Number Placeholder 6">
+            <a:extLst>
+              <a:ext uri="{FF2B5EF4-FFF2-40B4-BE49-F238E27FC236}">
+                <a16:creationId xmlns:a16="http://schemas.microsoft.com/office/drawing/2014/main" id="{D7AB6D1D-A422-0B86-AC4E-77343859E68E}"/>
+              </a:ext>
+            </a:extLst>
+          </p:cNvPr>
+          <p:cNvSpPr>
+            <a:spLocks noGrp="1"/>
+          </p:cNvSpPr>
+          <p:nvPr>
+            <p:ph type="sldNum" sz="quarter" idx="12"/>
+          </p:nvPr>
+        </p:nvSpPr>
+        <p:spPr/>
+        <p:txBody>
+          <a:bodyPr/>
+          <a:lstStyle/>
+          <a:p>
+            <a:fld id="{4F4BDF5D-830C-4829-B676-EE421164B1C8}" type="slidenum">
+              <a:rPr lang="en-CA" smtClean="0"/>
+              <a:t>9</a:t>
+            </a:fld>
+            <a:endParaRPr lang="en-CA"/>
+          </a:p>
+        </p:txBody>
+      </p:sp>
     </p:spTree>
   </p:cSld>
+  <p:clrMapOvr>
+    <a:masterClrMapping/>
+  </p:clrMapOvr>
 </p:sld>
 </file>
 
@@ -6142,7 +9661,7 @@
         <a:srgbClr val="E7E6E6"/>
       </a:lt2>
       <a:accent1>
-        <a:srgbClr val="5B9BD5"/>
+        <a:srgbClr val="4472C4"/>
       </a:accent1>
       <a:accent2>
         <a:srgbClr val="ED7D31"/>
@@ -6154,7 +9673,7 @@
         <a:srgbClr val="FFC000"/>
       </a:accent4>
       <a:accent5>
-        <a:srgbClr val="4472C4"/>
+        <a:srgbClr val="5B9BD5"/>
       </a:accent5>
       <a:accent6>
         <a:srgbClr val="70AD47"/>
@@ -6171,9 +9690,9 @@
         <a:latin typeface="Calibri Light" panose="020F0302020204030204"/>
         <a:ea typeface=""/>
         <a:cs typeface=""/>
-        <a:font script="Jpan" typeface="ＭＳ Ｐゴシック"/>
+        <a:font script="Jpan" typeface="游ゴシック Light"/>
         <a:font script="Hang" typeface="맑은 고딕"/>
-        <a:font script="Hans" typeface="宋体"/>
+        <a:font script="Hans" typeface="等线 Light"/>
         <a:font script="Hant" typeface="新細明體"/>
         <a:font script="Arab" typeface="Times New Roman"/>
         <a:font script="Hebr" typeface="Times New Roman"/>
@@ -6201,14 +9720,31 @@
         <a:font script="Viet" typeface="Times New Roman"/>
         <a:font script="Uigh" typeface="Microsoft Uighur"/>
         <a:font script="Geor" typeface="Sylfaen"/>
+        <a:font script="Armn" typeface="Arial"/>
+        <a:font script="Bugi" typeface="Leelawadee UI"/>
+        <a:font script="Bopo" typeface="Microsoft JhengHei"/>
+        <a:font script="Java" typeface="Javanese Text"/>
+        <a:font script="Lisu" typeface="Segoe UI"/>
+        <a:font script="Mymr" typeface="Myanmar Text"/>
+        <a:font script="Nkoo" typeface="Ebrima"/>
+        <a:font script="Olck" typeface="Nirmala UI"/>
+        <a:font script="Osma" typeface="Ebrima"/>
+        <a:font script="Phag" typeface="Phagspa"/>
+        <a:font script="Syrn" typeface="Estrangelo Edessa"/>
+        <a:font script="Syrj" typeface="Estrangelo Edessa"/>
+        <a:font script="Syre" typeface="Estrangelo Edessa"/>
+        <a:font script="Sora" typeface="Nirmala UI"/>
+        <a:font script="Tale" typeface="Microsoft Tai Le"/>
+        <a:font script="Talu" typeface="Microsoft New Tai Lue"/>
+        <a:font script="Tfng" typeface="Ebrima"/>
       </a:majorFont>
       <a:minorFont>
         <a:latin typeface="Calibri" panose="020F0502020204030204"/>
         <a:ea typeface=""/>
         <a:cs typeface=""/>
-        <a:font script="Jpan" typeface="ＭＳ Ｐゴシック"/>
+        <a:font script="Jpan" typeface="游ゴシック"/>
         <a:font script="Hang" typeface="맑은 고딕"/>
-        <a:font script="Hans" typeface="宋体"/>
+        <a:font script="Hans" typeface="等线"/>
         <a:font script="Hant" typeface="新細明體"/>
         <a:font script="Arab" typeface="Arial"/>
         <a:font script="Hebr" typeface="Arial"/>
@@ -6236,6 +9772,23 @@
         <a:font script="Viet" typeface="Arial"/>
         <a:font script="Uigh" typeface="Microsoft Uighur"/>
         <a:font script="Geor" typeface="Sylfaen"/>
+        <a:font script="Armn" typeface="Arial"/>
+        <a:font script="Bugi" typeface="Leelawadee UI"/>
+        <a:font script="Bopo" typeface="Microsoft JhengHei"/>
+        <a:font script="Java" typeface="Javanese Text"/>
+        <a:font script="Lisu" typeface="Segoe UI"/>
+        <a:font script="Mymr" typeface="Myanmar Text"/>
+        <a:font script="Nkoo" typeface="Ebrima"/>
+        <a:font script="Olck" typeface="Nirmala UI"/>
+        <a:font script="Osma" typeface="Ebrima"/>
+        <a:font script="Phag" typeface="Phagspa"/>
+        <a:font script="Syrn" typeface="Estrangelo Edessa"/>
+        <a:font script="Syrj" typeface="Estrangelo Edessa"/>
+        <a:font script="Syre" typeface="Estrangelo Edessa"/>
+        <a:font script="Sora" typeface="Nirmala UI"/>
+        <a:font script="Tale" typeface="Microsoft Tai Le"/>
+        <a:font script="Talu" typeface="Microsoft New Tai Lue"/>
+        <a:font script="Tfng" typeface="Ebrima"/>
       </a:minorFont>
     </a:fontScheme>
     <a:fmtScheme name="Office">
